--- a/Presentations/EMR Interroperability V0.1.pptx
+++ b/Presentations/EMR Interroperability V0.1.pptx
@@ -33507,7 +33507,7 @@
                   <a:schemeClr val="tx1"/>
                 </a:solidFill>
               </a:rPr>
-              <a:t>m</a:t>
+              <a:t>s</a:t>
             </a:r>
             <a:r>
               <a:rPr lang="en-US" sz="1200" baseline="-25000" dirty="0" smtClean="0">
@@ -33584,7 +33584,7 @@
                   <a:schemeClr val="tx1"/>
                 </a:solidFill>
               </a:rPr>
-              <a:t>m</a:t>
+              <a:t>s</a:t>
             </a:r>
             <a:r>
               <a:rPr lang="en-US" sz="1200" baseline="-25000" dirty="0" smtClean="0">
@@ -33661,7 +33661,7 @@
                   <a:schemeClr val="tx1"/>
                 </a:solidFill>
               </a:rPr>
-              <a:t>m</a:t>
+              <a:t>s</a:t>
             </a:r>
             <a:r>
               <a:rPr lang="en-US" sz="1200" baseline="-25000" dirty="0" smtClean="0">
@@ -33738,7 +33738,7 @@
                   <a:schemeClr val="tx1"/>
                 </a:solidFill>
               </a:rPr>
-              <a:t>m</a:t>
+              <a:t>s</a:t>
             </a:r>
             <a:r>
               <a:rPr lang="en-US" sz="1200" baseline="-25000" dirty="0" smtClean="0">
@@ -33815,7 +33815,7 @@
                   <a:schemeClr val="tx1"/>
                 </a:solidFill>
               </a:rPr>
-              <a:t>m</a:t>
+              <a:t>s</a:t>
             </a:r>
             <a:r>
               <a:rPr lang="en-US" sz="1200" baseline="-25000" dirty="0" smtClean="0">

--- a/Presentations/EMR Interroperability V0.1.pptx
+++ b/Presentations/EMR Interroperability V0.1.pptx
@@ -5,7 +5,7 @@
     <p:sldMasterId id="2147483648" r:id="rId1"/>
   </p:sldMasterIdLst>
   <p:notesMasterIdLst>
-    <p:notesMasterId r:id="rId13"/>
+    <p:notesMasterId r:id="rId14"/>
   </p:notesMasterIdLst>
   <p:sldIdLst>
     <p:sldId id="261" r:id="rId2"/>
@@ -18,7 +18,8 @@
     <p:sldId id="272" r:id="rId9"/>
     <p:sldId id="273" r:id="rId10"/>
     <p:sldId id="274" r:id="rId11"/>
-    <p:sldId id="260" r:id="rId12"/>
+    <p:sldId id="275" r:id="rId12"/>
+    <p:sldId id="260" r:id="rId13"/>
   </p:sldIdLst>
   <p:sldSz cx="12192000" cy="6858000"/>
   <p:notesSz cx="6797675" cy="9929813"/>
@@ -207,7 +208,7 @@
           <a:p>
             <a:fld id="{0CE678D8-32C5-404E-AC33-A2CB57AB8A03}" type="datetimeFigureOut">
               <a:rPr lang="en-US" smtClean="0"/>
-              <a:t>1/12/2021</a:t>
+              <a:t>1/16/2021</a:t>
             </a:fld>
             <a:endParaRPr lang="en-US"/>
           </a:p>
@@ -811,6 +812,90 @@
 </p:notes>
 </file>
 
+<file path=ppt/notesSlides/notesSlide5.xml><?xml version="1.0" encoding="utf-8"?>
+<p:notes xmlns:a="http://schemas.openxmlformats.org/drawingml/2006/main" xmlns:r="http://schemas.openxmlformats.org/officeDocument/2006/relationships" xmlns:p="http://schemas.openxmlformats.org/presentationml/2006/main">
+  <p:cSld>
+    <p:spTree>
+      <p:nvGrpSpPr>
+        <p:cNvPr id="1" name=""/>
+        <p:cNvGrpSpPr/>
+        <p:nvPr/>
+      </p:nvGrpSpPr>
+      <p:grpSpPr>
+        <a:xfrm>
+          <a:off x="0" y="0"/>
+          <a:ext cx="0" cy="0"/>
+          <a:chOff x="0" y="0"/>
+          <a:chExt cx="0" cy="0"/>
+        </a:xfrm>
+      </p:grpSpPr>
+      <p:sp>
+        <p:nvSpPr>
+          <p:cNvPr id="2" name="Slide Image Placeholder 1"/>
+          <p:cNvSpPr>
+            <a:spLocks noGrp="1" noRot="1" noChangeAspect="1"/>
+          </p:cNvSpPr>
+          <p:nvPr>
+            <p:ph type="sldImg"/>
+          </p:nvPr>
+        </p:nvSpPr>
+        <p:spPr/>
+      </p:sp>
+      <p:sp>
+        <p:nvSpPr>
+          <p:cNvPr id="3" name="Notes Placeholder 2"/>
+          <p:cNvSpPr>
+            <a:spLocks noGrp="1"/>
+          </p:cNvSpPr>
+          <p:nvPr>
+            <p:ph type="body" idx="1"/>
+          </p:nvPr>
+        </p:nvSpPr>
+        <p:spPr/>
+        <p:txBody>
+          <a:bodyPr/>
+          <a:lstStyle/>
+          <a:p>
+            <a:endParaRPr lang="en-US"/>
+          </a:p>
+        </p:txBody>
+      </p:sp>
+      <p:sp>
+        <p:nvSpPr>
+          <p:cNvPr id="4" name="Slide Number Placeholder 3"/>
+          <p:cNvSpPr>
+            <a:spLocks noGrp="1"/>
+          </p:cNvSpPr>
+          <p:nvPr>
+            <p:ph type="sldNum" sz="quarter" idx="10"/>
+          </p:nvPr>
+        </p:nvSpPr>
+        <p:spPr/>
+        <p:txBody>
+          <a:bodyPr/>
+          <a:lstStyle/>
+          <a:p>
+            <a:fld id="{1B1EBEA6-BF93-4335-B192-3BF2ACD8F71F}" type="slidenum">
+              <a:rPr lang="en-US" smtClean="0"/>
+              <a:t>11</a:t>
+            </a:fld>
+            <a:endParaRPr lang="en-US"/>
+          </a:p>
+        </p:txBody>
+      </p:sp>
+    </p:spTree>
+    <p:extLst>
+      <p:ext uri="{BB962C8B-B14F-4D97-AF65-F5344CB8AC3E}">
+        <p14:creationId xmlns:p14="http://schemas.microsoft.com/office/powerpoint/2010/main" val="3067309106"/>
+      </p:ext>
+    </p:extLst>
+  </p:cSld>
+  <p:clrMapOvr>
+    <a:masterClrMapping/>
+  </p:clrMapOvr>
+</p:notes>
+</file>
+
 <file path=ppt/slideLayouts/slideLayout1.xml><?xml version="1.0" encoding="utf-8"?>
 <p:sldLayout xmlns:a="http://schemas.openxmlformats.org/drawingml/2006/main" xmlns:r="http://schemas.openxmlformats.org/officeDocument/2006/relationships" xmlns:p="http://schemas.openxmlformats.org/presentationml/2006/main" type="title" preserve="1">
   <p:cSld name="Title Slide">
@@ -942,7 +1027,7 @@
           <a:p>
             <a:fld id="{C390AA1A-B384-4FFF-A591-3630D6086717}" type="datetimeFigureOut">
               <a:rPr lang="en-US" smtClean="0"/>
-              <a:t>1/12/2021</a:t>
+              <a:t>1/16/2021</a:t>
             </a:fld>
             <a:endParaRPr lang="en-US"/>
           </a:p>
@@ -1112,7 +1197,7 @@
           <a:p>
             <a:fld id="{C390AA1A-B384-4FFF-A591-3630D6086717}" type="datetimeFigureOut">
               <a:rPr lang="en-US" smtClean="0"/>
-              <a:t>1/12/2021</a:t>
+              <a:t>1/16/2021</a:t>
             </a:fld>
             <a:endParaRPr lang="en-US"/>
           </a:p>
@@ -1292,7 +1377,7 @@
           <a:p>
             <a:fld id="{C390AA1A-B384-4FFF-A591-3630D6086717}" type="datetimeFigureOut">
               <a:rPr lang="en-US" smtClean="0"/>
-              <a:t>1/12/2021</a:t>
+              <a:t>1/16/2021</a:t>
             </a:fld>
             <a:endParaRPr lang="en-US"/>
           </a:p>
@@ -1462,7 +1547,7 @@
           <a:p>
             <a:fld id="{C390AA1A-B384-4FFF-A591-3630D6086717}" type="datetimeFigureOut">
               <a:rPr lang="en-US" smtClean="0"/>
-              <a:t>1/12/2021</a:t>
+              <a:t>1/16/2021</a:t>
             </a:fld>
             <a:endParaRPr lang="en-US"/>
           </a:p>
@@ -1708,7 +1793,7 @@
           <a:p>
             <a:fld id="{C390AA1A-B384-4FFF-A591-3630D6086717}" type="datetimeFigureOut">
               <a:rPr lang="en-US" smtClean="0"/>
-              <a:t>1/12/2021</a:t>
+              <a:t>1/16/2021</a:t>
             </a:fld>
             <a:endParaRPr lang="en-US"/>
           </a:p>
@@ -1940,7 +2025,7 @@
           <a:p>
             <a:fld id="{C390AA1A-B384-4FFF-A591-3630D6086717}" type="datetimeFigureOut">
               <a:rPr lang="en-US" smtClean="0"/>
-              <a:t>1/12/2021</a:t>
+              <a:t>1/16/2021</a:t>
             </a:fld>
             <a:endParaRPr lang="en-US"/>
           </a:p>
@@ -2307,7 +2392,7 @@
           <a:p>
             <a:fld id="{C390AA1A-B384-4FFF-A591-3630D6086717}" type="datetimeFigureOut">
               <a:rPr lang="en-US" smtClean="0"/>
-              <a:t>1/12/2021</a:t>
+              <a:t>1/16/2021</a:t>
             </a:fld>
             <a:endParaRPr lang="en-US"/>
           </a:p>
@@ -2425,7 +2510,7 @@
           <a:p>
             <a:fld id="{C390AA1A-B384-4FFF-A591-3630D6086717}" type="datetimeFigureOut">
               <a:rPr lang="en-US" smtClean="0"/>
-              <a:t>1/12/2021</a:t>
+              <a:t>1/16/2021</a:t>
             </a:fld>
             <a:endParaRPr lang="en-US"/>
           </a:p>
@@ -2520,7 +2605,7 @@
           <a:p>
             <a:fld id="{C390AA1A-B384-4FFF-A591-3630D6086717}" type="datetimeFigureOut">
               <a:rPr lang="en-US" smtClean="0"/>
-              <a:t>1/12/2021</a:t>
+              <a:t>1/16/2021</a:t>
             </a:fld>
             <a:endParaRPr lang="en-US"/>
           </a:p>
@@ -2797,7 +2882,7 @@
           <a:p>
             <a:fld id="{C390AA1A-B384-4FFF-A591-3630D6086717}" type="datetimeFigureOut">
               <a:rPr lang="en-US" smtClean="0"/>
-              <a:t>1/12/2021</a:t>
+              <a:t>1/16/2021</a:t>
             </a:fld>
             <a:endParaRPr lang="en-US"/>
           </a:p>
@@ -3050,7 +3135,7 @@
           <a:p>
             <a:fld id="{C390AA1A-B384-4FFF-A591-3630D6086717}" type="datetimeFigureOut">
               <a:rPr lang="en-US" smtClean="0"/>
-              <a:t>1/12/2021</a:t>
+              <a:t>1/16/2021</a:t>
             </a:fld>
             <a:endParaRPr lang="en-US"/>
           </a:p>
@@ -3263,7 +3348,7 @@
           <a:p>
             <a:fld id="{C390AA1A-B384-4FFF-A591-3630D6086717}" type="datetimeFigureOut">
               <a:rPr lang="en-US" smtClean="0"/>
-              <a:t>1/12/2021</a:t>
+              <a:t>1/16/2021</a:t>
             </a:fld>
             <a:endParaRPr lang="en-US"/>
           </a:p>
@@ -14903,6 +14988,663 @@
 </file>
 
 <file path=ppt/slides/slide11.xml><?xml version="1.0" encoding="utf-8"?>
+<p:sld xmlns:a="http://schemas.openxmlformats.org/drawingml/2006/main" xmlns:r="http://schemas.openxmlformats.org/officeDocument/2006/relationships" xmlns:p="http://schemas.openxmlformats.org/presentationml/2006/main">
+  <p:cSld>
+    <p:spTree>
+      <p:nvGrpSpPr>
+        <p:cNvPr id="1" name=""/>
+        <p:cNvGrpSpPr/>
+        <p:nvPr/>
+      </p:nvGrpSpPr>
+      <p:grpSpPr>
+        <a:xfrm>
+          <a:off x="0" y="0"/>
+          <a:ext cx="0" cy="0"/>
+          <a:chOff x="0" y="0"/>
+          <a:chExt cx="0" cy="0"/>
+        </a:xfrm>
+      </p:grpSpPr>
+      <p:graphicFrame>
+        <p:nvGraphicFramePr>
+          <p:cNvPr id="6" name="Table 5"/>
+          <p:cNvGraphicFramePr>
+            <a:graphicFrameLocks noGrp="1"/>
+          </p:cNvGraphicFramePr>
+          <p:nvPr>
+            <p:extLst>
+              <p:ext uri="{D42A27DB-BD31-4B8C-83A1-F6EECF244321}">
+                <p14:modId xmlns:p14="http://schemas.microsoft.com/office/powerpoint/2010/main" val="2624893102"/>
+              </p:ext>
+            </p:extLst>
+          </p:nvPr>
+        </p:nvGraphicFramePr>
+        <p:xfrm>
+          <a:off x="2324218" y="1826443"/>
+          <a:ext cx="7555071" cy="1009086"/>
+        </p:xfrm>
+        <a:graphic>
+          <a:graphicData uri="http://schemas.openxmlformats.org/drawingml/2006/table">
+            <a:tbl>
+              <a:tblPr firstRow="1" bandRow="1"/>
+              <a:tblGrid>
+                <a:gridCol w="2518357">
+                  <a:extLst>
+                    <a:ext uri="{9D8B030D-6E8A-4147-A177-3AD203B41FA5}">
+                      <a16:colId xmlns:a16="http://schemas.microsoft.com/office/drawing/2014/main" val="1316458371"/>
+                    </a:ext>
+                  </a:extLst>
+                </a:gridCol>
+                <a:gridCol w="2518357">
+                  <a:extLst>
+                    <a:ext uri="{9D8B030D-6E8A-4147-A177-3AD203B41FA5}">
+                      <a16:colId xmlns:a16="http://schemas.microsoft.com/office/drawing/2014/main" val="4225085063"/>
+                    </a:ext>
+                  </a:extLst>
+                </a:gridCol>
+                <a:gridCol w="2518357">
+                  <a:extLst>
+                    <a:ext uri="{9D8B030D-6E8A-4147-A177-3AD203B41FA5}">
+                      <a16:colId xmlns:a16="http://schemas.microsoft.com/office/drawing/2014/main" val="1820702016"/>
+                    </a:ext>
+                  </a:extLst>
+                </a:gridCol>
+              </a:tblGrid>
+              <a:tr h="336362">
+                <a:tc gridSpan="3">
+                  <a:txBody>
+                    <a:bodyPr/>
+                    <a:lstStyle/>
+                    <a:p>
+                      <a:pPr algn="ctr"/>
+                      <a:r>
+                        <a:rPr lang="en-US" sz="1200" b="1" dirty="0" smtClean="0"/>
+                        <a:t>Attribute</a:t>
+                      </a:r>
+                      <a:r>
+                        <a:rPr lang="en-US" sz="1200" b="1" baseline="0" dirty="0" smtClean="0"/>
+                        <a:t> Context</a:t>
+                      </a:r>
+                      <a:endParaRPr lang="en-US" sz="1200" b="1" dirty="0"/>
+                    </a:p>
+                  </a:txBody>
+                  <a:tcPr/>
+                </a:tc>
+                <a:tc hMerge="1">
+                  <a:txBody>
+                    <a:bodyPr/>
+                    <a:lstStyle/>
+                    <a:p>
+                      <a:endParaRPr lang="en-US" sz="1200" dirty="0"/>
+                    </a:p>
+                  </a:txBody>
+                  <a:tcPr/>
+                </a:tc>
+                <a:tc hMerge="1">
+                  <a:txBody>
+                    <a:bodyPr/>
+                    <a:lstStyle/>
+                    <a:p>
+                      <a:pPr marL="0" marR="0" lvl="0" indent="0" algn="ctr" defTabSz="914400" rtl="0" eaLnBrk="1" fontAlgn="auto" latinLnBrk="0" hangingPunct="1">
+                        <a:lnSpc>
+                          <a:spcPct val="100000"/>
+                        </a:lnSpc>
+                        <a:spcBef>
+                          <a:spcPts val="0"/>
+                        </a:spcBef>
+                        <a:spcAft>
+                          <a:spcPts val="0"/>
+                        </a:spcAft>
+                        <a:buClrTx/>
+                        <a:buSzTx/>
+                        <a:buFontTx/>
+                        <a:buNone/>
+                        <a:tabLst/>
+                        <a:defRPr/>
+                      </a:pPr>
+                      <a:endParaRPr lang="en-US" sz="1200" b="1" dirty="0"/>
+                    </a:p>
+                  </a:txBody>
+                  <a:tcPr/>
+                </a:tc>
+                <a:extLst>
+                  <a:ext uri="{0D108BD9-81ED-4DB2-BD59-A6C34878D82A}">
+                    <a16:rowId xmlns:a16="http://schemas.microsoft.com/office/drawing/2014/main" val="181864080"/>
+                  </a:ext>
+                </a:extLst>
+              </a:tr>
+              <a:tr h="336362">
+                <a:tc>
+                  <a:txBody>
+                    <a:bodyPr/>
+                    <a:lstStyle/>
+                    <a:p>
+                      <a:r>
+                        <a:rPr lang="en-US" sz="1200" dirty="0" smtClean="0">
+                          <a:solidFill>
+                            <a:schemeClr val="tx1"/>
+                          </a:solidFill>
+                        </a:rPr>
+                        <a:t>Schema Name</a:t>
+                      </a:r>
+                      <a:endParaRPr lang="en-US" sz="1200" dirty="0">
+                        <a:solidFill>
+                          <a:schemeClr val="tx1"/>
+                        </a:solidFill>
+                      </a:endParaRPr>
+                    </a:p>
+                  </a:txBody>
+                  <a:tcPr/>
+                </a:tc>
+                <a:tc>
+                  <a:txBody>
+                    <a:bodyPr/>
+                    <a:lstStyle/>
+                    <a:p>
+                      <a:r>
+                        <a:rPr lang="en-US" sz="1200" dirty="0" smtClean="0">
+                          <a:solidFill>
+                            <a:schemeClr val="tx1"/>
+                          </a:solidFill>
+                        </a:rPr>
+                        <a:t>Table</a:t>
+                      </a:r>
+                      <a:r>
+                        <a:rPr lang="en-US" sz="1200" baseline="0" dirty="0" smtClean="0">
+                          <a:solidFill>
+                            <a:schemeClr val="tx1"/>
+                          </a:solidFill>
+                        </a:rPr>
+                        <a:t> Name</a:t>
+                      </a:r>
+                      <a:endParaRPr lang="en-US" sz="1200" dirty="0">
+                        <a:solidFill>
+                          <a:schemeClr val="tx1"/>
+                        </a:solidFill>
+                      </a:endParaRPr>
+                    </a:p>
+                  </a:txBody>
+                  <a:tcPr/>
+                </a:tc>
+                <a:tc>
+                  <a:txBody>
+                    <a:bodyPr/>
+                    <a:lstStyle/>
+                    <a:p>
+                      <a:pPr marL="0" marR="0" lvl="0" indent="0" algn="l" defTabSz="914400" rtl="0" eaLnBrk="1" fontAlgn="auto" latinLnBrk="0" hangingPunct="1">
+                        <a:lnSpc>
+                          <a:spcPct val="100000"/>
+                        </a:lnSpc>
+                        <a:spcBef>
+                          <a:spcPts val="0"/>
+                        </a:spcBef>
+                        <a:spcAft>
+                          <a:spcPts val="0"/>
+                        </a:spcAft>
+                        <a:buClrTx/>
+                        <a:buSzTx/>
+                        <a:buFontTx/>
+                        <a:buNone/>
+                        <a:tabLst/>
+                        <a:defRPr/>
+                      </a:pPr>
+                      <a:r>
+                        <a:rPr lang="en-US" sz="1200" dirty="0" smtClean="0">
+                          <a:solidFill>
+                            <a:schemeClr val="tx1"/>
+                          </a:solidFill>
+                        </a:rPr>
+                        <a:t>Attribute</a:t>
+                      </a:r>
+                      <a:r>
+                        <a:rPr lang="en-US" sz="1200" baseline="0" dirty="0" smtClean="0">
+                          <a:solidFill>
+                            <a:schemeClr val="tx1"/>
+                          </a:solidFill>
+                        </a:rPr>
+                        <a:t> Name</a:t>
+                      </a:r>
+                      <a:endParaRPr lang="en-US" sz="1200" dirty="0">
+                        <a:solidFill>
+                          <a:schemeClr val="tx1"/>
+                        </a:solidFill>
+                      </a:endParaRPr>
+                    </a:p>
+                  </a:txBody>
+                  <a:tcPr/>
+                </a:tc>
+                <a:extLst>
+                  <a:ext uri="{0D108BD9-81ED-4DB2-BD59-A6C34878D82A}">
+                    <a16:rowId xmlns:a16="http://schemas.microsoft.com/office/drawing/2014/main" val="991575750"/>
+                  </a:ext>
+                </a:extLst>
+              </a:tr>
+              <a:tr h="336362">
+                <a:tc>
+                  <a:txBody>
+                    <a:bodyPr/>
+                    <a:lstStyle/>
+                    <a:p>
+                      <a:pPr marL="0" marR="0" lvl="0" indent="0" algn="l" defTabSz="914400" rtl="0" eaLnBrk="1" fontAlgn="auto" latinLnBrk="0" hangingPunct="1">
+                        <a:lnSpc>
+                          <a:spcPct val="100000"/>
+                        </a:lnSpc>
+                        <a:spcBef>
+                          <a:spcPts val="0"/>
+                        </a:spcBef>
+                        <a:spcAft>
+                          <a:spcPts val="0"/>
+                        </a:spcAft>
+                        <a:buClrTx/>
+                        <a:buSzTx/>
+                        <a:buFontTx/>
+                        <a:buNone/>
+                        <a:tabLst/>
+                        <a:defRPr/>
+                      </a:pPr>
+                      <a:r>
+                        <a:rPr lang="en-US" sz="1200" dirty="0" smtClean="0">
+                          <a:solidFill>
+                            <a:schemeClr val="tx1"/>
+                          </a:solidFill>
+                        </a:rPr>
+                        <a:t>Schema</a:t>
+                      </a:r>
+                      <a:r>
+                        <a:rPr lang="en-US" sz="1200" baseline="0" dirty="0" smtClean="0">
+                          <a:solidFill>
+                            <a:schemeClr val="tx1"/>
+                          </a:solidFill>
+                        </a:rPr>
+                        <a:t> Version</a:t>
+                      </a:r>
+                      <a:endParaRPr lang="en-US" sz="1200" dirty="0">
+                        <a:solidFill>
+                          <a:schemeClr val="tx1"/>
+                        </a:solidFill>
+                      </a:endParaRPr>
+                    </a:p>
+                  </a:txBody>
+                  <a:tcPr/>
+                </a:tc>
+                <a:tc>
+                  <a:txBody>
+                    <a:bodyPr/>
+                    <a:lstStyle/>
+                    <a:p>
+                      <a:r>
+                        <a:rPr lang="en-US" sz="1200" dirty="0" smtClean="0">
+                          <a:solidFill>
+                            <a:schemeClr val="tx1"/>
+                          </a:solidFill>
+                        </a:rPr>
+                        <a:t>Source</a:t>
+                      </a:r>
+                      <a:endParaRPr lang="en-US" sz="1200" dirty="0">
+                        <a:solidFill>
+                          <a:schemeClr val="tx1"/>
+                        </a:solidFill>
+                      </a:endParaRPr>
+                    </a:p>
+                  </a:txBody>
+                  <a:tcPr/>
+                </a:tc>
+                <a:tc>
+                  <a:txBody>
+                    <a:bodyPr/>
+                    <a:lstStyle/>
+                    <a:p>
+                      <a:pPr marL="0" marR="0" lvl="0" indent="0" algn="l" defTabSz="914400" rtl="0" eaLnBrk="1" fontAlgn="auto" latinLnBrk="0" hangingPunct="1">
+                        <a:lnSpc>
+                          <a:spcPct val="100000"/>
+                        </a:lnSpc>
+                        <a:spcBef>
+                          <a:spcPts val="0"/>
+                        </a:spcBef>
+                        <a:spcAft>
+                          <a:spcPts val="0"/>
+                        </a:spcAft>
+                        <a:buClrTx/>
+                        <a:buSzTx/>
+                        <a:buFontTx/>
+                        <a:buNone/>
+                        <a:tabLst/>
+                        <a:defRPr/>
+                      </a:pPr>
+                      <a:r>
+                        <a:rPr lang="en-US" sz="1200" dirty="0" smtClean="0">
+                          <a:solidFill>
+                            <a:schemeClr val="tx1"/>
+                          </a:solidFill>
+                        </a:rPr>
+                        <a:t>Recorded Date</a:t>
+                      </a:r>
+                      <a:endParaRPr lang="en-US" sz="1200" dirty="0">
+                        <a:solidFill>
+                          <a:schemeClr val="tx1"/>
+                        </a:solidFill>
+                      </a:endParaRPr>
+                    </a:p>
+                  </a:txBody>
+                  <a:tcPr/>
+                </a:tc>
+                <a:extLst>
+                  <a:ext uri="{0D108BD9-81ED-4DB2-BD59-A6C34878D82A}">
+                    <a16:rowId xmlns:a16="http://schemas.microsoft.com/office/drawing/2014/main" val="404934628"/>
+                  </a:ext>
+                </a:extLst>
+              </a:tr>
+            </a:tbl>
+          </a:graphicData>
+        </a:graphic>
+      </p:graphicFrame>
+      <p:graphicFrame>
+        <p:nvGraphicFramePr>
+          <p:cNvPr id="7" name="Table 6"/>
+          <p:cNvGraphicFramePr>
+            <a:graphicFrameLocks noGrp="1"/>
+          </p:cNvGraphicFramePr>
+          <p:nvPr>
+            <p:extLst>
+              <p:ext uri="{D42A27DB-BD31-4B8C-83A1-F6EECF244321}">
+                <p14:modId xmlns:p14="http://schemas.microsoft.com/office/powerpoint/2010/main" val="669268903"/>
+              </p:ext>
+            </p:extLst>
+          </p:nvPr>
+        </p:nvGraphicFramePr>
+        <p:xfrm>
+          <a:off x="2324217" y="3067076"/>
+          <a:ext cx="7555072" cy="672724"/>
+        </p:xfrm>
+        <a:graphic>
+          <a:graphicData uri="http://schemas.openxmlformats.org/drawingml/2006/table">
+            <a:tbl>
+              <a:tblPr firstRow="1" bandRow="1"/>
+              <a:tblGrid>
+                <a:gridCol w="3777536">
+                  <a:extLst>
+                    <a:ext uri="{9D8B030D-6E8A-4147-A177-3AD203B41FA5}">
+                      <a16:colId xmlns:a16="http://schemas.microsoft.com/office/drawing/2014/main" val="1316458371"/>
+                    </a:ext>
+                  </a:extLst>
+                </a:gridCol>
+                <a:gridCol w="3777536">
+                  <a:extLst>
+                    <a:ext uri="{9D8B030D-6E8A-4147-A177-3AD203B41FA5}">
+                      <a16:colId xmlns:a16="http://schemas.microsoft.com/office/drawing/2014/main" val="4225085063"/>
+                    </a:ext>
+                  </a:extLst>
+                </a:gridCol>
+              </a:tblGrid>
+              <a:tr h="336362">
+                <a:tc gridSpan="2">
+                  <a:txBody>
+                    <a:bodyPr/>
+                    <a:lstStyle/>
+                    <a:p>
+                      <a:pPr algn="ctr"/>
+                      <a:r>
+                        <a:rPr lang="en-US" sz="1200" b="1" dirty="0" smtClean="0"/>
+                        <a:t>Attribute Type</a:t>
+                      </a:r>
+                      <a:endParaRPr lang="en-US" sz="1200" b="1" dirty="0"/>
+                    </a:p>
+                  </a:txBody>
+                  <a:tcPr/>
+                </a:tc>
+                <a:tc hMerge="1">
+                  <a:txBody>
+                    <a:bodyPr/>
+                    <a:lstStyle/>
+                    <a:p>
+                      <a:endParaRPr lang="en-US" sz="1200" dirty="0"/>
+                    </a:p>
+                  </a:txBody>
+                  <a:tcPr/>
+                </a:tc>
+                <a:extLst>
+                  <a:ext uri="{0D108BD9-81ED-4DB2-BD59-A6C34878D82A}">
+                    <a16:rowId xmlns:a16="http://schemas.microsoft.com/office/drawing/2014/main" val="1973666550"/>
+                  </a:ext>
+                </a:extLst>
+              </a:tr>
+              <a:tr h="336362">
+                <a:tc>
+                  <a:txBody>
+                    <a:bodyPr/>
+                    <a:lstStyle/>
+                    <a:p>
+                      <a:r>
+                        <a:rPr lang="en-US" sz="1200" dirty="0" smtClean="0"/>
+                        <a:t>Attribute</a:t>
+                      </a:r>
+                      <a:r>
+                        <a:rPr lang="en-US" sz="1200" baseline="0" dirty="0" smtClean="0"/>
+                        <a:t> Type</a:t>
+                      </a:r>
+                      <a:endParaRPr lang="en-US" sz="1200" dirty="0"/>
+                    </a:p>
+                  </a:txBody>
+                  <a:tcPr/>
+                </a:tc>
+                <a:tc>
+                  <a:txBody>
+                    <a:bodyPr/>
+                    <a:lstStyle/>
+                    <a:p>
+                      <a:r>
+                        <a:rPr lang="en-US" sz="1200" dirty="0" smtClean="0"/>
+                        <a:t>Possible</a:t>
+                      </a:r>
+                      <a:r>
+                        <a:rPr lang="en-US" sz="1200" baseline="0" dirty="0" smtClean="0"/>
+                        <a:t> Value</a:t>
+                      </a:r>
+                      <a:endParaRPr lang="en-US" sz="1200" dirty="0"/>
+                    </a:p>
+                  </a:txBody>
+                  <a:tcPr/>
+                </a:tc>
+                <a:extLst>
+                  <a:ext uri="{0D108BD9-81ED-4DB2-BD59-A6C34878D82A}">
+                    <a16:rowId xmlns:a16="http://schemas.microsoft.com/office/drawing/2014/main" val="991575750"/>
+                  </a:ext>
+                </a:extLst>
+              </a:tr>
+            </a:tbl>
+          </a:graphicData>
+        </a:graphic>
+      </p:graphicFrame>
+      <p:graphicFrame>
+        <p:nvGraphicFramePr>
+          <p:cNvPr id="8" name="Table 7"/>
+          <p:cNvGraphicFramePr>
+            <a:graphicFrameLocks noGrp="1"/>
+          </p:cNvGraphicFramePr>
+          <p:nvPr>
+            <p:extLst>
+              <p:ext uri="{D42A27DB-BD31-4B8C-83A1-F6EECF244321}">
+                <p14:modId xmlns:p14="http://schemas.microsoft.com/office/powerpoint/2010/main" val="3696341049"/>
+              </p:ext>
+            </p:extLst>
+          </p:nvPr>
+        </p:nvGraphicFramePr>
+        <p:xfrm>
+          <a:off x="2324218" y="3971347"/>
+          <a:ext cx="7555071" cy="672724"/>
+        </p:xfrm>
+        <a:graphic>
+          <a:graphicData uri="http://schemas.openxmlformats.org/drawingml/2006/table">
+            <a:tbl>
+              <a:tblPr firstRow="1" bandRow="1"/>
+              <a:tblGrid>
+                <a:gridCol w="2518357">
+                  <a:extLst>
+                    <a:ext uri="{9D8B030D-6E8A-4147-A177-3AD203B41FA5}">
+                      <a16:colId xmlns:a16="http://schemas.microsoft.com/office/drawing/2014/main" val="1316458371"/>
+                    </a:ext>
+                  </a:extLst>
+                </a:gridCol>
+                <a:gridCol w="2518357">
+                  <a:extLst>
+                    <a:ext uri="{9D8B030D-6E8A-4147-A177-3AD203B41FA5}">
+                      <a16:colId xmlns:a16="http://schemas.microsoft.com/office/drawing/2014/main" val="4225085063"/>
+                    </a:ext>
+                  </a:extLst>
+                </a:gridCol>
+                <a:gridCol w="2518357">
+                  <a:extLst>
+                    <a:ext uri="{9D8B030D-6E8A-4147-A177-3AD203B41FA5}">
+                      <a16:colId xmlns:a16="http://schemas.microsoft.com/office/drawing/2014/main" val="1082934323"/>
+                    </a:ext>
+                  </a:extLst>
+                </a:gridCol>
+              </a:tblGrid>
+              <a:tr h="336362">
+                <a:tc gridSpan="3">
+                  <a:txBody>
+                    <a:bodyPr/>
+                    <a:lstStyle/>
+                    <a:p>
+                      <a:pPr algn="ctr"/>
+                      <a:r>
+                        <a:rPr lang="en-US" sz="1200" b="1" dirty="0" smtClean="0"/>
+                        <a:t>Attribute Semantics</a:t>
+                      </a:r>
+                      <a:endParaRPr lang="en-US" sz="1200" b="1" dirty="0"/>
+                    </a:p>
+                  </a:txBody>
+                  <a:tcPr/>
+                </a:tc>
+                <a:tc hMerge="1">
+                  <a:txBody>
+                    <a:bodyPr/>
+                    <a:lstStyle/>
+                    <a:p>
+                      <a:endParaRPr lang="en-US" sz="1200" dirty="0"/>
+                    </a:p>
+                  </a:txBody>
+                  <a:tcPr/>
+                </a:tc>
+                <a:tc hMerge="1">
+                  <a:txBody>
+                    <a:bodyPr/>
+                    <a:lstStyle/>
+                    <a:p>
+                      <a:pPr algn="ctr"/>
+                      <a:endParaRPr lang="en-US" sz="1200" b="1" dirty="0"/>
+                    </a:p>
+                  </a:txBody>
+                  <a:tcPr/>
+                </a:tc>
+                <a:extLst>
+                  <a:ext uri="{0D108BD9-81ED-4DB2-BD59-A6C34878D82A}">
+                    <a16:rowId xmlns:a16="http://schemas.microsoft.com/office/drawing/2014/main" val="1973666550"/>
+                  </a:ext>
+                </a:extLst>
+              </a:tr>
+              <a:tr h="336362">
+                <a:tc>
+                  <a:txBody>
+                    <a:bodyPr/>
+                    <a:lstStyle/>
+                    <a:p>
+                      <a:r>
+                        <a:rPr lang="en-US" sz="1200" dirty="0" smtClean="0"/>
+                        <a:t>Suffix</a:t>
+                      </a:r>
+                      <a:r>
+                        <a:rPr lang="en-US" sz="1200" baseline="0" dirty="0" smtClean="0"/>
+                        <a:t> Tree</a:t>
+                      </a:r>
+                      <a:endParaRPr lang="en-US" sz="1200" dirty="0"/>
+                    </a:p>
+                  </a:txBody>
+                  <a:tcPr/>
+                </a:tc>
+                <a:tc>
+                  <a:txBody>
+                    <a:bodyPr/>
+                    <a:lstStyle/>
+                    <a:p>
+                      <a:r>
+                        <a:rPr lang="en-US" sz="1200" dirty="0" smtClean="0"/>
+                        <a:t>Suffix Concept</a:t>
+                      </a:r>
+                      <a:r>
+                        <a:rPr lang="en-US" sz="1200" baseline="0" dirty="0" smtClean="0"/>
+                        <a:t> </a:t>
+                      </a:r>
+                      <a:r>
+                        <a:rPr lang="en-US" sz="1200" dirty="0" smtClean="0"/>
+                        <a:t>Tree</a:t>
+                      </a:r>
+                      <a:endParaRPr lang="en-US" sz="1200" dirty="0"/>
+                    </a:p>
+                  </a:txBody>
+                  <a:tcPr/>
+                </a:tc>
+                <a:tc>
+                  <a:txBody>
+                    <a:bodyPr/>
+                    <a:lstStyle/>
+                    <a:p>
+                      <a:pPr marL="0" marR="0" lvl="0" indent="0" algn="l" defTabSz="914400" rtl="0" eaLnBrk="1" fontAlgn="auto" latinLnBrk="0" hangingPunct="1">
+                        <a:lnSpc>
+                          <a:spcPct val="100000"/>
+                        </a:lnSpc>
+                        <a:spcBef>
+                          <a:spcPts val="0"/>
+                        </a:spcBef>
+                        <a:spcAft>
+                          <a:spcPts val="0"/>
+                        </a:spcAft>
+                        <a:buClrTx/>
+                        <a:buSzTx/>
+                        <a:buFontTx/>
+                        <a:buNone/>
+                        <a:tabLst/>
+                        <a:defRPr/>
+                      </a:pPr>
+                      <a:r>
+                        <a:rPr lang="en-US" sz="1200" baseline="0" dirty="0" smtClean="0"/>
+                        <a:t>Tree Embedding</a:t>
+                      </a:r>
+                      <a:endParaRPr lang="en-US" sz="1200" dirty="0"/>
+                    </a:p>
+                  </a:txBody>
+                  <a:tcPr/>
+                </a:tc>
+                <a:extLst>
+                  <a:ext uri="{0D108BD9-81ED-4DB2-BD59-A6C34878D82A}">
+                    <a16:rowId xmlns:a16="http://schemas.microsoft.com/office/drawing/2014/main" val="991575750"/>
+                  </a:ext>
+                </a:extLst>
+              </a:tr>
+            </a:tbl>
+          </a:graphicData>
+        </a:graphic>
+      </p:graphicFrame>
+    </p:spTree>
+    <p:extLst>
+      <p:ext uri="{BB962C8B-B14F-4D97-AF65-F5344CB8AC3E}">
+        <p14:creationId xmlns:p14="http://schemas.microsoft.com/office/powerpoint/2010/main" val="2425517466"/>
+      </p:ext>
+    </p:extLst>
+  </p:cSld>
+  <p:clrMapOvr>
+    <a:masterClrMapping/>
+  </p:clrMapOvr>
+  <p:timing>
+    <p:tnLst>
+      <p:par>
+        <p:cTn id="1" dur="indefinite" restart="never" nodeType="tmRoot"/>
+      </p:par>
+    </p:tnLst>
+  </p:timing>
+</p:sld>
+</file>
+
+<file path=ppt/slides/slide12.xml><?xml version="1.0" encoding="utf-8"?>
 <p:sld xmlns:a="http://schemas.openxmlformats.org/drawingml/2006/main" xmlns:r="http://schemas.openxmlformats.org/officeDocument/2006/relationships" xmlns:p="http://schemas.openxmlformats.org/presentationml/2006/main">
   <p:cSld>
     <p:spTree>

--- a/Presentations/EMR Interroperability V0.1.pptx
+++ b/Presentations/EMR Interroperability V0.1.pptx
@@ -208,7 +208,7 @@
           <a:p>
             <a:fld id="{0CE678D8-32C5-404E-AC33-A2CB57AB8A03}" type="datetimeFigureOut">
               <a:rPr lang="en-US" smtClean="0"/>
-              <a:t>1/16/2021</a:t>
+              <a:t>1/18/2021</a:t>
             </a:fld>
             <a:endParaRPr lang="en-US"/>
           </a:p>
@@ -1027,7 +1027,7 @@
           <a:p>
             <a:fld id="{C390AA1A-B384-4FFF-A591-3630D6086717}" type="datetimeFigureOut">
               <a:rPr lang="en-US" smtClean="0"/>
-              <a:t>1/16/2021</a:t>
+              <a:t>1/18/2021</a:t>
             </a:fld>
             <a:endParaRPr lang="en-US"/>
           </a:p>
@@ -1197,7 +1197,7 @@
           <a:p>
             <a:fld id="{C390AA1A-B384-4FFF-A591-3630D6086717}" type="datetimeFigureOut">
               <a:rPr lang="en-US" smtClean="0"/>
-              <a:t>1/16/2021</a:t>
+              <a:t>1/18/2021</a:t>
             </a:fld>
             <a:endParaRPr lang="en-US"/>
           </a:p>
@@ -1377,7 +1377,7 @@
           <a:p>
             <a:fld id="{C390AA1A-B384-4FFF-A591-3630D6086717}" type="datetimeFigureOut">
               <a:rPr lang="en-US" smtClean="0"/>
-              <a:t>1/16/2021</a:t>
+              <a:t>1/18/2021</a:t>
             </a:fld>
             <a:endParaRPr lang="en-US"/>
           </a:p>
@@ -1547,7 +1547,7 @@
           <a:p>
             <a:fld id="{C390AA1A-B384-4FFF-A591-3630D6086717}" type="datetimeFigureOut">
               <a:rPr lang="en-US" smtClean="0"/>
-              <a:t>1/16/2021</a:t>
+              <a:t>1/18/2021</a:t>
             </a:fld>
             <a:endParaRPr lang="en-US"/>
           </a:p>
@@ -1793,7 +1793,7 @@
           <a:p>
             <a:fld id="{C390AA1A-B384-4FFF-A591-3630D6086717}" type="datetimeFigureOut">
               <a:rPr lang="en-US" smtClean="0"/>
-              <a:t>1/16/2021</a:t>
+              <a:t>1/18/2021</a:t>
             </a:fld>
             <a:endParaRPr lang="en-US"/>
           </a:p>
@@ -2025,7 +2025,7 @@
           <a:p>
             <a:fld id="{C390AA1A-B384-4FFF-A591-3630D6086717}" type="datetimeFigureOut">
               <a:rPr lang="en-US" smtClean="0"/>
-              <a:t>1/16/2021</a:t>
+              <a:t>1/18/2021</a:t>
             </a:fld>
             <a:endParaRPr lang="en-US"/>
           </a:p>
@@ -2392,7 +2392,7 @@
           <a:p>
             <a:fld id="{C390AA1A-B384-4FFF-A591-3630D6086717}" type="datetimeFigureOut">
               <a:rPr lang="en-US" smtClean="0"/>
-              <a:t>1/16/2021</a:t>
+              <a:t>1/18/2021</a:t>
             </a:fld>
             <a:endParaRPr lang="en-US"/>
           </a:p>
@@ -2510,7 +2510,7 @@
           <a:p>
             <a:fld id="{C390AA1A-B384-4FFF-A591-3630D6086717}" type="datetimeFigureOut">
               <a:rPr lang="en-US" smtClean="0"/>
-              <a:t>1/16/2021</a:t>
+              <a:t>1/18/2021</a:t>
             </a:fld>
             <a:endParaRPr lang="en-US"/>
           </a:p>
@@ -2605,7 +2605,7 @@
           <a:p>
             <a:fld id="{C390AA1A-B384-4FFF-A591-3630D6086717}" type="datetimeFigureOut">
               <a:rPr lang="en-US" smtClean="0"/>
-              <a:t>1/16/2021</a:t>
+              <a:t>1/18/2021</a:t>
             </a:fld>
             <a:endParaRPr lang="en-US"/>
           </a:p>
@@ -2882,7 +2882,7 @@
           <a:p>
             <a:fld id="{C390AA1A-B384-4FFF-A591-3630D6086717}" type="datetimeFigureOut">
               <a:rPr lang="en-US" smtClean="0"/>
-              <a:t>1/16/2021</a:t>
+              <a:t>1/18/2021</a:t>
             </a:fld>
             <a:endParaRPr lang="en-US"/>
           </a:p>
@@ -3135,7 +3135,7 @@
           <a:p>
             <a:fld id="{C390AA1A-B384-4FFF-A591-3630D6086717}" type="datetimeFigureOut">
               <a:rPr lang="en-US" smtClean="0"/>
-              <a:t>1/16/2021</a:t>
+              <a:t>1/18/2021</a:t>
             </a:fld>
             <a:endParaRPr lang="en-US"/>
           </a:p>
@@ -3348,7 +3348,7 @@
           <a:p>
             <a:fld id="{C390AA1A-B384-4FFF-A591-3630D6086717}" type="datetimeFigureOut">
               <a:rPr lang="en-US" smtClean="0"/>
-              <a:t>1/16/2021</a:t>
+              <a:t>1/18/2021</a:t>
             </a:fld>
             <a:endParaRPr lang="en-US"/>
           </a:p>
@@ -15346,7 +15346,7 @@
           <p:nvPr>
             <p:extLst>
               <p:ext uri="{D42A27DB-BD31-4B8C-83A1-F6EECF244321}">
-                <p14:modId xmlns:p14="http://schemas.microsoft.com/office/powerpoint/2010/main" val="669268903"/>
+                <p14:modId xmlns:p14="http://schemas.microsoft.com/office/powerpoint/2010/main" val="305432290"/>
               </p:ext>
             </p:extLst>
           </p:nvPr>
@@ -15415,11 +15415,15 @@
                     <a:p>
                       <a:r>
                         <a:rPr lang="en-US" sz="1200" dirty="0" smtClean="0"/>
-                        <a:t>Attribute</a:t>
+                        <a:t>Data</a:t>
                       </a:r>
                       <a:r>
                         <a:rPr lang="en-US" sz="1200" baseline="0" dirty="0" smtClean="0"/>
-                        <a:t> Type</a:t>
+                        <a:t> </a:t>
+                      </a:r>
+                      <a:r>
+                        <a:rPr lang="en-US" sz="1200" baseline="0" dirty="0" smtClean="0"/>
+                        <a:t>Type</a:t>
                       </a:r>
                       <a:endParaRPr lang="en-US" sz="1200" dirty="0"/>
                     </a:p>

--- a/Presentations/EMR Interroperability V0.1.pptx
+++ b/Presentations/EMR Interroperability V0.1.pptx
@@ -5,7 +5,7 @@
     <p:sldMasterId id="2147483648" r:id="rId1"/>
   </p:sldMasterIdLst>
   <p:notesMasterIdLst>
-    <p:notesMasterId r:id="rId14"/>
+    <p:notesMasterId r:id="rId16"/>
   </p:notesMasterIdLst>
   <p:sldIdLst>
     <p:sldId id="261" r:id="rId2"/>
@@ -20,6 +20,8 @@
     <p:sldId id="274" r:id="rId11"/>
     <p:sldId id="275" r:id="rId12"/>
     <p:sldId id="260" r:id="rId13"/>
+    <p:sldId id="277" r:id="rId14"/>
+    <p:sldId id="276" r:id="rId15"/>
   </p:sldIdLst>
   <p:sldSz cx="12192000" cy="6858000"/>
   <p:notesSz cx="6797675" cy="9929813"/>
@@ -208,7 +210,7 @@
           <a:p>
             <a:fld id="{0CE678D8-32C5-404E-AC33-A2CB57AB8A03}" type="datetimeFigureOut">
               <a:rPr lang="en-US" smtClean="0"/>
-              <a:t>1/18/2021</a:t>
+              <a:t>1/29/2021</a:t>
             </a:fld>
             <a:endParaRPr lang="en-US"/>
           </a:p>
@@ -896,6 +898,90 @@
 </p:notes>
 </file>
 
+<file path=ppt/notesSlides/notesSlide6.xml><?xml version="1.0" encoding="utf-8"?>
+<p:notes xmlns:a="http://schemas.openxmlformats.org/drawingml/2006/main" xmlns:r="http://schemas.openxmlformats.org/officeDocument/2006/relationships" xmlns:p="http://schemas.openxmlformats.org/presentationml/2006/main">
+  <p:cSld>
+    <p:spTree>
+      <p:nvGrpSpPr>
+        <p:cNvPr id="1" name=""/>
+        <p:cNvGrpSpPr/>
+        <p:nvPr/>
+      </p:nvGrpSpPr>
+      <p:grpSpPr>
+        <a:xfrm>
+          <a:off x="0" y="0"/>
+          <a:ext cx="0" cy="0"/>
+          <a:chOff x="0" y="0"/>
+          <a:chExt cx="0" cy="0"/>
+        </a:xfrm>
+      </p:grpSpPr>
+      <p:sp>
+        <p:nvSpPr>
+          <p:cNvPr id="2" name="Slide Image Placeholder 1"/>
+          <p:cNvSpPr>
+            <a:spLocks noGrp="1" noRot="1" noChangeAspect="1"/>
+          </p:cNvSpPr>
+          <p:nvPr>
+            <p:ph type="sldImg"/>
+          </p:nvPr>
+        </p:nvSpPr>
+        <p:spPr/>
+      </p:sp>
+      <p:sp>
+        <p:nvSpPr>
+          <p:cNvPr id="3" name="Notes Placeholder 2"/>
+          <p:cNvSpPr>
+            <a:spLocks noGrp="1"/>
+          </p:cNvSpPr>
+          <p:nvPr>
+            <p:ph type="body" idx="1"/>
+          </p:nvPr>
+        </p:nvSpPr>
+        <p:spPr/>
+        <p:txBody>
+          <a:bodyPr/>
+          <a:lstStyle/>
+          <a:p>
+            <a:endParaRPr lang="en-US"/>
+          </a:p>
+        </p:txBody>
+      </p:sp>
+      <p:sp>
+        <p:nvSpPr>
+          <p:cNvPr id="4" name="Slide Number Placeholder 3"/>
+          <p:cNvSpPr>
+            <a:spLocks noGrp="1"/>
+          </p:cNvSpPr>
+          <p:nvPr>
+            <p:ph type="sldNum" sz="quarter" idx="10"/>
+          </p:nvPr>
+        </p:nvSpPr>
+        <p:spPr/>
+        <p:txBody>
+          <a:bodyPr/>
+          <a:lstStyle/>
+          <a:p>
+            <a:fld id="{1B1EBEA6-BF93-4335-B192-3BF2ACD8F71F}" type="slidenum">
+              <a:rPr lang="en-US" smtClean="0"/>
+              <a:t>12</a:t>
+            </a:fld>
+            <a:endParaRPr lang="en-US"/>
+          </a:p>
+        </p:txBody>
+      </p:sp>
+    </p:spTree>
+    <p:extLst>
+      <p:ext uri="{BB962C8B-B14F-4D97-AF65-F5344CB8AC3E}">
+        <p14:creationId xmlns:p14="http://schemas.microsoft.com/office/powerpoint/2010/main" val="4029897394"/>
+      </p:ext>
+    </p:extLst>
+  </p:cSld>
+  <p:clrMapOvr>
+    <a:masterClrMapping/>
+  </p:clrMapOvr>
+</p:notes>
+</file>
+
 <file path=ppt/slideLayouts/slideLayout1.xml><?xml version="1.0" encoding="utf-8"?>
 <p:sldLayout xmlns:a="http://schemas.openxmlformats.org/drawingml/2006/main" xmlns:r="http://schemas.openxmlformats.org/officeDocument/2006/relationships" xmlns:p="http://schemas.openxmlformats.org/presentationml/2006/main" type="title" preserve="1">
   <p:cSld name="Title Slide">
@@ -1027,7 +1113,7 @@
           <a:p>
             <a:fld id="{C390AA1A-B384-4FFF-A591-3630D6086717}" type="datetimeFigureOut">
               <a:rPr lang="en-US" smtClean="0"/>
-              <a:t>1/18/2021</a:t>
+              <a:t>1/29/2021</a:t>
             </a:fld>
             <a:endParaRPr lang="en-US"/>
           </a:p>
@@ -1197,7 +1283,7 @@
           <a:p>
             <a:fld id="{C390AA1A-B384-4FFF-A591-3630D6086717}" type="datetimeFigureOut">
               <a:rPr lang="en-US" smtClean="0"/>
-              <a:t>1/18/2021</a:t>
+              <a:t>1/29/2021</a:t>
             </a:fld>
             <a:endParaRPr lang="en-US"/>
           </a:p>
@@ -1377,7 +1463,7 @@
           <a:p>
             <a:fld id="{C390AA1A-B384-4FFF-A591-3630D6086717}" type="datetimeFigureOut">
               <a:rPr lang="en-US" smtClean="0"/>
-              <a:t>1/18/2021</a:t>
+              <a:t>1/29/2021</a:t>
             </a:fld>
             <a:endParaRPr lang="en-US"/>
           </a:p>
@@ -1547,7 +1633,7 @@
           <a:p>
             <a:fld id="{C390AA1A-B384-4FFF-A591-3630D6086717}" type="datetimeFigureOut">
               <a:rPr lang="en-US" smtClean="0"/>
-              <a:t>1/18/2021</a:t>
+              <a:t>1/29/2021</a:t>
             </a:fld>
             <a:endParaRPr lang="en-US"/>
           </a:p>
@@ -1793,7 +1879,7 @@
           <a:p>
             <a:fld id="{C390AA1A-B384-4FFF-A591-3630D6086717}" type="datetimeFigureOut">
               <a:rPr lang="en-US" smtClean="0"/>
-              <a:t>1/18/2021</a:t>
+              <a:t>1/29/2021</a:t>
             </a:fld>
             <a:endParaRPr lang="en-US"/>
           </a:p>
@@ -2025,7 +2111,7 @@
           <a:p>
             <a:fld id="{C390AA1A-B384-4FFF-A591-3630D6086717}" type="datetimeFigureOut">
               <a:rPr lang="en-US" smtClean="0"/>
-              <a:t>1/18/2021</a:t>
+              <a:t>1/29/2021</a:t>
             </a:fld>
             <a:endParaRPr lang="en-US"/>
           </a:p>
@@ -2392,7 +2478,7 @@
           <a:p>
             <a:fld id="{C390AA1A-B384-4FFF-A591-3630D6086717}" type="datetimeFigureOut">
               <a:rPr lang="en-US" smtClean="0"/>
-              <a:t>1/18/2021</a:t>
+              <a:t>1/29/2021</a:t>
             </a:fld>
             <a:endParaRPr lang="en-US"/>
           </a:p>
@@ -2510,7 +2596,7 @@
           <a:p>
             <a:fld id="{C390AA1A-B384-4FFF-A591-3630D6086717}" type="datetimeFigureOut">
               <a:rPr lang="en-US" smtClean="0"/>
-              <a:t>1/18/2021</a:t>
+              <a:t>1/29/2021</a:t>
             </a:fld>
             <a:endParaRPr lang="en-US"/>
           </a:p>
@@ -2605,7 +2691,7 @@
           <a:p>
             <a:fld id="{C390AA1A-B384-4FFF-A591-3630D6086717}" type="datetimeFigureOut">
               <a:rPr lang="en-US" smtClean="0"/>
-              <a:t>1/18/2021</a:t>
+              <a:t>1/29/2021</a:t>
             </a:fld>
             <a:endParaRPr lang="en-US"/>
           </a:p>
@@ -2882,7 +2968,7 @@
           <a:p>
             <a:fld id="{C390AA1A-B384-4FFF-A591-3630D6086717}" type="datetimeFigureOut">
               <a:rPr lang="en-US" smtClean="0"/>
-              <a:t>1/18/2021</a:t>
+              <a:t>1/29/2021</a:t>
             </a:fld>
             <a:endParaRPr lang="en-US"/>
           </a:p>
@@ -3135,7 +3221,7 @@
           <a:p>
             <a:fld id="{C390AA1A-B384-4FFF-A591-3630D6086717}" type="datetimeFigureOut">
               <a:rPr lang="en-US" smtClean="0"/>
-              <a:t>1/18/2021</a:t>
+              <a:t>1/29/2021</a:t>
             </a:fld>
             <a:endParaRPr lang="en-US"/>
           </a:p>
@@ -3348,7 +3434,7 @@
           <a:p>
             <a:fld id="{C390AA1A-B384-4FFF-A591-3630D6086717}" type="datetimeFigureOut">
               <a:rPr lang="en-US" smtClean="0"/>
-              <a:t>1/18/2021</a:t>
+              <a:t>1/29/2021</a:t>
             </a:fld>
             <a:endParaRPr lang="en-US"/>
           </a:p>
@@ -15419,11 +15505,7 @@
                       </a:r>
                       <a:r>
                         <a:rPr lang="en-US" sz="1200" baseline="0" dirty="0" smtClean="0"/>
-                        <a:t> </a:t>
-                      </a:r>
-                      <a:r>
-                        <a:rPr lang="en-US" sz="1200" baseline="0" dirty="0" smtClean="0"/>
-                        <a:t>Type</a:t>
+                        <a:t> Type</a:t>
                       </a:r>
                       <a:endParaRPr lang="en-US" sz="1200" dirty="0"/>
                     </a:p>
@@ -15673,6 +15755,5002 @@
         </p:nvSpPr>
         <p:spPr>
           <a:xfrm>
+            <a:off x="3667505" y="701888"/>
+            <a:ext cx="1371600" cy="548640"/>
+          </a:xfrm>
+          <a:prstGeom prst="roundRect">
+            <a:avLst>
+              <a:gd name="adj" fmla="val 26634"/>
+            </a:avLst>
+          </a:prstGeom>
+          <a:noFill/>
+          <a:ln w="19050">
+            <a:solidFill>
+              <a:schemeClr val="tx1"/>
+            </a:solidFill>
+          </a:ln>
+        </p:spPr>
+        <p:style>
+          <a:lnRef idx="2">
+            <a:schemeClr val="accent1">
+              <a:shade val="50000"/>
+            </a:schemeClr>
+          </a:lnRef>
+          <a:fillRef idx="1">
+            <a:schemeClr val="accent1"/>
+          </a:fillRef>
+          <a:effectRef idx="0">
+            <a:schemeClr val="accent1"/>
+          </a:effectRef>
+          <a:fontRef idx="minor">
+            <a:schemeClr val="lt1"/>
+          </a:fontRef>
+        </p:style>
+        <p:txBody>
+          <a:bodyPr rtlCol="0" anchor="ctr"/>
+          <a:lstStyle/>
+          <a:p>
+            <a:pPr algn="ctr"/>
+            <a:r>
+              <a:rPr lang="en-US" sz="1200" b="1" dirty="0" smtClean="0">
+                <a:solidFill>
+                  <a:schemeClr val="tx1"/>
+                </a:solidFill>
+              </a:rPr>
+              <a:t>IF</a:t>
+            </a:r>
+            <a:r>
+              <a:rPr lang="en-US" sz="1200" dirty="0" smtClean="0">
+                <a:solidFill>
+                  <a:schemeClr val="tx1"/>
+                </a:solidFill>
+              </a:rPr>
+              <a:t> (True)</a:t>
+            </a:r>
+          </a:p>
+          <a:p>
+            <a:pPr algn="ctr"/>
+            <a:r>
+              <a:rPr lang="en-US" sz="1200" b="1" dirty="0" smtClean="0">
+                <a:solidFill>
+                  <a:schemeClr val="tx1"/>
+                </a:solidFill>
+              </a:rPr>
+              <a:t>THEN</a:t>
+            </a:r>
+            <a:r>
+              <a:rPr lang="en-US" sz="1200" dirty="0" smtClean="0">
+                <a:solidFill>
+                  <a:schemeClr val="tx1"/>
+                </a:solidFill>
+              </a:rPr>
+              <a:t> </a:t>
+            </a:r>
+            <a:r>
+              <a:rPr lang="en-US" sz="1200" dirty="0" smtClean="0">
+                <a:solidFill>
+                  <a:schemeClr val="tx1"/>
+                </a:solidFill>
+              </a:rPr>
+              <a:t>True</a:t>
+            </a:r>
+            <a:endParaRPr lang="en-US" sz="1200" dirty="0">
+              <a:solidFill>
+                <a:schemeClr val="tx1"/>
+              </a:solidFill>
+            </a:endParaRPr>
+          </a:p>
+        </p:txBody>
+      </p:sp>
+      <p:sp>
+        <p:nvSpPr>
+          <p:cNvPr id="27" name="Rounded Rectangle 26"/>
+          <p:cNvSpPr/>
+          <p:nvPr/>
+        </p:nvSpPr>
+        <p:spPr>
+          <a:xfrm>
+            <a:off x="3667505" y="1736420"/>
+            <a:ext cx="1371600" cy="548640"/>
+          </a:xfrm>
+          <a:prstGeom prst="roundRect">
+            <a:avLst>
+              <a:gd name="adj" fmla="val 0"/>
+            </a:avLst>
+          </a:prstGeom>
+          <a:noFill/>
+          <a:ln w="19050">
+            <a:solidFill>
+              <a:schemeClr val="tx1"/>
+            </a:solidFill>
+          </a:ln>
+        </p:spPr>
+        <p:style>
+          <a:lnRef idx="2">
+            <a:schemeClr val="accent1">
+              <a:shade val="50000"/>
+            </a:schemeClr>
+          </a:lnRef>
+          <a:fillRef idx="1">
+            <a:schemeClr val="accent1"/>
+          </a:fillRef>
+          <a:effectRef idx="0">
+            <a:schemeClr val="accent1"/>
+          </a:effectRef>
+          <a:fontRef idx="minor">
+            <a:schemeClr val="lt1"/>
+          </a:fontRef>
+        </p:style>
+        <p:txBody>
+          <a:bodyPr rtlCol="0" anchor="ctr"/>
+          <a:lstStyle/>
+          <a:p>
+            <a:pPr algn="ctr"/>
+            <a:r>
+              <a:rPr lang="en-US" sz="1200" b="1" dirty="0" smtClean="0">
+                <a:solidFill>
+                  <a:schemeClr val="tx1"/>
+                </a:solidFill>
+              </a:rPr>
+              <a:t>IF</a:t>
+            </a:r>
+            <a:r>
+              <a:rPr lang="en-US" sz="1200" dirty="0" smtClean="0">
+                <a:solidFill>
+                  <a:schemeClr val="tx1"/>
+                </a:solidFill>
+              </a:rPr>
+              <a:t> </a:t>
+            </a:r>
+            <a:r>
+              <a:rPr lang="en-US" sz="1200" dirty="0" err="1" smtClean="0">
+                <a:solidFill>
+                  <a:schemeClr val="tx1"/>
+                </a:solidFill>
+              </a:rPr>
+              <a:t>AttributeType</a:t>
+            </a:r>
+            <a:r>
+              <a:rPr lang="en-US" sz="1200" dirty="0" smtClean="0">
+                <a:solidFill>
+                  <a:schemeClr val="tx1"/>
+                </a:solidFill>
+              </a:rPr>
+              <a:t> = ‘string’</a:t>
+            </a:r>
+          </a:p>
+          <a:p>
+            <a:pPr algn="ctr"/>
+            <a:r>
+              <a:rPr lang="en-US" sz="1200" b="1" dirty="0" smtClean="0">
+                <a:solidFill>
+                  <a:schemeClr val="tx1"/>
+                </a:solidFill>
+              </a:rPr>
+              <a:t>THEN</a:t>
+            </a:r>
+            <a:r>
+              <a:rPr lang="en-US" sz="1200" dirty="0" smtClean="0">
+                <a:solidFill>
+                  <a:schemeClr val="tx1"/>
+                </a:solidFill>
+              </a:rPr>
+              <a:t> False</a:t>
+            </a:r>
+            <a:endParaRPr lang="en-US" sz="1200" dirty="0">
+              <a:solidFill>
+                <a:schemeClr val="tx1"/>
+              </a:solidFill>
+            </a:endParaRPr>
+          </a:p>
+        </p:txBody>
+      </p:sp>
+      <p:sp>
+        <p:nvSpPr>
+          <p:cNvPr id="28" name="Rounded Rectangle 27"/>
+          <p:cNvSpPr/>
+          <p:nvPr/>
+        </p:nvSpPr>
+        <p:spPr>
+          <a:xfrm>
+            <a:off x="2269897" y="2852245"/>
+            <a:ext cx="1371600" cy="548640"/>
+          </a:xfrm>
+          <a:prstGeom prst="roundRect">
+            <a:avLst>
+              <a:gd name="adj" fmla="val 0"/>
+            </a:avLst>
+          </a:prstGeom>
+          <a:noFill/>
+          <a:ln w="19050">
+            <a:solidFill>
+              <a:schemeClr val="tx1"/>
+            </a:solidFill>
+          </a:ln>
+        </p:spPr>
+        <p:style>
+          <a:lnRef idx="2">
+            <a:schemeClr val="accent1">
+              <a:shade val="50000"/>
+            </a:schemeClr>
+          </a:lnRef>
+          <a:fillRef idx="1">
+            <a:schemeClr val="accent1"/>
+          </a:fillRef>
+          <a:effectRef idx="0">
+            <a:schemeClr val="accent1"/>
+          </a:effectRef>
+          <a:fontRef idx="minor">
+            <a:schemeClr val="lt1"/>
+          </a:fontRef>
+        </p:style>
+        <p:txBody>
+          <a:bodyPr rtlCol="0" anchor="ctr"/>
+          <a:lstStyle/>
+          <a:p>
+            <a:pPr algn="ctr"/>
+            <a:r>
+              <a:rPr lang="en-US" sz="1200" b="1" dirty="0">
+                <a:solidFill>
+                  <a:schemeClr val="tx1"/>
+                </a:solidFill>
+              </a:rPr>
+              <a:t>IF</a:t>
+            </a:r>
+            <a:r>
+              <a:rPr lang="en-US" sz="1200" dirty="0">
+                <a:solidFill>
+                  <a:schemeClr val="tx1"/>
+                </a:solidFill>
+              </a:rPr>
+              <a:t> </a:t>
+            </a:r>
+            <a:r>
+              <a:rPr lang="en-US" sz="1200" dirty="0" err="1" smtClean="0">
+                <a:solidFill>
+                  <a:schemeClr val="tx1"/>
+                </a:solidFill>
+              </a:rPr>
+              <a:t>SemanticType</a:t>
+            </a:r>
+            <a:r>
+              <a:rPr lang="en-US" sz="1200" dirty="0" smtClean="0">
+                <a:solidFill>
+                  <a:schemeClr val="tx1"/>
+                </a:solidFill>
+              </a:rPr>
+              <a:t> = </a:t>
+            </a:r>
+            <a:r>
+              <a:rPr lang="en-US" sz="1200" dirty="0" smtClean="0">
+                <a:solidFill>
+                  <a:schemeClr val="tx1"/>
+                </a:solidFill>
+              </a:rPr>
+              <a:t>‘</a:t>
+            </a:r>
+            <a:r>
+              <a:rPr lang="en-US" sz="1200" i="1" dirty="0" smtClean="0">
+                <a:solidFill>
+                  <a:schemeClr val="tx1"/>
+                </a:solidFill>
+              </a:rPr>
+              <a:t>ST</a:t>
+            </a:r>
+            <a:r>
+              <a:rPr lang="en-US" sz="1200" i="1" baseline="-25000" dirty="0" smtClean="0">
+                <a:solidFill>
+                  <a:schemeClr val="tx1"/>
+                </a:solidFill>
+              </a:rPr>
+              <a:t>1</a:t>
+            </a:r>
+            <a:r>
+              <a:rPr lang="en-US" sz="1200" dirty="0" smtClean="0">
+                <a:solidFill>
+                  <a:schemeClr val="tx1"/>
+                </a:solidFill>
+              </a:rPr>
+              <a:t>’</a:t>
+            </a:r>
+            <a:endParaRPr lang="en-US" sz="1200" dirty="0">
+              <a:solidFill>
+                <a:schemeClr val="tx1"/>
+              </a:solidFill>
+            </a:endParaRPr>
+          </a:p>
+          <a:p>
+            <a:pPr algn="ctr"/>
+            <a:r>
+              <a:rPr lang="en-US" sz="1200" b="1" dirty="0" smtClean="0">
+                <a:solidFill>
+                  <a:schemeClr val="tx1"/>
+                </a:solidFill>
+              </a:rPr>
+              <a:t>THEN </a:t>
+            </a:r>
+            <a:r>
+              <a:rPr lang="en-US" sz="1200" dirty="0" smtClean="0">
+                <a:solidFill>
+                  <a:schemeClr val="tx1"/>
+                </a:solidFill>
+              </a:rPr>
+              <a:t>‘</a:t>
+            </a:r>
+            <a:r>
+              <a:rPr lang="en-US" sz="1200" i="1" dirty="0" smtClean="0">
+                <a:solidFill>
+                  <a:schemeClr val="tx1"/>
+                </a:solidFill>
+              </a:rPr>
+              <a:t>Concept</a:t>
+            </a:r>
+            <a:r>
+              <a:rPr lang="en-US" sz="1200" i="1" baseline="-25000" dirty="0" smtClean="0">
+                <a:solidFill>
+                  <a:schemeClr val="tx1"/>
+                </a:solidFill>
+              </a:rPr>
+              <a:t>1</a:t>
+            </a:r>
+            <a:r>
+              <a:rPr lang="en-US" sz="1200" dirty="0" smtClean="0">
+                <a:solidFill>
+                  <a:schemeClr val="tx1"/>
+                </a:solidFill>
+              </a:rPr>
+              <a:t>’</a:t>
+            </a:r>
+            <a:endParaRPr lang="en-US" sz="1200" dirty="0">
+              <a:solidFill>
+                <a:schemeClr val="tx1"/>
+              </a:solidFill>
+            </a:endParaRPr>
+          </a:p>
+        </p:txBody>
+      </p:sp>
+      <p:sp>
+        <p:nvSpPr>
+          <p:cNvPr id="29" name="Rounded Rectangle 28"/>
+          <p:cNvSpPr/>
+          <p:nvPr/>
+        </p:nvSpPr>
+        <p:spPr>
+          <a:xfrm>
+            <a:off x="7584536" y="1732550"/>
+            <a:ext cx="1371600" cy="548640"/>
+          </a:xfrm>
+          <a:prstGeom prst="roundRect">
+            <a:avLst>
+              <a:gd name="adj" fmla="val 0"/>
+            </a:avLst>
+          </a:prstGeom>
+          <a:noFill/>
+          <a:ln w="19050">
+            <a:solidFill>
+              <a:schemeClr val="tx1"/>
+            </a:solidFill>
+          </a:ln>
+        </p:spPr>
+        <p:style>
+          <a:lnRef idx="2">
+            <a:schemeClr val="accent1">
+              <a:shade val="50000"/>
+            </a:schemeClr>
+          </a:lnRef>
+          <a:fillRef idx="1">
+            <a:schemeClr val="accent1"/>
+          </a:fillRef>
+          <a:effectRef idx="0">
+            <a:schemeClr val="accent1"/>
+          </a:effectRef>
+          <a:fontRef idx="minor">
+            <a:schemeClr val="lt1"/>
+          </a:fontRef>
+        </p:style>
+        <p:txBody>
+          <a:bodyPr rtlCol="0" anchor="ctr"/>
+          <a:lstStyle/>
+          <a:p>
+            <a:pPr algn="ctr"/>
+            <a:r>
+              <a:rPr lang="en-US" sz="1200" b="1" dirty="0">
+                <a:solidFill>
+                  <a:schemeClr val="tx1"/>
+                </a:solidFill>
+              </a:rPr>
+              <a:t>IF</a:t>
+            </a:r>
+            <a:r>
+              <a:rPr lang="en-US" sz="1200" dirty="0">
+                <a:solidFill>
+                  <a:schemeClr val="tx1"/>
+                </a:solidFill>
+              </a:rPr>
+              <a:t> </a:t>
+            </a:r>
+            <a:r>
+              <a:rPr lang="en-US" sz="1200" dirty="0" err="1">
+                <a:solidFill>
+                  <a:schemeClr val="tx1"/>
+                </a:solidFill>
+              </a:rPr>
+              <a:t>AttributeType</a:t>
+            </a:r>
+            <a:r>
+              <a:rPr lang="en-US" sz="1200" dirty="0">
+                <a:solidFill>
+                  <a:schemeClr val="tx1"/>
+                </a:solidFill>
+              </a:rPr>
+              <a:t> </a:t>
+            </a:r>
+            <a:r>
+              <a:rPr lang="en-US" sz="1200" dirty="0" smtClean="0">
+                <a:solidFill>
+                  <a:schemeClr val="tx1"/>
+                </a:solidFill>
+                <a:sym typeface="Wingdings" panose="05000000000000000000" pitchFamily="2" charset="2"/>
+              </a:rPr>
+              <a:t>=</a:t>
+            </a:r>
+            <a:r>
+              <a:rPr lang="en-US" sz="1200" dirty="0" smtClean="0">
+                <a:solidFill>
+                  <a:schemeClr val="tx1"/>
+                </a:solidFill>
+              </a:rPr>
+              <a:t> </a:t>
+            </a:r>
+            <a:r>
+              <a:rPr lang="en-US" sz="1200" dirty="0" smtClean="0">
+                <a:solidFill>
+                  <a:schemeClr val="tx1"/>
+                </a:solidFill>
+              </a:rPr>
+              <a:t>‘integer’</a:t>
+            </a:r>
+            <a:endParaRPr lang="en-US" sz="1200" dirty="0">
+              <a:solidFill>
+                <a:schemeClr val="tx1"/>
+              </a:solidFill>
+            </a:endParaRPr>
+          </a:p>
+          <a:p>
+            <a:pPr algn="ctr"/>
+            <a:r>
+              <a:rPr lang="en-US" sz="1200" b="1" dirty="0">
+                <a:solidFill>
+                  <a:schemeClr val="tx1"/>
+                </a:solidFill>
+              </a:rPr>
+              <a:t>THEN</a:t>
+            </a:r>
+            <a:r>
+              <a:rPr lang="en-US" sz="1200" dirty="0">
+                <a:solidFill>
+                  <a:schemeClr val="tx1"/>
+                </a:solidFill>
+              </a:rPr>
+              <a:t> False</a:t>
+            </a:r>
+          </a:p>
+        </p:txBody>
+      </p:sp>
+      <p:cxnSp>
+        <p:nvCxnSpPr>
+          <p:cNvPr id="23" name="Straight Arrow Connector 22"/>
+          <p:cNvCxnSpPr>
+            <a:stCxn id="26" idx="2"/>
+            <a:endCxn id="27" idx="0"/>
+          </p:cNvCxnSpPr>
+          <p:nvPr/>
+        </p:nvCxnSpPr>
+        <p:spPr>
+          <a:xfrm>
+            <a:off x="4353305" y="1250528"/>
+            <a:ext cx="0" cy="485892"/>
+          </a:xfrm>
+          <a:prstGeom prst="straightConnector1">
+            <a:avLst/>
+          </a:prstGeom>
+          <a:noFill/>
+          <a:ln w="19050">
+            <a:solidFill>
+              <a:schemeClr val="tx1"/>
+            </a:solidFill>
+            <a:tailEnd type="triangle"/>
+          </a:ln>
+        </p:spPr>
+        <p:style>
+          <a:lnRef idx="2">
+            <a:schemeClr val="accent1">
+              <a:shade val="50000"/>
+            </a:schemeClr>
+          </a:lnRef>
+          <a:fillRef idx="1">
+            <a:schemeClr val="accent1"/>
+          </a:fillRef>
+          <a:effectRef idx="0">
+            <a:schemeClr val="accent1"/>
+          </a:effectRef>
+          <a:fontRef idx="minor">
+            <a:schemeClr val="lt1"/>
+          </a:fontRef>
+        </p:style>
+      </p:cxnSp>
+      <p:cxnSp>
+        <p:nvCxnSpPr>
+          <p:cNvPr id="37" name="Straight Arrow Connector 36"/>
+          <p:cNvCxnSpPr>
+            <a:stCxn id="27" idx="3"/>
+            <a:endCxn id="29" idx="1"/>
+          </p:cNvCxnSpPr>
+          <p:nvPr/>
+        </p:nvCxnSpPr>
+        <p:spPr>
+          <a:xfrm flipV="1">
+            <a:off x="5039105" y="2006870"/>
+            <a:ext cx="2545431" cy="3870"/>
+          </a:xfrm>
+          <a:prstGeom prst="straightConnector1">
+            <a:avLst/>
+          </a:prstGeom>
+          <a:noFill/>
+          <a:ln w="19050">
+            <a:solidFill>
+              <a:schemeClr val="tx1"/>
+            </a:solidFill>
+            <a:tailEnd type="triangle"/>
+          </a:ln>
+        </p:spPr>
+        <p:style>
+          <a:lnRef idx="2">
+            <a:schemeClr val="accent1">
+              <a:shade val="50000"/>
+            </a:schemeClr>
+          </a:lnRef>
+          <a:fillRef idx="1">
+            <a:schemeClr val="accent1"/>
+          </a:fillRef>
+          <a:effectRef idx="0">
+            <a:schemeClr val="accent1"/>
+          </a:effectRef>
+          <a:fontRef idx="minor">
+            <a:schemeClr val="lt1"/>
+          </a:fontRef>
+        </p:style>
+      </p:cxnSp>
+      <p:cxnSp>
+        <p:nvCxnSpPr>
+          <p:cNvPr id="45" name="Straight Arrow Connector 44"/>
+          <p:cNvCxnSpPr>
+            <a:stCxn id="27" idx="2"/>
+            <a:endCxn id="28" idx="0"/>
+          </p:cNvCxnSpPr>
+          <p:nvPr/>
+        </p:nvCxnSpPr>
+        <p:spPr>
+          <a:xfrm rot="5400000">
+            <a:off x="3370909" y="1869848"/>
+            <a:ext cx="567185" cy="1397608"/>
+          </a:xfrm>
+          <a:prstGeom prst="curvedConnector3">
+            <a:avLst>
+              <a:gd name="adj1" fmla="val 50000"/>
+            </a:avLst>
+          </a:prstGeom>
+          <a:noFill/>
+          <a:ln w="19050">
+            <a:solidFill>
+              <a:schemeClr val="tx1"/>
+            </a:solidFill>
+            <a:tailEnd type="triangle"/>
+          </a:ln>
+        </p:spPr>
+        <p:style>
+          <a:lnRef idx="2">
+            <a:schemeClr val="accent1">
+              <a:shade val="50000"/>
+            </a:schemeClr>
+          </a:lnRef>
+          <a:fillRef idx="1">
+            <a:schemeClr val="accent1"/>
+          </a:fillRef>
+          <a:effectRef idx="0">
+            <a:schemeClr val="accent1"/>
+          </a:effectRef>
+          <a:fontRef idx="minor">
+            <a:schemeClr val="lt1"/>
+          </a:fontRef>
+        </p:style>
+      </p:cxnSp>
+      <p:sp>
+        <p:nvSpPr>
+          <p:cNvPr id="2" name="TextBox 1"/>
+          <p:cNvSpPr txBox="1"/>
+          <p:nvPr/>
+        </p:nvSpPr>
+        <p:spPr>
+          <a:xfrm>
+            <a:off x="3798593" y="1307518"/>
+            <a:ext cx="597279" cy="276999"/>
+          </a:xfrm>
+          <a:prstGeom prst="rect">
+            <a:avLst/>
+          </a:prstGeom>
+          <a:noFill/>
+        </p:spPr>
+        <p:txBody>
+          <a:bodyPr wrap="none" rtlCol="0">
+            <a:spAutoFit/>
+          </a:bodyPr>
+          <a:lstStyle/>
+          <a:p>
+            <a:r>
+              <a:rPr lang="en-US" sz="1200" dirty="0" smtClean="0"/>
+              <a:t>Except</a:t>
+            </a:r>
+            <a:endParaRPr lang="en-US" sz="1200" dirty="0"/>
+          </a:p>
+        </p:txBody>
+      </p:sp>
+      <p:sp>
+        <p:nvSpPr>
+          <p:cNvPr id="36" name="TextBox 35"/>
+          <p:cNvSpPr txBox="1"/>
+          <p:nvPr/>
+        </p:nvSpPr>
+        <p:spPr>
+          <a:xfrm>
+            <a:off x="5872142" y="1728172"/>
+            <a:ext cx="518091" cy="276999"/>
+          </a:xfrm>
+          <a:prstGeom prst="rect">
+            <a:avLst/>
+          </a:prstGeom>
+          <a:noFill/>
+        </p:spPr>
+        <p:txBody>
+          <a:bodyPr wrap="none" rtlCol="0">
+            <a:spAutoFit/>
+          </a:bodyPr>
+          <a:lstStyle/>
+          <a:p>
+            <a:r>
+              <a:rPr lang="en-US" sz="1200" dirty="0" smtClean="0"/>
+              <a:t>If not</a:t>
+            </a:r>
+            <a:endParaRPr lang="en-US" sz="1200" dirty="0"/>
+          </a:p>
+        </p:txBody>
+      </p:sp>
+      <p:sp>
+        <p:nvSpPr>
+          <p:cNvPr id="40" name="TextBox 39"/>
+          <p:cNvSpPr txBox="1"/>
+          <p:nvPr/>
+        </p:nvSpPr>
+        <p:spPr>
+          <a:xfrm>
+            <a:off x="3109090" y="2315134"/>
+            <a:ext cx="597279" cy="276999"/>
+          </a:xfrm>
+          <a:prstGeom prst="rect">
+            <a:avLst/>
+          </a:prstGeom>
+          <a:noFill/>
+        </p:spPr>
+        <p:txBody>
+          <a:bodyPr wrap="none" rtlCol="0">
+            <a:spAutoFit/>
+          </a:bodyPr>
+          <a:lstStyle/>
+          <a:p>
+            <a:r>
+              <a:rPr lang="en-US" sz="1200" dirty="0" smtClean="0"/>
+              <a:t>Except</a:t>
+            </a:r>
+            <a:endParaRPr lang="en-US" sz="1200" dirty="0"/>
+          </a:p>
+        </p:txBody>
+      </p:sp>
+      <p:sp>
+        <p:nvSpPr>
+          <p:cNvPr id="42" name="Rounded Rectangle 41"/>
+          <p:cNvSpPr/>
+          <p:nvPr/>
+        </p:nvSpPr>
+        <p:spPr>
+          <a:xfrm>
+            <a:off x="1476140" y="3992545"/>
+            <a:ext cx="1371600" cy="548640"/>
+          </a:xfrm>
+          <a:prstGeom prst="roundRect">
+            <a:avLst>
+              <a:gd name="adj" fmla="val 0"/>
+            </a:avLst>
+          </a:prstGeom>
+          <a:noFill/>
+          <a:ln w="19050">
+            <a:solidFill>
+              <a:schemeClr val="tx1"/>
+            </a:solidFill>
+          </a:ln>
+        </p:spPr>
+        <p:style>
+          <a:lnRef idx="2">
+            <a:schemeClr val="accent1">
+              <a:shade val="50000"/>
+            </a:schemeClr>
+          </a:lnRef>
+          <a:fillRef idx="1">
+            <a:schemeClr val="accent1"/>
+          </a:fillRef>
+          <a:effectRef idx="0">
+            <a:schemeClr val="accent1"/>
+          </a:effectRef>
+          <a:fontRef idx="minor">
+            <a:schemeClr val="lt1"/>
+          </a:fontRef>
+        </p:style>
+        <p:txBody>
+          <a:bodyPr rtlCol="0" anchor="ctr"/>
+          <a:lstStyle/>
+          <a:p>
+            <a:pPr algn="ctr"/>
+            <a:r>
+              <a:rPr lang="en-US" sz="1200" b="1" dirty="0">
+                <a:solidFill>
+                  <a:schemeClr val="tx1"/>
+                </a:solidFill>
+              </a:rPr>
+              <a:t>IF</a:t>
+            </a:r>
+            <a:r>
+              <a:rPr lang="en-US" sz="1200" dirty="0">
+                <a:solidFill>
+                  <a:schemeClr val="tx1"/>
+                </a:solidFill>
+              </a:rPr>
+              <a:t> </a:t>
+            </a:r>
+            <a:r>
+              <a:rPr lang="en-US" sz="1200" dirty="0" err="1">
+                <a:solidFill>
+                  <a:schemeClr val="tx1"/>
+                </a:solidFill>
+              </a:rPr>
+              <a:t>SemanticType</a:t>
+            </a:r>
+            <a:r>
+              <a:rPr lang="en-US" sz="1200" dirty="0">
+                <a:solidFill>
+                  <a:schemeClr val="tx1"/>
+                </a:solidFill>
+              </a:rPr>
+              <a:t> </a:t>
+            </a:r>
+            <a:r>
+              <a:rPr lang="en-US" sz="1200" dirty="0" smtClean="0">
+                <a:solidFill>
+                  <a:schemeClr val="tx1"/>
+                </a:solidFill>
+              </a:rPr>
+              <a:t> = </a:t>
+            </a:r>
+            <a:r>
+              <a:rPr lang="en-US" sz="1200" dirty="0" smtClean="0">
+                <a:solidFill>
+                  <a:schemeClr val="tx1"/>
+                </a:solidFill>
+              </a:rPr>
+              <a:t>‘</a:t>
+            </a:r>
+            <a:r>
+              <a:rPr lang="en-US" sz="1200" i="1" dirty="0" smtClean="0">
+                <a:solidFill>
+                  <a:schemeClr val="tx1"/>
+                </a:solidFill>
+              </a:rPr>
+              <a:t>ST</a:t>
+            </a:r>
+            <a:r>
+              <a:rPr lang="en-US" sz="1200" i="1" baseline="-25000" dirty="0" smtClean="0">
+                <a:solidFill>
+                  <a:schemeClr val="tx1"/>
+                </a:solidFill>
+              </a:rPr>
+              <a:t>3</a:t>
+            </a:r>
+            <a:r>
+              <a:rPr lang="en-US" sz="1200" dirty="0" smtClean="0">
+                <a:solidFill>
+                  <a:schemeClr val="tx1"/>
+                </a:solidFill>
+              </a:rPr>
+              <a:t>’ </a:t>
+            </a:r>
+          </a:p>
+          <a:p>
+            <a:pPr algn="ctr"/>
+            <a:r>
+              <a:rPr lang="en-US" sz="1200" b="1" dirty="0" smtClean="0">
+                <a:solidFill>
+                  <a:schemeClr val="tx1"/>
+                </a:solidFill>
+              </a:rPr>
+              <a:t>THEN </a:t>
+            </a:r>
+            <a:r>
+              <a:rPr lang="en-US" sz="1200" dirty="0">
+                <a:solidFill>
+                  <a:schemeClr val="tx1"/>
+                </a:solidFill>
+              </a:rPr>
+              <a:t>‘</a:t>
+            </a:r>
+            <a:r>
+              <a:rPr lang="en-US" sz="1200" i="1" dirty="0" smtClean="0">
+                <a:solidFill>
+                  <a:schemeClr val="tx1"/>
+                </a:solidFill>
+              </a:rPr>
+              <a:t>Concept</a:t>
+            </a:r>
+            <a:r>
+              <a:rPr lang="en-US" sz="1200" i="1" baseline="-25000" dirty="0" smtClean="0">
+                <a:solidFill>
+                  <a:schemeClr val="tx1"/>
+                </a:solidFill>
+              </a:rPr>
+              <a:t>3</a:t>
+            </a:r>
+            <a:r>
+              <a:rPr lang="en-US" sz="1200" dirty="0" smtClean="0">
+                <a:solidFill>
+                  <a:schemeClr val="tx1"/>
+                </a:solidFill>
+              </a:rPr>
+              <a:t>’</a:t>
+            </a:r>
+            <a:endParaRPr lang="en-US" sz="1200" dirty="0">
+              <a:solidFill>
+                <a:schemeClr val="tx1"/>
+              </a:solidFill>
+            </a:endParaRPr>
+          </a:p>
+        </p:txBody>
+      </p:sp>
+      <p:cxnSp>
+        <p:nvCxnSpPr>
+          <p:cNvPr id="43" name="Straight Arrow Connector 42"/>
+          <p:cNvCxnSpPr>
+            <a:stCxn id="28" idx="2"/>
+            <a:endCxn id="42" idx="0"/>
+          </p:cNvCxnSpPr>
+          <p:nvPr/>
+        </p:nvCxnSpPr>
+        <p:spPr>
+          <a:xfrm rot="5400000">
+            <a:off x="2262989" y="3299837"/>
+            <a:ext cx="591660" cy="793757"/>
+          </a:xfrm>
+          <a:prstGeom prst="curvedConnector3">
+            <a:avLst>
+              <a:gd name="adj1" fmla="val 50000"/>
+            </a:avLst>
+          </a:prstGeom>
+          <a:noFill/>
+          <a:ln w="19050">
+            <a:solidFill>
+              <a:schemeClr val="tx1"/>
+            </a:solidFill>
+            <a:tailEnd type="triangle"/>
+          </a:ln>
+        </p:spPr>
+        <p:style>
+          <a:lnRef idx="2">
+            <a:schemeClr val="accent1">
+              <a:shade val="50000"/>
+            </a:schemeClr>
+          </a:lnRef>
+          <a:fillRef idx="1">
+            <a:schemeClr val="accent1"/>
+          </a:fillRef>
+          <a:effectRef idx="0">
+            <a:schemeClr val="accent1"/>
+          </a:effectRef>
+          <a:fontRef idx="minor">
+            <a:schemeClr val="lt1"/>
+          </a:fontRef>
+        </p:style>
+      </p:cxnSp>
+      <p:sp>
+        <p:nvSpPr>
+          <p:cNvPr id="44" name="TextBox 43"/>
+          <p:cNvSpPr txBox="1"/>
+          <p:nvPr/>
+        </p:nvSpPr>
+        <p:spPr>
+          <a:xfrm>
+            <a:off x="1786260" y="3535626"/>
+            <a:ext cx="597279" cy="276999"/>
+          </a:xfrm>
+          <a:prstGeom prst="rect">
+            <a:avLst/>
+          </a:prstGeom>
+          <a:noFill/>
+        </p:spPr>
+        <p:txBody>
+          <a:bodyPr wrap="none" rtlCol="0">
+            <a:spAutoFit/>
+          </a:bodyPr>
+          <a:lstStyle/>
+          <a:p>
+            <a:r>
+              <a:rPr lang="en-US" sz="1200" dirty="0" smtClean="0"/>
+              <a:t>Except</a:t>
+            </a:r>
+            <a:endParaRPr lang="en-US" sz="1200" dirty="0"/>
+          </a:p>
+        </p:txBody>
+      </p:sp>
+      <p:sp>
+        <p:nvSpPr>
+          <p:cNvPr id="46" name="Rounded Rectangle 45"/>
+          <p:cNvSpPr/>
+          <p:nvPr/>
+        </p:nvSpPr>
+        <p:spPr>
+          <a:xfrm>
+            <a:off x="7584536" y="2854821"/>
+            <a:ext cx="1371600" cy="548640"/>
+          </a:xfrm>
+          <a:prstGeom prst="roundRect">
+            <a:avLst>
+              <a:gd name="adj" fmla="val 0"/>
+            </a:avLst>
+          </a:prstGeom>
+          <a:noFill/>
+          <a:ln w="19050">
+            <a:solidFill>
+              <a:schemeClr val="tx1"/>
+            </a:solidFill>
+          </a:ln>
+        </p:spPr>
+        <p:style>
+          <a:lnRef idx="2">
+            <a:schemeClr val="accent1">
+              <a:shade val="50000"/>
+            </a:schemeClr>
+          </a:lnRef>
+          <a:fillRef idx="1">
+            <a:schemeClr val="accent1"/>
+          </a:fillRef>
+          <a:effectRef idx="0">
+            <a:schemeClr val="accent1"/>
+          </a:effectRef>
+          <a:fontRef idx="minor">
+            <a:schemeClr val="lt1"/>
+          </a:fontRef>
+        </p:style>
+        <p:txBody>
+          <a:bodyPr rtlCol="0" anchor="ctr"/>
+          <a:lstStyle/>
+          <a:p>
+            <a:pPr algn="ctr"/>
+            <a:r>
+              <a:rPr lang="en-US" sz="1200" b="1" dirty="0">
+                <a:solidFill>
+                  <a:schemeClr val="tx1"/>
+                </a:solidFill>
+              </a:rPr>
+              <a:t>IF</a:t>
+            </a:r>
+            <a:r>
+              <a:rPr lang="en-US" sz="1200" dirty="0">
+                <a:solidFill>
+                  <a:schemeClr val="tx1"/>
+                </a:solidFill>
+              </a:rPr>
+              <a:t> </a:t>
+            </a:r>
+            <a:r>
+              <a:rPr lang="en-US" sz="1200" dirty="0" err="1">
+                <a:solidFill>
+                  <a:schemeClr val="tx1"/>
+                </a:solidFill>
+              </a:rPr>
+              <a:t>SemanticType</a:t>
+            </a:r>
+            <a:r>
+              <a:rPr lang="en-US" sz="1200" dirty="0">
+                <a:solidFill>
+                  <a:schemeClr val="tx1"/>
+                </a:solidFill>
+              </a:rPr>
+              <a:t> = ‘</a:t>
+            </a:r>
+            <a:r>
+              <a:rPr lang="en-US" sz="1200" i="1" dirty="0">
+                <a:solidFill>
+                  <a:schemeClr val="tx1"/>
+                </a:solidFill>
+              </a:rPr>
+              <a:t>ST</a:t>
+            </a:r>
+            <a:r>
+              <a:rPr lang="en-US" sz="1200" i="1" baseline="-25000" dirty="0">
+                <a:solidFill>
+                  <a:schemeClr val="tx1"/>
+                </a:solidFill>
+              </a:rPr>
+              <a:t>1</a:t>
+            </a:r>
+            <a:r>
+              <a:rPr lang="en-US" sz="1200" dirty="0">
+                <a:solidFill>
+                  <a:schemeClr val="tx1"/>
+                </a:solidFill>
+              </a:rPr>
+              <a:t>’</a:t>
+            </a:r>
+          </a:p>
+          <a:p>
+            <a:pPr algn="ctr"/>
+            <a:r>
+              <a:rPr lang="en-US" sz="1200" b="1" dirty="0">
+                <a:solidFill>
+                  <a:schemeClr val="tx1"/>
+                </a:solidFill>
+              </a:rPr>
+              <a:t>THEN </a:t>
+            </a:r>
+            <a:r>
+              <a:rPr lang="en-US" sz="1200" dirty="0">
+                <a:solidFill>
+                  <a:schemeClr val="tx1"/>
+                </a:solidFill>
+              </a:rPr>
+              <a:t>‘</a:t>
+            </a:r>
+            <a:r>
+              <a:rPr lang="en-US" sz="1200" i="1" dirty="0" smtClean="0">
+                <a:solidFill>
+                  <a:schemeClr val="tx1"/>
+                </a:solidFill>
+              </a:rPr>
+              <a:t>Concept</a:t>
+            </a:r>
+            <a:r>
+              <a:rPr lang="en-US" sz="1200" i="1" baseline="-25000" dirty="0" smtClean="0">
+                <a:solidFill>
+                  <a:schemeClr val="tx1"/>
+                </a:solidFill>
+              </a:rPr>
+              <a:t>7</a:t>
+            </a:r>
+            <a:r>
+              <a:rPr lang="en-US" sz="1200" dirty="0" smtClean="0">
+                <a:solidFill>
+                  <a:schemeClr val="tx1"/>
+                </a:solidFill>
+              </a:rPr>
+              <a:t>’</a:t>
+            </a:r>
+            <a:endParaRPr lang="en-US" sz="1200" dirty="0">
+              <a:solidFill>
+                <a:schemeClr val="tx1"/>
+              </a:solidFill>
+            </a:endParaRPr>
+          </a:p>
+        </p:txBody>
+      </p:sp>
+      <p:sp>
+        <p:nvSpPr>
+          <p:cNvPr id="47" name="Rounded Rectangle 46"/>
+          <p:cNvSpPr/>
+          <p:nvPr/>
+        </p:nvSpPr>
+        <p:spPr>
+          <a:xfrm>
+            <a:off x="7584536" y="3976085"/>
+            <a:ext cx="1371600" cy="548640"/>
+          </a:xfrm>
+          <a:prstGeom prst="roundRect">
+            <a:avLst>
+              <a:gd name="adj" fmla="val 0"/>
+            </a:avLst>
+          </a:prstGeom>
+          <a:noFill/>
+          <a:ln w="19050">
+            <a:solidFill>
+              <a:schemeClr val="tx1"/>
+            </a:solidFill>
+          </a:ln>
+        </p:spPr>
+        <p:style>
+          <a:lnRef idx="2">
+            <a:schemeClr val="accent1">
+              <a:shade val="50000"/>
+            </a:schemeClr>
+          </a:lnRef>
+          <a:fillRef idx="1">
+            <a:schemeClr val="accent1"/>
+          </a:fillRef>
+          <a:effectRef idx="0">
+            <a:schemeClr val="accent1"/>
+          </a:effectRef>
+          <a:fontRef idx="minor">
+            <a:schemeClr val="lt1"/>
+          </a:fontRef>
+        </p:style>
+        <p:txBody>
+          <a:bodyPr rtlCol="0" anchor="ctr"/>
+          <a:lstStyle/>
+          <a:p>
+            <a:pPr algn="ctr"/>
+            <a:r>
+              <a:rPr lang="en-US" sz="1200" b="1" dirty="0">
+                <a:solidFill>
+                  <a:schemeClr val="tx1"/>
+                </a:solidFill>
+              </a:rPr>
+              <a:t>IF</a:t>
+            </a:r>
+            <a:r>
+              <a:rPr lang="en-US" sz="1200" dirty="0">
+                <a:solidFill>
+                  <a:schemeClr val="tx1"/>
+                </a:solidFill>
+              </a:rPr>
+              <a:t> </a:t>
+            </a:r>
+            <a:r>
+              <a:rPr lang="en-US" sz="1200" dirty="0" err="1">
+                <a:solidFill>
+                  <a:schemeClr val="tx1"/>
+                </a:solidFill>
+              </a:rPr>
+              <a:t>SemanticType</a:t>
+            </a:r>
+            <a:r>
+              <a:rPr lang="en-US" sz="1200" dirty="0">
+                <a:solidFill>
+                  <a:schemeClr val="tx1"/>
+                </a:solidFill>
+              </a:rPr>
+              <a:t> = ‘</a:t>
+            </a:r>
+            <a:r>
+              <a:rPr lang="en-US" sz="1200" i="1" dirty="0" smtClean="0">
+                <a:solidFill>
+                  <a:schemeClr val="tx1"/>
+                </a:solidFill>
+              </a:rPr>
+              <a:t>ST</a:t>
+            </a:r>
+            <a:r>
+              <a:rPr lang="en-US" sz="1200" i="1" baseline="-25000" dirty="0" smtClean="0">
+                <a:solidFill>
+                  <a:schemeClr val="tx1"/>
+                </a:solidFill>
+              </a:rPr>
+              <a:t>7</a:t>
+            </a:r>
+            <a:r>
+              <a:rPr lang="en-US" sz="1200" dirty="0" smtClean="0">
+                <a:solidFill>
+                  <a:schemeClr val="tx1"/>
+                </a:solidFill>
+              </a:rPr>
+              <a:t>’</a:t>
+            </a:r>
+            <a:endParaRPr lang="en-US" sz="1200" dirty="0">
+              <a:solidFill>
+                <a:schemeClr val="tx1"/>
+              </a:solidFill>
+            </a:endParaRPr>
+          </a:p>
+          <a:p>
+            <a:pPr algn="ctr"/>
+            <a:r>
+              <a:rPr lang="en-US" sz="1200" b="1" dirty="0">
+                <a:solidFill>
+                  <a:schemeClr val="tx1"/>
+                </a:solidFill>
+              </a:rPr>
+              <a:t>THEN </a:t>
+            </a:r>
+            <a:r>
+              <a:rPr lang="en-US" sz="1200" dirty="0">
+                <a:solidFill>
+                  <a:schemeClr val="tx1"/>
+                </a:solidFill>
+              </a:rPr>
+              <a:t>‘</a:t>
+            </a:r>
+            <a:r>
+              <a:rPr lang="en-US" sz="1200" i="1" dirty="0" smtClean="0">
+                <a:solidFill>
+                  <a:schemeClr val="tx1"/>
+                </a:solidFill>
+              </a:rPr>
+              <a:t>Concept</a:t>
+            </a:r>
+            <a:r>
+              <a:rPr lang="en-US" sz="1200" i="1" baseline="-25000" dirty="0" smtClean="0">
+                <a:solidFill>
+                  <a:schemeClr val="tx1"/>
+                </a:solidFill>
+              </a:rPr>
+              <a:t>7</a:t>
+            </a:r>
+            <a:r>
+              <a:rPr lang="en-US" sz="1200" dirty="0" smtClean="0">
+                <a:solidFill>
+                  <a:schemeClr val="tx1"/>
+                </a:solidFill>
+              </a:rPr>
+              <a:t>’</a:t>
+            </a:r>
+            <a:endParaRPr lang="en-US" sz="1200" dirty="0">
+              <a:solidFill>
+                <a:schemeClr val="tx1"/>
+              </a:solidFill>
+            </a:endParaRPr>
+          </a:p>
+        </p:txBody>
+      </p:sp>
+      <p:cxnSp>
+        <p:nvCxnSpPr>
+          <p:cNvPr id="48" name="Straight Arrow Connector 47"/>
+          <p:cNvCxnSpPr>
+            <a:stCxn id="46" idx="2"/>
+            <a:endCxn id="47" idx="0"/>
+          </p:cNvCxnSpPr>
+          <p:nvPr/>
+        </p:nvCxnSpPr>
+        <p:spPr>
+          <a:xfrm>
+            <a:off x="8270336" y="3403461"/>
+            <a:ext cx="0" cy="572624"/>
+          </a:xfrm>
+          <a:prstGeom prst="straightConnector1">
+            <a:avLst/>
+          </a:prstGeom>
+          <a:noFill/>
+          <a:ln w="19050">
+            <a:solidFill>
+              <a:schemeClr val="tx1"/>
+            </a:solidFill>
+            <a:tailEnd type="triangle"/>
+          </a:ln>
+        </p:spPr>
+        <p:style>
+          <a:lnRef idx="2">
+            <a:schemeClr val="accent1">
+              <a:shade val="50000"/>
+            </a:schemeClr>
+          </a:lnRef>
+          <a:fillRef idx="1">
+            <a:schemeClr val="accent1"/>
+          </a:fillRef>
+          <a:effectRef idx="0">
+            <a:schemeClr val="accent1"/>
+          </a:effectRef>
+          <a:fontRef idx="minor">
+            <a:schemeClr val="lt1"/>
+          </a:fontRef>
+        </p:style>
+      </p:cxnSp>
+      <p:sp>
+        <p:nvSpPr>
+          <p:cNvPr id="49" name="TextBox 48"/>
+          <p:cNvSpPr txBox="1"/>
+          <p:nvPr/>
+        </p:nvSpPr>
+        <p:spPr>
+          <a:xfrm>
+            <a:off x="7734429" y="3542937"/>
+            <a:ext cx="597279" cy="276999"/>
+          </a:xfrm>
+          <a:prstGeom prst="rect">
+            <a:avLst/>
+          </a:prstGeom>
+          <a:noFill/>
+        </p:spPr>
+        <p:txBody>
+          <a:bodyPr wrap="none" rtlCol="0">
+            <a:spAutoFit/>
+          </a:bodyPr>
+          <a:lstStyle/>
+          <a:p>
+            <a:r>
+              <a:rPr lang="en-US" sz="1200" dirty="0" smtClean="0"/>
+              <a:t>Except</a:t>
+            </a:r>
+            <a:endParaRPr lang="en-US" sz="1200" dirty="0"/>
+          </a:p>
+        </p:txBody>
+      </p:sp>
+      <p:cxnSp>
+        <p:nvCxnSpPr>
+          <p:cNvPr id="50" name="Straight Arrow Connector 49"/>
+          <p:cNvCxnSpPr>
+            <a:stCxn id="29" idx="2"/>
+            <a:endCxn id="46" idx="0"/>
+          </p:cNvCxnSpPr>
+          <p:nvPr/>
+        </p:nvCxnSpPr>
+        <p:spPr>
+          <a:xfrm>
+            <a:off x="8270336" y="2281190"/>
+            <a:ext cx="0" cy="573631"/>
+          </a:xfrm>
+          <a:prstGeom prst="straightConnector1">
+            <a:avLst/>
+          </a:prstGeom>
+          <a:noFill/>
+          <a:ln w="19050">
+            <a:solidFill>
+              <a:schemeClr val="tx1"/>
+            </a:solidFill>
+            <a:tailEnd type="triangle"/>
+          </a:ln>
+        </p:spPr>
+        <p:style>
+          <a:lnRef idx="2">
+            <a:schemeClr val="accent1">
+              <a:shade val="50000"/>
+            </a:schemeClr>
+          </a:lnRef>
+          <a:fillRef idx="1">
+            <a:schemeClr val="accent1"/>
+          </a:fillRef>
+          <a:effectRef idx="0">
+            <a:schemeClr val="accent1"/>
+          </a:effectRef>
+          <a:fontRef idx="minor">
+            <a:schemeClr val="lt1"/>
+          </a:fontRef>
+        </p:style>
+      </p:cxnSp>
+      <p:sp>
+        <p:nvSpPr>
+          <p:cNvPr id="51" name="TextBox 50"/>
+          <p:cNvSpPr txBox="1"/>
+          <p:nvPr/>
+        </p:nvSpPr>
+        <p:spPr>
+          <a:xfrm>
+            <a:off x="7694303" y="2435406"/>
+            <a:ext cx="597279" cy="276999"/>
+          </a:xfrm>
+          <a:prstGeom prst="rect">
+            <a:avLst/>
+          </a:prstGeom>
+          <a:noFill/>
+        </p:spPr>
+        <p:txBody>
+          <a:bodyPr wrap="none" rtlCol="0">
+            <a:spAutoFit/>
+          </a:bodyPr>
+          <a:lstStyle/>
+          <a:p>
+            <a:r>
+              <a:rPr lang="en-US" sz="1200" dirty="0" smtClean="0"/>
+              <a:t>Except</a:t>
+            </a:r>
+            <a:endParaRPr lang="en-US" sz="1200" dirty="0"/>
+          </a:p>
+        </p:txBody>
+      </p:sp>
+      <p:sp>
+        <p:nvSpPr>
+          <p:cNvPr id="52" name="Rounded Rectangle 51"/>
+          <p:cNvSpPr/>
+          <p:nvPr/>
+        </p:nvSpPr>
+        <p:spPr>
+          <a:xfrm>
+            <a:off x="2981705" y="3996755"/>
+            <a:ext cx="1371600" cy="548640"/>
+          </a:xfrm>
+          <a:prstGeom prst="roundRect">
+            <a:avLst>
+              <a:gd name="adj" fmla="val 0"/>
+            </a:avLst>
+          </a:prstGeom>
+          <a:noFill/>
+          <a:ln w="19050">
+            <a:solidFill>
+              <a:schemeClr val="tx1"/>
+            </a:solidFill>
+          </a:ln>
+        </p:spPr>
+        <p:style>
+          <a:lnRef idx="2">
+            <a:schemeClr val="accent1">
+              <a:shade val="50000"/>
+            </a:schemeClr>
+          </a:lnRef>
+          <a:fillRef idx="1">
+            <a:schemeClr val="accent1"/>
+          </a:fillRef>
+          <a:effectRef idx="0">
+            <a:schemeClr val="accent1"/>
+          </a:effectRef>
+          <a:fontRef idx="minor">
+            <a:schemeClr val="lt1"/>
+          </a:fontRef>
+        </p:style>
+        <p:txBody>
+          <a:bodyPr rtlCol="0" anchor="ctr"/>
+          <a:lstStyle/>
+          <a:p>
+            <a:pPr algn="ctr"/>
+            <a:r>
+              <a:rPr lang="en-US" sz="1200" b="1" dirty="0">
+                <a:solidFill>
+                  <a:schemeClr val="tx1"/>
+                </a:solidFill>
+              </a:rPr>
+              <a:t>IF</a:t>
+            </a:r>
+            <a:r>
+              <a:rPr lang="en-US" sz="1200" dirty="0">
+                <a:solidFill>
+                  <a:schemeClr val="tx1"/>
+                </a:solidFill>
+              </a:rPr>
+              <a:t> </a:t>
+            </a:r>
+            <a:r>
+              <a:rPr lang="en-US" sz="1200" dirty="0" err="1">
+                <a:solidFill>
+                  <a:schemeClr val="tx1"/>
+                </a:solidFill>
+              </a:rPr>
+              <a:t>SemanticType</a:t>
+            </a:r>
+            <a:r>
+              <a:rPr lang="en-US" sz="1200" dirty="0">
+                <a:solidFill>
+                  <a:schemeClr val="tx1"/>
+                </a:solidFill>
+              </a:rPr>
+              <a:t>  = ‘</a:t>
+            </a:r>
+            <a:r>
+              <a:rPr lang="en-US" sz="1200" i="1" dirty="0" smtClean="0">
+                <a:solidFill>
+                  <a:schemeClr val="tx1"/>
+                </a:solidFill>
+              </a:rPr>
+              <a:t>ST</a:t>
+            </a:r>
+            <a:r>
+              <a:rPr lang="en-US" sz="1200" i="1" baseline="-25000" dirty="0" smtClean="0">
+                <a:solidFill>
+                  <a:schemeClr val="tx1"/>
+                </a:solidFill>
+              </a:rPr>
+              <a:t>4</a:t>
+            </a:r>
+            <a:r>
+              <a:rPr lang="en-US" sz="1200" dirty="0" smtClean="0">
+                <a:solidFill>
+                  <a:schemeClr val="tx1"/>
+                </a:solidFill>
+              </a:rPr>
+              <a:t>’ </a:t>
+            </a:r>
+          </a:p>
+          <a:p>
+            <a:pPr algn="ctr"/>
+            <a:r>
+              <a:rPr lang="en-US" sz="1200" b="1" dirty="0" smtClean="0">
+                <a:solidFill>
+                  <a:schemeClr val="tx1"/>
+                </a:solidFill>
+              </a:rPr>
+              <a:t>THEN </a:t>
+            </a:r>
+            <a:r>
+              <a:rPr lang="en-US" sz="1200" dirty="0">
+                <a:solidFill>
+                  <a:schemeClr val="tx1"/>
+                </a:solidFill>
+              </a:rPr>
+              <a:t>‘</a:t>
+            </a:r>
+            <a:r>
+              <a:rPr lang="en-US" sz="1200" i="1" dirty="0" smtClean="0">
+                <a:solidFill>
+                  <a:schemeClr val="tx1"/>
+                </a:solidFill>
+              </a:rPr>
+              <a:t>Concept</a:t>
+            </a:r>
+            <a:r>
+              <a:rPr lang="en-US" sz="1200" i="1" baseline="-25000" dirty="0" smtClean="0">
+                <a:solidFill>
+                  <a:schemeClr val="tx1"/>
+                </a:solidFill>
+              </a:rPr>
+              <a:t>4</a:t>
+            </a:r>
+            <a:r>
+              <a:rPr lang="en-US" sz="1200" dirty="0" smtClean="0">
+                <a:solidFill>
+                  <a:schemeClr val="tx1"/>
+                </a:solidFill>
+              </a:rPr>
+              <a:t>’</a:t>
+            </a:r>
+            <a:endParaRPr lang="en-US" sz="1200" dirty="0">
+              <a:solidFill>
+                <a:schemeClr val="tx1"/>
+              </a:solidFill>
+            </a:endParaRPr>
+          </a:p>
+        </p:txBody>
+      </p:sp>
+      <p:cxnSp>
+        <p:nvCxnSpPr>
+          <p:cNvPr id="14" name="Straight Arrow Connector 13"/>
+          <p:cNvCxnSpPr>
+            <a:stCxn id="28" idx="2"/>
+            <a:endCxn id="52" idx="0"/>
+          </p:cNvCxnSpPr>
+          <p:nvPr/>
+        </p:nvCxnSpPr>
+        <p:spPr>
+          <a:xfrm rot="16200000" flipH="1">
+            <a:off x="3013666" y="3342916"/>
+            <a:ext cx="595870" cy="711808"/>
+          </a:xfrm>
+          <a:prstGeom prst="curvedConnector3">
+            <a:avLst>
+              <a:gd name="adj1" fmla="val 50000"/>
+            </a:avLst>
+          </a:prstGeom>
+          <a:noFill/>
+          <a:ln w="19050">
+            <a:solidFill>
+              <a:schemeClr val="tx1"/>
+            </a:solidFill>
+            <a:tailEnd type="triangle"/>
+          </a:ln>
+        </p:spPr>
+        <p:style>
+          <a:lnRef idx="2">
+            <a:schemeClr val="accent1">
+              <a:shade val="50000"/>
+            </a:schemeClr>
+          </a:lnRef>
+          <a:fillRef idx="1">
+            <a:schemeClr val="accent1"/>
+          </a:fillRef>
+          <a:effectRef idx="0">
+            <a:schemeClr val="accent1"/>
+          </a:effectRef>
+          <a:fontRef idx="minor">
+            <a:schemeClr val="lt1"/>
+          </a:fontRef>
+        </p:style>
+      </p:cxnSp>
+      <p:sp>
+        <p:nvSpPr>
+          <p:cNvPr id="55" name="Rounded Rectangle 54"/>
+          <p:cNvSpPr/>
+          <p:nvPr/>
+        </p:nvSpPr>
+        <p:spPr>
+          <a:xfrm>
+            <a:off x="5218847" y="2848903"/>
+            <a:ext cx="1371600" cy="548640"/>
+          </a:xfrm>
+          <a:prstGeom prst="roundRect">
+            <a:avLst>
+              <a:gd name="adj" fmla="val 0"/>
+            </a:avLst>
+          </a:prstGeom>
+          <a:noFill/>
+          <a:ln w="19050">
+            <a:solidFill>
+              <a:schemeClr val="tx1"/>
+            </a:solidFill>
+          </a:ln>
+        </p:spPr>
+        <p:style>
+          <a:lnRef idx="2">
+            <a:schemeClr val="accent1">
+              <a:shade val="50000"/>
+            </a:schemeClr>
+          </a:lnRef>
+          <a:fillRef idx="1">
+            <a:schemeClr val="accent1"/>
+          </a:fillRef>
+          <a:effectRef idx="0">
+            <a:schemeClr val="accent1"/>
+          </a:effectRef>
+          <a:fontRef idx="minor">
+            <a:schemeClr val="lt1"/>
+          </a:fontRef>
+        </p:style>
+        <p:txBody>
+          <a:bodyPr rtlCol="0" anchor="ctr"/>
+          <a:lstStyle/>
+          <a:p>
+            <a:pPr algn="ctr"/>
+            <a:r>
+              <a:rPr lang="en-US" sz="1200" b="1" dirty="0">
+                <a:solidFill>
+                  <a:schemeClr val="tx1"/>
+                </a:solidFill>
+              </a:rPr>
+              <a:t>IF</a:t>
+            </a:r>
+            <a:r>
+              <a:rPr lang="en-US" sz="1200" dirty="0">
+                <a:solidFill>
+                  <a:schemeClr val="tx1"/>
+                </a:solidFill>
+              </a:rPr>
+              <a:t> </a:t>
+            </a:r>
+            <a:r>
+              <a:rPr lang="en-US" sz="1200" dirty="0" err="1">
+                <a:solidFill>
+                  <a:schemeClr val="tx1"/>
+                </a:solidFill>
+              </a:rPr>
+              <a:t>SemanticType</a:t>
+            </a:r>
+            <a:r>
+              <a:rPr lang="en-US" sz="1200" dirty="0">
+                <a:solidFill>
+                  <a:schemeClr val="tx1"/>
+                </a:solidFill>
+              </a:rPr>
+              <a:t> = ‘</a:t>
+            </a:r>
+            <a:r>
+              <a:rPr lang="en-US" sz="1200" i="1" dirty="0" smtClean="0">
+                <a:solidFill>
+                  <a:schemeClr val="tx1"/>
+                </a:solidFill>
+              </a:rPr>
+              <a:t>ST</a:t>
+            </a:r>
+            <a:r>
+              <a:rPr lang="en-US" sz="1200" i="1" baseline="-25000" dirty="0" smtClean="0">
+                <a:solidFill>
+                  <a:schemeClr val="tx1"/>
+                </a:solidFill>
+              </a:rPr>
+              <a:t>2</a:t>
+            </a:r>
+            <a:r>
+              <a:rPr lang="en-US" sz="1200" dirty="0" smtClean="0">
+                <a:solidFill>
+                  <a:schemeClr val="tx1"/>
+                </a:solidFill>
+              </a:rPr>
+              <a:t>’</a:t>
+            </a:r>
+            <a:endParaRPr lang="en-US" sz="1200" dirty="0">
+              <a:solidFill>
+                <a:schemeClr val="tx1"/>
+              </a:solidFill>
+            </a:endParaRPr>
+          </a:p>
+          <a:p>
+            <a:pPr algn="ctr"/>
+            <a:r>
+              <a:rPr lang="en-US" sz="1200" b="1" dirty="0">
+                <a:solidFill>
+                  <a:schemeClr val="tx1"/>
+                </a:solidFill>
+              </a:rPr>
+              <a:t>THEN </a:t>
+            </a:r>
+            <a:r>
+              <a:rPr lang="en-US" sz="1200" dirty="0">
+                <a:solidFill>
+                  <a:schemeClr val="tx1"/>
+                </a:solidFill>
+              </a:rPr>
+              <a:t>‘</a:t>
+            </a:r>
+            <a:r>
+              <a:rPr lang="en-US" sz="1200" i="1" dirty="0" smtClean="0">
+                <a:solidFill>
+                  <a:schemeClr val="tx1"/>
+                </a:solidFill>
+              </a:rPr>
+              <a:t>Concept</a:t>
+            </a:r>
+            <a:r>
+              <a:rPr lang="en-US" sz="1200" i="1" baseline="-25000" dirty="0" smtClean="0">
+                <a:solidFill>
+                  <a:schemeClr val="tx1"/>
+                </a:solidFill>
+              </a:rPr>
+              <a:t>2</a:t>
+            </a:r>
+            <a:r>
+              <a:rPr lang="en-US" sz="1200" dirty="0" smtClean="0">
+                <a:solidFill>
+                  <a:schemeClr val="tx1"/>
+                </a:solidFill>
+              </a:rPr>
+              <a:t>’</a:t>
+            </a:r>
+            <a:endParaRPr lang="en-US" sz="1200" dirty="0">
+              <a:solidFill>
+                <a:schemeClr val="tx1"/>
+              </a:solidFill>
+            </a:endParaRPr>
+          </a:p>
+        </p:txBody>
+      </p:sp>
+      <p:cxnSp>
+        <p:nvCxnSpPr>
+          <p:cNvPr id="22" name="Elbow Connector 21"/>
+          <p:cNvCxnSpPr>
+            <a:stCxn id="27" idx="2"/>
+            <a:endCxn id="55" idx="0"/>
+          </p:cNvCxnSpPr>
+          <p:nvPr/>
+        </p:nvCxnSpPr>
+        <p:spPr>
+          <a:xfrm rot="16200000" flipH="1">
+            <a:off x="4847055" y="1791310"/>
+            <a:ext cx="563843" cy="1551342"/>
+          </a:xfrm>
+          <a:prstGeom prst="curvedConnector3">
+            <a:avLst/>
+          </a:prstGeom>
+          <a:noFill/>
+          <a:ln w="19050">
+            <a:solidFill>
+              <a:schemeClr val="tx1"/>
+            </a:solidFill>
+            <a:tailEnd type="triangle"/>
+          </a:ln>
+        </p:spPr>
+        <p:style>
+          <a:lnRef idx="2">
+            <a:schemeClr val="accent1">
+              <a:shade val="50000"/>
+            </a:schemeClr>
+          </a:lnRef>
+          <a:fillRef idx="1">
+            <a:schemeClr val="accent1"/>
+          </a:fillRef>
+          <a:effectRef idx="0">
+            <a:schemeClr val="accent1"/>
+          </a:effectRef>
+          <a:fontRef idx="minor">
+            <a:schemeClr val="lt1"/>
+          </a:fontRef>
+        </p:style>
+      </p:cxnSp>
+      <p:sp>
+        <p:nvSpPr>
+          <p:cNvPr id="71" name="Rounded Rectangle 70"/>
+          <p:cNvSpPr/>
+          <p:nvPr/>
+        </p:nvSpPr>
+        <p:spPr>
+          <a:xfrm>
+            <a:off x="4505318" y="3987883"/>
+            <a:ext cx="1371600" cy="548640"/>
+          </a:xfrm>
+          <a:prstGeom prst="roundRect">
+            <a:avLst>
+              <a:gd name="adj" fmla="val 0"/>
+            </a:avLst>
+          </a:prstGeom>
+          <a:noFill/>
+          <a:ln w="19050">
+            <a:solidFill>
+              <a:schemeClr val="tx1"/>
+            </a:solidFill>
+          </a:ln>
+        </p:spPr>
+        <p:style>
+          <a:lnRef idx="2">
+            <a:schemeClr val="accent1">
+              <a:shade val="50000"/>
+            </a:schemeClr>
+          </a:lnRef>
+          <a:fillRef idx="1">
+            <a:schemeClr val="accent1"/>
+          </a:fillRef>
+          <a:effectRef idx="0">
+            <a:schemeClr val="accent1"/>
+          </a:effectRef>
+          <a:fontRef idx="minor">
+            <a:schemeClr val="lt1"/>
+          </a:fontRef>
+        </p:style>
+        <p:txBody>
+          <a:bodyPr rtlCol="0" anchor="ctr"/>
+          <a:lstStyle/>
+          <a:p>
+            <a:pPr algn="ctr"/>
+            <a:r>
+              <a:rPr lang="en-US" sz="1200" b="1" dirty="0">
+                <a:solidFill>
+                  <a:schemeClr val="tx1"/>
+                </a:solidFill>
+              </a:rPr>
+              <a:t>IF</a:t>
+            </a:r>
+            <a:r>
+              <a:rPr lang="en-US" sz="1200" dirty="0">
+                <a:solidFill>
+                  <a:schemeClr val="tx1"/>
+                </a:solidFill>
+              </a:rPr>
+              <a:t> </a:t>
+            </a:r>
+            <a:r>
+              <a:rPr lang="en-US" sz="1200" dirty="0" err="1">
+                <a:solidFill>
+                  <a:schemeClr val="tx1"/>
+                </a:solidFill>
+              </a:rPr>
+              <a:t>SemanticType</a:t>
+            </a:r>
+            <a:r>
+              <a:rPr lang="en-US" sz="1200" dirty="0">
+                <a:solidFill>
+                  <a:schemeClr val="tx1"/>
+                </a:solidFill>
+              </a:rPr>
+              <a:t> = ‘</a:t>
+            </a:r>
+            <a:r>
+              <a:rPr lang="en-US" sz="1200" i="1" dirty="0" smtClean="0">
+                <a:solidFill>
+                  <a:schemeClr val="tx1"/>
+                </a:solidFill>
+              </a:rPr>
+              <a:t>ST</a:t>
+            </a:r>
+            <a:r>
+              <a:rPr lang="en-US" sz="1200" i="1" baseline="-25000" dirty="0" smtClean="0">
+                <a:solidFill>
+                  <a:schemeClr val="tx1"/>
+                </a:solidFill>
+              </a:rPr>
+              <a:t>5</a:t>
+            </a:r>
+            <a:r>
+              <a:rPr lang="en-US" sz="1200" dirty="0" smtClean="0">
+                <a:solidFill>
+                  <a:schemeClr val="tx1"/>
+                </a:solidFill>
+              </a:rPr>
+              <a:t>’</a:t>
+            </a:r>
+            <a:endParaRPr lang="en-US" sz="1200" dirty="0">
+              <a:solidFill>
+                <a:schemeClr val="tx1"/>
+              </a:solidFill>
+            </a:endParaRPr>
+          </a:p>
+          <a:p>
+            <a:pPr algn="ctr"/>
+            <a:r>
+              <a:rPr lang="en-US" sz="1200" b="1" dirty="0">
+                <a:solidFill>
+                  <a:schemeClr val="tx1"/>
+                </a:solidFill>
+              </a:rPr>
+              <a:t>THEN </a:t>
+            </a:r>
+            <a:r>
+              <a:rPr lang="en-US" sz="1200" dirty="0">
+                <a:solidFill>
+                  <a:schemeClr val="tx1"/>
+                </a:solidFill>
+              </a:rPr>
+              <a:t>‘</a:t>
+            </a:r>
+            <a:r>
+              <a:rPr lang="en-US" sz="1200" i="1" dirty="0" smtClean="0">
+                <a:solidFill>
+                  <a:schemeClr val="tx1"/>
+                </a:solidFill>
+              </a:rPr>
+              <a:t>Concept</a:t>
+            </a:r>
+            <a:r>
+              <a:rPr lang="en-US" sz="1200" i="1" baseline="-25000" dirty="0" smtClean="0">
+                <a:solidFill>
+                  <a:schemeClr val="tx1"/>
+                </a:solidFill>
+              </a:rPr>
+              <a:t>5</a:t>
+            </a:r>
+            <a:r>
+              <a:rPr lang="en-US" sz="1200" dirty="0" smtClean="0">
+                <a:solidFill>
+                  <a:schemeClr val="tx1"/>
+                </a:solidFill>
+              </a:rPr>
+              <a:t>’</a:t>
+            </a:r>
+            <a:endParaRPr lang="en-US" sz="1200" dirty="0">
+              <a:solidFill>
+                <a:schemeClr val="tx1"/>
+              </a:solidFill>
+            </a:endParaRPr>
+          </a:p>
+        </p:txBody>
+      </p:sp>
+      <p:sp>
+        <p:nvSpPr>
+          <p:cNvPr id="72" name="TextBox 71"/>
+          <p:cNvSpPr txBox="1"/>
+          <p:nvPr/>
+        </p:nvSpPr>
+        <p:spPr>
+          <a:xfrm>
+            <a:off x="4786637" y="3575444"/>
+            <a:ext cx="597279" cy="276999"/>
+          </a:xfrm>
+          <a:prstGeom prst="rect">
+            <a:avLst/>
+          </a:prstGeom>
+          <a:noFill/>
+        </p:spPr>
+        <p:txBody>
+          <a:bodyPr wrap="none" rtlCol="0">
+            <a:spAutoFit/>
+          </a:bodyPr>
+          <a:lstStyle/>
+          <a:p>
+            <a:r>
+              <a:rPr lang="en-US" sz="1200" dirty="0" smtClean="0"/>
+              <a:t>Except</a:t>
+            </a:r>
+            <a:endParaRPr lang="en-US" sz="1200" dirty="0"/>
+          </a:p>
+        </p:txBody>
+      </p:sp>
+      <p:sp>
+        <p:nvSpPr>
+          <p:cNvPr id="73" name="Rounded Rectangle 72"/>
+          <p:cNvSpPr/>
+          <p:nvPr/>
+        </p:nvSpPr>
+        <p:spPr>
+          <a:xfrm>
+            <a:off x="6058792" y="3987883"/>
+            <a:ext cx="1371600" cy="548640"/>
+          </a:xfrm>
+          <a:prstGeom prst="roundRect">
+            <a:avLst>
+              <a:gd name="adj" fmla="val 0"/>
+            </a:avLst>
+          </a:prstGeom>
+          <a:noFill/>
+          <a:ln w="19050">
+            <a:solidFill>
+              <a:schemeClr val="tx1"/>
+            </a:solidFill>
+          </a:ln>
+        </p:spPr>
+        <p:style>
+          <a:lnRef idx="2">
+            <a:schemeClr val="accent1">
+              <a:shade val="50000"/>
+            </a:schemeClr>
+          </a:lnRef>
+          <a:fillRef idx="1">
+            <a:schemeClr val="accent1"/>
+          </a:fillRef>
+          <a:effectRef idx="0">
+            <a:schemeClr val="accent1"/>
+          </a:effectRef>
+          <a:fontRef idx="minor">
+            <a:schemeClr val="lt1"/>
+          </a:fontRef>
+        </p:style>
+        <p:txBody>
+          <a:bodyPr rtlCol="0" anchor="ctr"/>
+          <a:lstStyle/>
+          <a:p>
+            <a:pPr algn="ctr"/>
+            <a:r>
+              <a:rPr lang="en-US" sz="1200" b="1" dirty="0">
+                <a:solidFill>
+                  <a:schemeClr val="tx1"/>
+                </a:solidFill>
+              </a:rPr>
+              <a:t>IF</a:t>
+            </a:r>
+            <a:r>
+              <a:rPr lang="en-US" sz="1200" dirty="0">
+                <a:solidFill>
+                  <a:schemeClr val="tx1"/>
+                </a:solidFill>
+              </a:rPr>
+              <a:t> </a:t>
+            </a:r>
+            <a:r>
+              <a:rPr lang="en-US" sz="1200" dirty="0" err="1">
+                <a:solidFill>
+                  <a:schemeClr val="tx1"/>
+                </a:solidFill>
+              </a:rPr>
+              <a:t>SemanticType</a:t>
+            </a:r>
+            <a:r>
+              <a:rPr lang="en-US" sz="1200" dirty="0">
+                <a:solidFill>
+                  <a:schemeClr val="tx1"/>
+                </a:solidFill>
+              </a:rPr>
+              <a:t> = ‘</a:t>
+            </a:r>
+            <a:r>
+              <a:rPr lang="en-US" sz="1200" i="1" dirty="0" smtClean="0">
+                <a:solidFill>
+                  <a:schemeClr val="tx1"/>
+                </a:solidFill>
+              </a:rPr>
+              <a:t>ST</a:t>
+            </a:r>
+            <a:r>
+              <a:rPr lang="en-US" sz="1200" i="1" baseline="-25000" dirty="0" smtClean="0">
+                <a:solidFill>
+                  <a:schemeClr val="tx1"/>
+                </a:solidFill>
+              </a:rPr>
+              <a:t>6</a:t>
+            </a:r>
+            <a:r>
+              <a:rPr lang="en-US" sz="1200" dirty="0" smtClean="0">
+                <a:solidFill>
+                  <a:schemeClr val="tx1"/>
+                </a:solidFill>
+              </a:rPr>
+              <a:t>’</a:t>
+            </a:r>
+            <a:endParaRPr lang="en-US" sz="1200" dirty="0">
+              <a:solidFill>
+                <a:schemeClr val="tx1"/>
+              </a:solidFill>
+            </a:endParaRPr>
+          </a:p>
+          <a:p>
+            <a:pPr algn="ctr"/>
+            <a:r>
+              <a:rPr lang="en-US" sz="1200" b="1" dirty="0">
+                <a:solidFill>
+                  <a:schemeClr val="tx1"/>
+                </a:solidFill>
+              </a:rPr>
+              <a:t>THEN </a:t>
+            </a:r>
+            <a:r>
+              <a:rPr lang="en-US" sz="1200" dirty="0">
+                <a:solidFill>
+                  <a:schemeClr val="tx1"/>
+                </a:solidFill>
+              </a:rPr>
+              <a:t>‘</a:t>
+            </a:r>
+            <a:r>
+              <a:rPr lang="en-US" sz="1200" i="1" dirty="0" smtClean="0">
+                <a:solidFill>
+                  <a:schemeClr val="tx1"/>
+                </a:solidFill>
+              </a:rPr>
+              <a:t>Concept</a:t>
+            </a:r>
+            <a:r>
+              <a:rPr lang="en-US" sz="1200" i="1" baseline="-25000" dirty="0" smtClean="0">
+                <a:solidFill>
+                  <a:schemeClr val="tx1"/>
+                </a:solidFill>
+              </a:rPr>
+              <a:t>6</a:t>
+            </a:r>
+            <a:r>
+              <a:rPr lang="en-US" sz="1200" dirty="0" smtClean="0">
+                <a:solidFill>
+                  <a:schemeClr val="tx1"/>
+                </a:solidFill>
+              </a:rPr>
+              <a:t>’</a:t>
+            </a:r>
+            <a:endParaRPr lang="en-US" sz="1200" dirty="0">
+              <a:solidFill>
+                <a:schemeClr val="tx1"/>
+              </a:solidFill>
+            </a:endParaRPr>
+          </a:p>
+        </p:txBody>
+      </p:sp>
+      <p:cxnSp>
+        <p:nvCxnSpPr>
+          <p:cNvPr id="75" name="Straight Arrow Connector 74"/>
+          <p:cNvCxnSpPr>
+            <a:stCxn id="55" idx="2"/>
+            <a:endCxn id="71" idx="0"/>
+          </p:cNvCxnSpPr>
+          <p:nvPr/>
+        </p:nvCxnSpPr>
+        <p:spPr>
+          <a:xfrm rot="5400000">
+            <a:off x="5252713" y="3335949"/>
+            <a:ext cx="590340" cy="713529"/>
+          </a:xfrm>
+          <a:prstGeom prst="curvedConnector3">
+            <a:avLst>
+              <a:gd name="adj1" fmla="val 50000"/>
+            </a:avLst>
+          </a:prstGeom>
+          <a:noFill/>
+          <a:ln w="19050">
+            <a:solidFill>
+              <a:schemeClr val="tx1"/>
+            </a:solidFill>
+            <a:tailEnd type="triangle"/>
+          </a:ln>
+        </p:spPr>
+        <p:style>
+          <a:lnRef idx="2">
+            <a:schemeClr val="accent1">
+              <a:shade val="50000"/>
+            </a:schemeClr>
+          </a:lnRef>
+          <a:fillRef idx="1">
+            <a:schemeClr val="accent1"/>
+          </a:fillRef>
+          <a:effectRef idx="0">
+            <a:schemeClr val="accent1"/>
+          </a:effectRef>
+          <a:fontRef idx="minor">
+            <a:schemeClr val="lt1"/>
+          </a:fontRef>
+        </p:style>
+      </p:cxnSp>
+      <p:cxnSp>
+        <p:nvCxnSpPr>
+          <p:cNvPr id="77" name="Straight Arrow Connector 76"/>
+          <p:cNvCxnSpPr>
+            <a:stCxn id="55" idx="2"/>
+            <a:endCxn id="73" idx="0"/>
+          </p:cNvCxnSpPr>
+          <p:nvPr/>
+        </p:nvCxnSpPr>
+        <p:spPr>
+          <a:xfrm rot="16200000" flipH="1">
+            <a:off x="6029449" y="3272740"/>
+            <a:ext cx="590340" cy="839945"/>
+          </a:xfrm>
+          <a:prstGeom prst="curvedConnector3">
+            <a:avLst>
+              <a:gd name="adj1" fmla="val 50000"/>
+            </a:avLst>
+          </a:prstGeom>
+          <a:noFill/>
+          <a:ln w="19050">
+            <a:solidFill>
+              <a:schemeClr val="tx1"/>
+            </a:solidFill>
+            <a:tailEnd type="triangle"/>
+          </a:ln>
+        </p:spPr>
+        <p:style>
+          <a:lnRef idx="2">
+            <a:schemeClr val="accent1">
+              <a:shade val="50000"/>
+            </a:schemeClr>
+          </a:lnRef>
+          <a:fillRef idx="1">
+            <a:schemeClr val="accent1"/>
+          </a:fillRef>
+          <a:effectRef idx="0">
+            <a:schemeClr val="accent1"/>
+          </a:effectRef>
+          <a:fontRef idx="minor">
+            <a:schemeClr val="lt1"/>
+          </a:fontRef>
+        </p:style>
+      </p:cxnSp>
+      <p:sp>
+        <p:nvSpPr>
+          <p:cNvPr id="83" name="TextBox 82"/>
+          <p:cNvSpPr txBox="1"/>
+          <p:nvPr/>
+        </p:nvSpPr>
+        <p:spPr>
+          <a:xfrm>
+            <a:off x="3499954" y="3547465"/>
+            <a:ext cx="597279" cy="276999"/>
+          </a:xfrm>
+          <a:prstGeom prst="rect">
+            <a:avLst/>
+          </a:prstGeom>
+          <a:noFill/>
+        </p:spPr>
+        <p:txBody>
+          <a:bodyPr wrap="none" rtlCol="0">
+            <a:spAutoFit/>
+          </a:bodyPr>
+          <a:lstStyle/>
+          <a:p>
+            <a:r>
+              <a:rPr lang="en-US" sz="1200" dirty="0" smtClean="0"/>
+              <a:t>Except</a:t>
+            </a:r>
+            <a:endParaRPr lang="en-US" sz="1200" dirty="0"/>
+          </a:p>
+        </p:txBody>
+      </p:sp>
+      <p:sp>
+        <p:nvSpPr>
+          <p:cNvPr id="84" name="TextBox 83"/>
+          <p:cNvSpPr txBox="1"/>
+          <p:nvPr/>
+        </p:nvSpPr>
+        <p:spPr>
+          <a:xfrm>
+            <a:off x="6560598" y="3547465"/>
+            <a:ext cx="597279" cy="276999"/>
+          </a:xfrm>
+          <a:prstGeom prst="rect">
+            <a:avLst/>
+          </a:prstGeom>
+          <a:noFill/>
+        </p:spPr>
+        <p:txBody>
+          <a:bodyPr wrap="none" rtlCol="0">
+            <a:spAutoFit/>
+          </a:bodyPr>
+          <a:lstStyle/>
+          <a:p>
+            <a:r>
+              <a:rPr lang="en-US" sz="1200" dirty="0" smtClean="0"/>
+              <a:t>Except</a:t>
+            </a:r>
+            <a:endParaRPr lang="en-US" sz="1200" dirty="0"/>
+          </a:p>
+        </p:txBody>
+      </p:sp>
+      <p:sp>
+        <p:nvSpPr>
+          <p:cNvPr id="85" name="TextBox 84"/>
+          <p:cNvSpPr txBox="1"/>
+          <p:nvPr/>
+        </p:nvSpPr>
+        <p:spPr>
+          <a:xfrm>
+            <a:off x="5460463" y="2394003"/>
+            <a:ext cx="597279" cy="276999"/>
+          </a:xfrm>
+          <a:prstGeom prst="rect">
+            <a:avLst/>
+          </a:prstGeom>
+          <a:noFill/>
+        </p:spPr>
+        <p:txBody>
+          <a:bodyPr wrap="none" rtlCol="0">
+            <a:spAutoFit/>
+          </a:bodyPr>
+          <a:lstStyle/>
+          <a:p>
+            <a:r>
+              <a:rPr lang="en-US" sz="1200" dirty="0" smtClean="0"/>
+              <a:t>Except</a:t>
+            </a:r>
+            <a:endParaRPr lang="en-US" sz="1200" dirty="0"/>
+          </a:p>
+        </p:txBody>
+      </p:sp>
+      <p:sp>
+        <p:nvSpPr>
+          <p:cNvPr id="53" name="Rounded Rectangle 52"/>
+          <p:cNvSpPr/>
+          <p:nvPr/>
+        </p:nvSpPr>
+        <p:spPr>
+          <a:xfrm>
+            <a:off x="9385444" y="1739923"/>
+            <a:ext cx="1371600" cy="548640"/>
+          </a:xfrm>
+          <a:prstGeom prst="roundRect">
+            <a:avLst>
+              <a:gd name="adj" fmla="val 0"/>
+            </a:avLst>
+          </a:prstGeom>
+          <a:noFill/>
+          <a:ln w="19050">
+            <a:solidFill>
+              <a:schemeClr val="tx1"/>
+            </a:solidFill>
+          </a:ln>
+        </p:spPr>
+        <p:style>
+          <a:lnRef idx="2">
+            <a:schemeClr val="accent1">
+              <a:shade val="50000"/>
+            </a:schemeClr>
+          </a:lnRef>
+          <a:fillRef idx="1">
+            <a:schemeClr val="accent1"/>
+          </a:fillRef>
+          <a:effectRef idx="0">
+            <a:schemeClr val="accent1"/>
+          </a:effectRef>
+          <a:fontRef idx="minor">
+            <a:schemeClr val="lt1"/>
+          </a:fontRef>
+        </p:style>
+        <p:txBody>
+          <a:bodyPr rtlCol="0" anchor="ctr"/>
+          <a:lstStyle/>
+          <a:p>
+            <a:pPr algn="ctr"/>
+            <a:r>
+              <a:rPr lang="en-US" sz="1200" b="1" dirty="0">
+                <a:solidFill>
+                  <a:schemeClr val="tx1"/>
+                </a:solidFill>
+              </a:rPr>
+              <a:t>IF</a:t>
+            </a:r>
+            <a:r>
+              <a:rPr lang="en-US" sz="1200" dirty="0">
+                <a:solidFill>
+                  <a:schemeClr val="tx1"/>
+                </a:solidFill>
+              </a:rPr>
+              <a:t> </a:t>
+            </a:r>
+            <a:r>
+              <a:rPr lang="en-US" sz="1200" dirty="0" err="1">
+                <a:solidFill>
+                  <a:schemeClr val="tx1"/>
+                </a:solidFill>
+              </a:rPr>
+              <a:t>AttributeType</a:t>
+            </a:r>
+            <a:r>
+              <a:rPr lang="en-US" sz="1200" dirty="0">
+                <a:solidFill>
+                  <a:schemeClr val="tx1"/>
+                </a:solidFill>
+              </a:rPr>
+              <a:t> </a:t>
+            </a:r>
+            <a:r>
+              <a:rPr lang="en-US" sz="1200" dirty="0" smtClean="0">
+                <a:solidFill>
+                  <a:schemeClr val="tx1"/>
+                </a:solidFill>
+                <a:sym typeface="Wingdings" panose="05000000000000000000" pitchFamily="2" charset="2"/>
+              </a:rPr>
+              <a:t></a:t>
+            </a:r>
+            <a:r>
+              <a:rPr lang="en-US" sz="1200" dirty="0" smtClean="0">
+                <a:solidFill>
+                  <a:schemeClr val="tx1"/>
+                </a:solidFill>
+              </a:rPr>
+              <a:t> ‘integer’</a:t>
+            </a:r>
+            <a:endParaRPr lang="en-US" sz="1200" dirty="0">
+              <a:solidFill>
+                <a:schemeClr val="tx1"/>
+              </a:solidFill>
+            </a:endParaRPr>
+          </a:p>
+          <a:p>
+            <a:pPr algn="ctr"/>
+            <a:r>
+              <a:rPr lang="en-US" sz="1200" b="1" dirty="0">
+                <a:solidFill>
+                  <a:schemeClr val="tx1"/>
+                </a:solidFill>
+              </a:rPr>
+              <a:t>THEN</a:t>
+            </a:r>
+            <a:r>
+              <a:rPr lang="en-US" sz="1200" dirty="0">
+                <a:solidFill>
+                  <a:schemeClr val="tx1"/>
+                </a:solidFill>
+              </a:rPr>
+              <a:t> False</a:t>
+            </a:r>
+          </a:p>
+        </p:txBody>
+      </p:sp>
+      <p:sp>
+        <p:nvSpPr>
+          <p:cNvPr id="54" name="Rounded Rectangle 53"/>
+          <p:cNvSpPr/>
+          <p:nvPr/>
+        </p:nvSpPr>
+        <p:spPr>
+          <a:xfrm>
+            <a:off x="9385444" y="2832124"/>
+            <a:ext cx="1371600" cy="548640"/>
+          </a:xfrm>
+          <a:prstGeom prst="roundRect">
+            <a:avLst>
+              <a:gd name="adj" fmla="val 0"/>
+            </a:avLst>
+          </a:prstGeom>
+          <a:noFill/>
+          <a:ln w="19050">
+            <a:solidFill>
+              <a:schemeClr val="tx1"/>
+            </a:solidFill>
+          </a:ln>
+        </p:spPr>
+        <p:style>
+          <a:lnRef idx="2">
+            <a:schemeClr val="accent1">
+              <a:shade val="50000"/>
+            </a:schemeClr>
+          </a:lnRef>
+          <a:fillRef idx="1">
+            <a:schemeClr val="accent1"/>
+          </a:fillRef>
+          <a:effectRef idx="0">
+            <a:schemeClr val="accent1"/>
+          </a:effectRef>
+          <a:fontRef idx="minor">
+            <a:schemeClr val="lt1"/>
+          </a:fontRef>
+        </p:style>
+        <p:txBody>
+          <a:bodyPr rtlCol="0" anchor="ctr"/>
+          <a:lstStyle/>
+          <a:p>
+            <a:pPr algn="ctr"/>
+            <a:r>
+              <a:rPr lang="en-US" sz="1200" b="1" dirty="0">
+                <a:solidFill>
+                  <a:schemeClr val="tx1"/>
+                </a:solidFill>
+              </a:rPr>
+              <a:t>IF</a:t>
+            </a:r>
+            <a:r>
+              <a:rPr lang="en-US" sz="1200" dirty="0">
+                <a:solidFill>
+                  <a:schemeClr val="tx1"/>
+                </a:solidFill>
+              </a:rPr>
+              <a:t> </a:t>
+            </a:r>
+            <a:r>
+              <a:rPr lang="en-US" sz="1200" dirty="0" err="1">
+                <a:solidFill>
+                  <a:schemeClr val="tx1"/>
+                </a:solidFill>
+              </a:rPr>
+              <a:t>SemanticType</a:t>
+            </a:r>
+            <a:r>
+              <a:rPr lang="en-US" sz="1200" dirty="0">
+                <a:solidFill>
+                  <a:schemeClr val="tx1"/>
+                </a:solidFill>
+              </a:rPr>
+              <a:t> = ‘</a:t>
+            </a:r>
+            <a:r>
+              <a:rPr lang="en-US" sz="1200" i="1" dirty="0" smtClean="0">
+                <a:solidFill>
+                  <a:schemeClr val="tx1"/>
+                </a:solidFill>
+              </a:rPr>
+              <a:t>ST</a:t>
+            </a:r>
+            <a:r>
+              <a:rPr lang="en-US" sz="1200" i="1" baseline="-25000" dirty="0" smtClean="0">
+                <a:solidFill>
+                  <a:schemeClr val="tx1"/>
+                </a:solidFill>
+              </a:rPr>
+              <a:t>1</a:t>
+            </a:r>
+            <a:r>
+              <a:rPr lang="en-US" sz="1200" dirty="0" smtClean="0">
+                <a:solidFill>
+                  <a:schemeClr val="tx1"/>
+                </a:solidFill>
+              </a:rPr>
+              <a:t>’</a:t>
+            </a:r>
+            <a:endParaRPr lang="en-US" sz="1200" dirty="0">
+              <a:solidFill>
+                <a:schemeClr val="tx1"/>
+              </a:solidFill>
+            </a:endParaRPr>
+          </a:p>
+          <a:p>
+            <a:pPr algn="ctr"/>
+            <a:r>
+              <a:rPr lang="en-US" sz="1200" b="1" dirty="0">
+                <a:solidFill>
+                  <a:schemeClr val="tx1"/>
+                </a:solidFill>
+              </a:rPr>
+              <a:t>THEN </a:t>
+            </a:r>
+            <a:r>
+              <a:rPr lang="en-US" sz="1200" dirty="0">
+                <a:solidFill>
+                  <a:schemeClr val="tx1"/>
+                </a:solidFill>
+              </a:rPr>
+              <a:t>‘</a:t>
+            </a:r>
+            <a:r>
+              <a:rPr lang="en-US" sz="1200" i="1" dirty="0" smtClean="0">
+                <a:solidFill>
+                  <a:schemeClr val="tx1"/>
+                </a:solidFill>
+              </a:rPr>
+              <a:t>Concept</a:t>
+            </a:r>
+            <a:r>
+              <a:rPr lang="en-US" sz="1200" i="1" baseline="-25000" dirty="0" smtClean="0">
+                <a:solidFill>
+                  <a:schemeClr val="tx1"/>
+                </a:solidFill>
+              </a:rPr>
+              <a:t>1</a:t>
+            </a:r>
+            <a:r>
+              <a:rPr lang="en-US" sz="1200" dirty="0" smtClean="0">
+                <a:solidFill>
+                  <a:schemeClr val="tx1"/>
+                </a:solidFill>
+              </a:rPr>
+              <a:t>’</a:t>
+            </a:r>
+            <a:endParaRPr lang="en-US" sz="1200" dirty="0">
+              <a:solidFill>
+                <a:schemeClr val="tx1"/>
+              </a:solidFill>
+            </a:endParaRPr>
+          </a:p>
+        </p:txBody>
+      </p:sp>
+      <p:sp>
+        <p:nvSpPr>
+          <p:cNvPr id="56" name="Rounded Rectangle 55"/>
+          <p:cNvSpPr/>
+          <p:nvPr/>
+        </p:nvSpPr>
+        <p:spPr>
+          <a:xfrm>
+            <a:off x="9385444" y="3971105"/>
+            <a:ext cx="1371600" cy="548640"/>
+          </a:xfrm>
+          <a:prstGeom prst="roundRect">
+            <a:avLst>
+              <a:gd name="adj" fmla="val 0"/>
+            </a:avLst>
+          </a:prstGeom>
+          <a:noFill/>
+          <a:ln w="19050">
+            <a:solidFill>
+              <a:schemeClr val="tx1"/>
+            </a:solidFill>
+          </a:ln>
+        </p:spPr>
+        <p:style>
+          <a:lnRef idx="2">
+            <a:schemeClr val="accent1">
+              <a:shade val="50000"/>
+            </a:schemeClr>
+          </a:lnRef>
+          <a:fillRef idx="1">
+            <a:schemeClr val="accent1"/>
+          </a:fillRef>
+          <a:effectRef idx="0">
+            <a:schemeClr val="accent1"/>
+          </a:effectRef>
+          <a:fontRef idx="minor">
+            <a:schemeClr val="lt1"/>
+          </a:fontRef>
+        </p:style>
+        <p:txBody>
+          <a:bodyPr rtlCol="0" anchor="ctr"/>
+          <a:lstStyle/>
+          <a:p>
+            <a:pPr algn="ctr"/>
+            <a:r>
+              <a:rPr lang="en-US" sz="1200" b="1" dirty="0">
+                <a:solidFill>
+                  <a:schemeClr val="tx1"/>
+                </a:solidFill>
+              </a:rPr>
+              <a:t>IF</a:t>
+            </a:r>
+            <a:r>
+              <a:rPr lang="en-US" sz="1200" dirty="0">
+                <a:solidFill>
+                  <a:schemeClr val="tx1"/>
+                </a:solidFill>
+              </a:rPr>
+              <a:t> </a:t>
+            </a:r>
+            <a:r>
+              <a:rPr lang="en-US" sz="1200" dirty="0" err="1">
+                <a:solidFill>
+                  <a:schemeClr val="tx1"/>
+                </a:solidFill>
+              </a:rPr>
+              <a:t>SemanticType</a:t>
+            </a:r>
+            <a:r>
+              <a:rPr lang="en-US" sz="1200" dirty="0">
+                <a:solidFill>
+                  <a:schemeClr val="tx1"/>
+                </a:solidFill>
+              </a:rPr>
+              <a:t> = ‘</a:t>
+            </a:r>
+            <a:r>
+              <a:rPr lang="en-US" sz="1200" i="1" dirty="0" smtClean="0">
+                <a:solidFill>
+                  <a:schemeClr val="tx1"/>
+                </a:solidFill>
+              </a:rPr>
+              <a:t>ST</a:t>
+            </a:r>
+            <a:r>
+              <a:rPr lang="en-US" sz="1200" i="1" baseline="-25000" dirty="0" smtClean="0">
+                <a:solidFill>
+                  <a:schemeClr val="tx1"/>
+                </a:solidFill>
+              </a:rPr>
+              <a:t>8</a:t>
+            </a:r>
+            <a:r>
+              <a:rPr lang="en-US" sz="1200" dirty="0" smtClean="0">
+                <a:solidFill>
+                  <a:schemeClr val="tx1"/>
+                </a:solidFill>
+              </a:rPr>
+              <a:t>’</a:t>
+            </a:r>
+            <a:endParaRPr lang="en-US" sz="1200" dirty="0">
+              <a:solidFill>
+                <a:schemeClr val="tx1"/>
+              </a:solidFill>
+            </a:endParaRPr>
+          </a:p>
+          <a:p>
+            <a:pPr algn="ctr"/>
+            <a:r>
+              <a:rPr lang="en-US" sz="1200" b="1" dirty="0">
+                <a:solidFill>
+                  <a:schemeClr val="tx1"/>
+                </a:solidFill>
+              </a:rPr>
+              <a:t>THEN </a:t>
+            </a:r>
+            <a:r>
+              <a:rPr lang="en-US" sz="1200" dirty="0">
+                <a:solidFill>
+                  <a:schemeClr val="tx1"/>
+                </a:solidFill>
+              </a:rPr>
+              <a:t>‘</a:t>
+            </a:r>
+            <a:r>
+              <a:rPr lang="en-US" sz="1200" i="1" dirty="0" smtClean="0">
+                <a:solidFill>
+                  <a:schemeClr val="tx1"/>
+                </a:solidFill>
+              </a:rPr>
+              <a:t>Concept</a:t>
+            </a:r>
+            <a:r>
+              <a:rPr lang="en-US" sz="1200" i="1" baseline="-25000" dirty="0" smtClean="0">
+                <a:solidFill>
+                  <a:schemeClr val="tx1"/>
+                </a:solidFill>
+              </a:rPr>
+              <a:t>8</a:t>
+            </a:r>
+            <a:r>
+              <a:rPr lang="en-US" sz="1200" dirty="0" smtClean="0">
+                <a:solidFill>
+                  <a:schemeClr val="tx1"/>
+                </a:solidFill>
+              </a:rPr>
+              <a:t>’</a:t>
+            </a:r>
+            <a:endParaRPr lang="en-US" sz="1200" dirty="0">
+              <a:solidFill>
+                <a:schemeClr val="tx1"/>
+              </a:solidFill>
+            </a:endParaRPr>
+          </a:p>
+        </p:txBody>
+      </p:sp>
+      <p:cxnSp>
+        <p:nvCxnSpPr>
+          <p:cNvPr id="57" name="Straight Arrow Connector 56"/>
+          <p:cNvCxnSpPr>
+            <a:stCxn id="54" idx="2"/>
+            <a:endCxn id="56" idx="0"/>
+          </p:cNvCxnSpPr>
+          <p:nvPr/>
+        </p:nvCxnSpPr>
+        <p:spPr>
+          <a:xfrm>
+            <a:off x="10071244" y="3380764"/>
+            <a:ext cx="0" cy="590341"/>
+          </a:xfrm>
+          <a:prstGeom prst="straightConnector1">
+            <a:avLst/>
+          </a:prstGeom>
+          <a:noFill/>
+          <a:ln w="19050">
+            <a:solidFill>
+              <a:schemeClr val="tx1"/>
+            </a:solidFill>
+            <a:tailEnd type="triangle"/>
+          </a:ln>
+        </p:spPr>
+        <p:style>
+          <a:lnRef idx="2">
+            <a:schemeClr val="accent1">
+              <a:shade val="50000"/>
+            </a:schemeClr>
+          </a:lnRef>
+          <a:fillRef idx="1">
+            <a:schemeClr val="accent1"/>
+          </a:fillRef>
+          <a:effectRef idx="0">
+            <a:schemeClr val="accent1"/>
+          </a:effectRef>
+          <a:fontRef idx="minor">
+            <a:schemeClr val="lt1"/>
+          </a:fontRef>
+        </p:style>
+      </p:cxnSp>
+      <p:sp>
+        <p:nvSpPr>
+          <p:cNvPr id="58" name="TextBox 57"/>
+          <p:cNvSpPr txBox="1"/>
+          <p:nvPr/>
+        </p:nvSpPr>
+        <p:spPr>
+          <a:xfrm>
+            <a:off x="9500089" y="3479450"/>
+            <a:ext cx="597279" cy="276999"/>
+          </a:xfrm>
+          <a:prstGeom prst="rect">
+            <a:avLst/>
+          </a:prstGeom>
+          <a:noFill/>
+        </p:spPr>
+        <p:txBody>
+          <a:bodyPr wrap="none" rtlCol="0">
+            <a:spAutoFit/>
+          </a:bodyPr>
+          <a:lstStyle/>
+          <a:p>
+            <a:r>
+              <a:rPr lang="en-US" sz="1200" dirty="0" smtClean="0"/>
+              <a:t>Except</a:t>
+            </a:r>
+            <a:endParaRPr lang="en-US" sz="1200" dirty="0"/>
+          </a:p>
+        </p:txBody>
+      </p:sp>
+      <p:cxnSp>
+        <p:nvCxnSpPr>
+          <p:cNvPr id="59" name="Straight Arrow Connector 58"/>
+          <p:cNvCxnSpPr>
+            <a:stCxn id="53" idx="2"/>
+            <a:endCxn id="54" idx="0"/>
+          </p:cNvCxnSpPr>
+          <p:nvPr/>
+        </p:nvCxnSpPr>
+        <p:spPr>
+          <a:xfrm>
+            <a:off x="10071244" y="2288563"/>
+            <a:ext cx="0" cy="543561"/>
+          </a:xfrm>
+          <a:prstGeom prst="straightConnector1">
+            <a:avLst/>
+          </a:prstGeom>
+          <a:noFill/>
+          <a:ln w="19050">
+            <a:solidFill>
+              <a:schemeClr val="tx1"/>
+            </a:solidFill>
+            <a:tailEnd type="triangle"/>
+          </a:ln>
+        </p:spPr>
+        <p:style>
+          <a:lnRef idx="2">
+            <a:schemeClr val="accent1">
+              <a:shade val="50000"/>
+            </a:schemeClr>
+          </a:lnRef>
+          <a:fillRef idx="1">
+            <a:schemeClr val="accent1"/>
+          </a:fillRef>
+          <a:effectRef idx="0">
+            <a:schemeClr val="accent1"/>
+          </a:effectRef>
+          <a:fontRef idx="minor">
+            <a:schemeClr val="lt1"/>
+          </a:fontRef>
+        </p:style>
+      </p:cxnSp>
+      <p:sp>
+        <p:nvSpPr>
+          <p:cNvPr id="60" name="TextBox 59"/>
+          <p:cNvSpPr txBox="1"/>
+          <p:nvPr/>
+        </p:nvSpPr>
+        <p:spPr>
+          <a:xfrm>
+            <a:off x="9505485" y="2478068"/>
+            <a:ext cx="597279" cy="276999"/>
+          </a:xfrm>
+          <a:prstGeom prst="rect">
+            <a:avLst/>
+          </a:prstGeom>
+          <a:noFill/>
+        </p:spPr>
+        <p:txBody>
+          <a:bodyPr wrap="none" rtlCol="0">
+            <a:spAutoFit/>
+          </a:bodyPr>
+          <a:lstStyle/>
+          <a:p>
+            <a:r>
+              <a:rPr lang="en-US" sz="1200" dirty="0" smtClean="0"/>
+              <a:t>Except</a:t>
+            </a:r>
+            <a:endParaRPr lang="en-US" sz="1200" dirty="0"/>
+          </a:p>
+        </p:txBody>
+      </p:sp>
+      <p:cxnSp>
+        <p:nvCxnSpPr>
+          <p:cNvPr id="13" name="Straight Arrow Connector 12"/>
+          <p:cNvCxnSpPr>
+            <a:stCxn id="29" idx="3"/>
+            <a:endCxn id="53" idx="1"/>
+          </p:cNvCxnSpPr>
+          <p:nvPr/>
+        </p:nvCxnSpPr>
+        <p:spPr>
+          <a:xfrm>
+            <a:off x="8956136" y="2006870"/>
+            <a:ext cx="429308" cy="7373"/>
+          </a:xfrm>
+          <a:prstGeom prst="straightConnector1">
+            <a:avLst/>
+          </a:prstGeom>
+          <a:noFill/>
+          <a:ln w="19050">
+            <a:solidFill>
+              <a:schemeClr val="tx1"/>
+            </a:solidFill>
+            <a:tailEnd type="triangle"/>
+          </a:ln>
+        </p:spPr>
+        <p:style>
+          <a:lnRef idx="2">
+            <a:schemeClr val="accent1">
+              <a:shade val="50000"/>
+            </a:schemeClr>
+          </a:lnRef>
+          <a:fillRef idx="1">
+            <a:schemeClr val="accent1"/>
+          </a:fillRef>
+          <a:effectRef idx="0">
+            <a:schemeClr val="accent1"/>
+          </a:effectRef>
+          <a:fontRef idx="minor">
+            <a:schemeClr val="lt1"/>
+          </a:fontRef>
+        </p:style>
+      </p:cxnSp>
+      <p:sp>
+        <p:nvSpPr>
+          <p:cNvPr id="98" name="TextBox 97"/>
+          <p:cNvSpPr txBox="1"/>
+          <p:nvPr/>
+        </p:nvSpPr>
+        <p:spPr>
+          <a:xfrm>
+            <a:off x="8912597" y="1712116"/>
+            <a:ext cx="518091" cy="276999"/>
+          </a:xfrm>
+          <a:prstGeom prst="rect">
+            <a:avLst/>
+          </a:prstGeom>
+          <a:noFill/>
+        </p:spPr>
+        <p:txBody>
+          <a:bodyPr wrap="none" rtlCol="0">
+            <a:spAutoFit/>
+          </a:bodyPr>
+          <a:lstStyle/>
+          <a:p>
+            <a:r>
+              <a:rPr lang="en-US" sz="1200" dirty="0" smtClean="0"/>
+              <a:t>If not</a:t>
+            </a:r>
+            <a:endParaRPr lang="en-US" sz="1200" dirty="0"/>
+          </a:p>
+        </p:txBody>
+      </p:sp>
+    </p:spTree>
+    <p:extLst>
+      <p:ext uri="{BB962C8B-B14F-4D97-AF65-F5344CB8AC3E}">
+        <p14:creationId xmlns:p14="http://schemas.microsoft.com/office/powerpoint/2010/main" val="656401812"/>
+      </p:ext>
+    </p:extLst>
+  </p:cSld>
+  <p:clrMapOvr>
+    <a:masterClrMapping/>
+  </p:clrMapOvr>
+  <p:timing>
+    <p:tnLst>
+      <p:par>
+        <p:cTn id="1" dur="indefinite" restart="never" nodeType="tmRoot"/>
+      </p:par>
+    </p:tnLst>
+  </p:timing>
+</p:sld>
+</file>
+
+<file path=ppt/slides/slide13.xml><?xml version="1.0" encoding="utf-8"?>
+<p:sld xmlns:a="http://schemas.openxmlformats.org/drawingml/2006/main" xmlns:r="http://schemas.openxmlformats.org/officeDocument/2006/relationships" xmlns:p="http://schemas.openxmlformats.org/presentationml/2006/main">
+  <p:cSld>
+    <p:spTree>
+      <p:nvGrpSpPr>
+        <p:cNvPr id="1" name=""/>
+        <p:cNvGrpSpPr/>
+        <p:nvPr/>
+      </p:nvGrpSpPr>
+      <p:grpSpPr>
+        <a:xfrm>
+          <a:off x="0" y="0"/>
+          <a:ext cx="0" cy="0"/>
+          <a:chOff x="0" y="0"/>
+          <a:chExt cx="0" cy="0"/>
+        </a:xfrm>
+      </p:grpSpPr>
+      <p:sp>
+        <p:nvSpPr>
+          <p:cNvPr id="26" name="Rounded Rectangle 25"/>
+          <p:cNvSpPr/>
+          <p:nvPr/>
+        </p:nvSpPr>
+        <p:spPr>
+          <a:xfrm>
+            <a:off x="3457781" y="353666"/>
+            <a:ext cx="1677798" cy="607972"/>
+          </a:xfrm>
+          <a:prstGeom prst="roundRect">
+            <a:avLst>
+              <a:gd name="adj" fmla="val 26634"/>
+            </a:avLst>
+          </a:prstGeom>
+          <a:noFill/>
+          <a:ln w="19050">
+            <a:solidFill>
+              <a:schemeClr val="tx1"/>
+            </a:solidFill>
+          </a:ln>
+        </p:spPr>
+        <p:style>
+          <a:lnRef idx="2">
+            <a:schemeClr val="accent1">
+              <a:shade val="50000"/>
+            </a:schemeClr>
+          </a:lnRef>
+          <a:fillRef idx="1">
+            <a:schemeClr val="accent1"/>
+          </a:fillRef>
+          <a:effectRef idx="0">
+            <a:schemeClr val="accent1"/>
+          </a:effectRef>
+          <a:fontRef idx="minor">
+            <a:schemeClr val="lt1"/>
+          </a:fontRef>
+        </p:style>
+        <p:txBody>
+          <a:bodyPr rtlCol="0" anchor="ctr"/>
+          <a:lstStyle/>
+          <a:p>
+            <a:pPr algn="ctr"/>
+            <a:r>
+              <a:rPr lang="en-US" sz="1200" b="1" dirty="0" smtClean="0">
+                <a:solidFill>
+                  <a:schemeClr val="tx1"/>
+                </a:solidFill>
+              </a:rPr>
+              <a:t>IF</a:t>
+            </a:r>
+            <a:r>
+              <a:rPr lang="en-US" sz="1200" dirty="0" smtClean="0">
+                <a:solidFill>
+                  <a:schemeClr val="tx1"/>
+                </a:solidFill>
+              </a:rPr>
+              <a:t> (True)</a:t>
+            </a:r>
+          </a:p>
+          <a:p>
+            <a:pPr algn="ctr"/>
+            <a:r>
+              <a:rPr lang="en-US" sz="1200" b="1" dirty="0" smtClean="0">
+                <a:solidFill>
+                  <a:schemeClr val="tx1"/>
+                </a:solidFill>
+              </a:rPr>
+              <a:t>THEN</a:t>
+            </a:r>
+            <a:r>
+              <a:rPr lang="en-US" sz="1200" dirty="0" smtClean="0">
+                <a:solidFill>
+                  <a:schemeClr val="tx1"/>
+                </a:solidFill>
+              </a:rPr>
+              <a:t> Class ‘0’</a:t>
+            </a:r>
+            <a:endParaRPr lang="en-US" sz="1200" dirty="0">
+              <a:solidFill>
+                <a:schemeClr val="tx1"/>
+              </a:solidFill>
+            </a:endParaRPr>
+          </a:p>
+        </p:txBody>
+      </p:sp>
+      <p:sp>
+        <p:nvSpPr>
+          <p:cNvPr id="27" name="Rounded Rectangle 26"/>
+          <p:cNvSpPr/>
+          <p:nvPr/>
+        </p:nvSpPr>
+        <p:spPr>
+          <a:xfrm>
+            <a:off x="3457781" y="1526695"/>
+            <a:ext cx="1677798" cy="607972"/>
+          </a:xfrm>
+          <a:prstGeom prst="roundRect">
+            <a:avLst>
+              <a:gd name="adj" fmla="val 0"/>
+            </a:avLst>
+          </a:prstGeom>
+          <a:noFill/>
+          <a:ln w="19050">
+            <a:solidFill>
+              <a:schemeClr val="tx1"/>
+            </a:solidFill>
+          </a:ln>
+        </p:spPr>
+        <p:style>
+          <a:lnRef idx="2">
+            <a:schemeClr val="accent1">
+              <a:shade val="50000"/>
+            </a:schemeClr>
+          </a:lnRef>
+          <a:fillRef idx="1">
+            <a:schemeClr val="accent1"/>
+          </a:fillRef>
+          <a:effectRef idx="0">
+            <a:schemeClr val="accent1"/>
+          </a:effectRef>
+          <a:fontRef idx="minor">
+            <a:schemeClr val="lt1"/>
+          </a:fontRef>
+        </p:style>
+        <p:txBody>
+          <a:bodyPr rtlCol="0" anchor="ctr"/>
+          <a:lstStyle/>
+          <a:p>
+            <a:pPr algn="ctr"/>
+            <a:r>
+              <a:rPr lang="en-US" sz="1200" b="1" dirty="0" smtClean="0">
+                <a:solidFill>
+                  <a:schemeClr val="tx1"/>
+                </a:solidFill>
+              </a:rPr>
+              <a:t>IF</a:t>
+            </a:r>
+            <a:r>
+              <a:rPr lang="en-US" sz="1200" dirty="0" smtClean="0">
+                <a:solidFill>
+                  <a:schemeClr val="tx1"/>
+                </a:solidFill>
+              </a:rPr>
+              <a:t> </a:t>
+            </a:r>
+            <a:r>
+              <a:rPr lang="en-US" sz="1200" dirty="0" err="1" smtClean="0">
+                <a:solidFill>
+                  <a:schemeClr val="tx1"/>
+                </a:solidFill>
+              </a:rPr>
+              <a:t>AttributeType</a:t>
+            </a:r>
+            <a:r>
+              <a:rPr lang="en-US" sz="1200" dirty="0" smtClean="0">
+                <a:solidFill>
+                  <a:schemeClr val="tx1"/>
+                </a:solidFill>
+              </a:rPr>
+              <a:t> = ‘string’</a:t>
+            </a:r>
+          </a:p>
+          <a:p>
+            <a:pPr algn="ctr"/>
+            <a:r>
+              <a:rPr lang="en-US" sz="1200" b="1" dirty="0" smtClean="0">
+                <a:solidFill>
+                  <a:schemeClr val="tx1"/>
+                </a:solidFill>
+              </a:rPr>
+              <a:t>THEN</a:t>
+            </a:r>
+            <a:r>
+              <a:rPr lang="en-US" sz="1200" dirty="0" smtClean="0">
+                <a:solidFill>
+                  <a:schemeClr val="tx1"/>
+                </a:solidFill>
+              </a:rPr>
+              <a:t> False</a:t>
+            </a:r>
+            <a:endParaRPr lang="en-US" sz="1200" dirty="0">
+              <a:solidFill>
+                <a:schemeClr val="tx1"/>
+              </a:solidFill>
+            </a:endParaRPr>
+          </a:p>
+        </p:txBody>
+      </p:sp>
+      <p:sp>
+        <p:nvSpPr>
+          <p:cNvPr id="28" name="Rounded Rectangle 27"/>
+          <p:cNvSpPr/>
+          <p:nvPr/>
+        </p:nvSpPr>
+        <p:spPr>
+          <a:xfrm>
+            <a:off x="1963536" y="2866893"/>
+            <a:ext cx="1845065" cy="607972"/>
+          </a:xfrm>
+          <a:prstGeom prst="roundRect">
+            <a:avLst>
+              <a:gd name="adj" fmla="val 0"/>
+            </a:avLst>
+          </a:prstGeom>
+          <a:noFill/>
+          <a:ln w="19050">
+            <a:solidFill>
+              <a:schemeClr val="tx1"/>
+            </a:solidFill>
+          </a:ln>
+        </p:spPr>
+        <p:style>
+          <a:lnRef idx="2">
+            <a:schemeClr val="accent1">
+              <a:shade val="50000"/>
+            </a:schemeClr>
+          </a:lnRef>
+          <a:fillRef idx="1">
+            <a:schemeClr val="accent1"/>
+          </a:fillRef>
+          <a:effectRef idx="0">
+            <a:schemeClr val="accent1"/>
+          </a:effectRef>
+          <a:fontRef idx="minor">
+            <a:schemeClr val="lt1"/>
+          </a:fontRef>
+        </p:style>
+        <p:txBody>
+          <a:bodyPr rtlCol="0" anchor="ctr"/>
+          <a:lstStyle/>
+          <a:p>
+            <a:pPr algn="ctr"/>
+            <a:r>
+              <a:rPr lang="en-US" sz="1200" b="1" dirty="0">
+                <a:solidFill>
+                  <a:schemeClr val="tx1"/>
+                </a:solidFill>
+              </a:rPr>
+              <a:t>IF</a:t>
+            </a:r>
+            <a:r>
+              <a:rPr lang="en-US" sz="1200" dirty="0">
+                <a:solidFill>
+                  <a:schemeClr val="tx1"/>
+                </a:solidFill>
+              </a:rPr>
+              <a:t> </a:t>
+            </a:r>
+            <a:r>
+              <a:rPr lang="en-US" sz="1200" dirty="0" err="1" smtClean="0">
+                <a:solidFill>
+                  <a:schemeClr val="tx1"/>
+                </a:solidFill>
+              </a:rPr>
+              <a:t>SemanticType</a:t>
+            </a:r>
+            <a:r>
+              <a:rPr lang="en-US" sz="1200" dirty="0" smtClean="0">
+                <a:solidFill>
+                  <a:schemeClr val="tx1"/>
+                </a:solidFill>
+              </a:rPr>
+              <a:t> = </a:t>
+            </a:r>
+            <a:r>
+              <a:rPr lang="en-US" sz="1200" dirty="0">
+                <a:solidFill>
+                  <a:schemeClr val="tx1"/>
+                </a:solidFill>
+              </a:rPr>
+              <a:t>‘Patient or Disabled </a:t>
+            </a:r>
+            <a:r>
+              <a:rPr lang="en-US" sz="1200" dirty="0" smtClean="0">
+                <a:solidFill>
+                  <a:schemeClr val="tx1"/>
+                </a:solidFill>
+              </a:rPr>
+              <a:t>Group’</a:t>
+            </a:r>
+            <a:endParaRPr lang="en-US" sz="1200" dirty="0">
+              <a:solidFill>
+                <a:schemeClr val="tx1"/>
+              </a:solidFill>
+            </a:endParaRPr>
+          </a:p>
+          <a:p>
+            <a:pPr algn="ctr"/>
+            <a:r>
+              <a:rPr lang="en-US" sz="1200" b="1" dirty="0" smtClean="0">
+                <a:solidFill>
+                  <a:schemeClr val="tx1"/>
+                </a:solidFill>
+              </a:rPr>
+              <a:t>THEN </a:t>
+            </a:r>
+            <a:r>
+              <a:rPr lang="en-US" sz="1200" dirty="0" smtClean="0">
+                <a:solidFill>
+                  <a:schemeClr val="tx1"/>
+                </a:solidFill>
+              </a:rPr>
+              <a:t>‘Patient’</a:t>
+            </a:r>
+            <a:endParaRPr lang="en-US" sz="1200" dirty="0">
+              <a:solidFill>
+                <a:schemeClr val="tx1"/>
+              </a:solidFill>
+            </a:endParaRPr>
+          </a:p>
+        </p:txBody>
+      </p:sp>
+      <p:sp>
+        <p:nvSpPr>
+          <p:cNvPr id="29" name="Rounded Rectangle 28"/>
+          <p:cNvSpPr/>
+          <p:nvPr/>
+        </p:nvSpPr>
+        <p:spPr>
+          <a:xfrm>
+            <a:off x="8481790" y="1536167"/>
+            <a:ext cx="1677798" cy="607972"/>
+          </a:xfrm>
+          <a:prstGeom prst="roundRect">
+            <a:avLst>
+              <a:gd name="adj" fmla="val 0"/>
+            </a:avLst>
+          </a:prstGeom>
+          <a:noFill/>
+          <a:ln w="19050">
+            <a:solidFill>
+              <a:schemeClr val="tx1"/>
+            </a:solidFill>
+          </a:ln>
+        </p:spPr>
+        <p:style>
+          <a:lnRef idx="2">
+            <a:schemeClr val="accent1">
+              <a:shade val="50000"/>
+            </a:schemeClr>
+          </a:lnRef>
+          <a:fillRef idx="1">
+            <a:schemeClr val="accent1"/>
+          </a:fillRef>
+          <a:effectRef idx="0">
+            <a:schemeClr val="accent1"/>
+          </a:effectRef>
+          <a:fontRef idx="minor">
+            <a:schemeClr val="lt1"/>
+          </a:fontRef>
+        </p:style>
+        <p:txBody>
+          <a:bodyPr rtlCol="0" anchor="ctr"/>
+          <a:lstStyle/>
+          <a:p>
+            <a:pPr algn="ctr"/>
+            <a:r>
+              <a:rPr lang="en-US" sz="1200" b="1" dirty="0">
+                <a:solidFill>
+                  <a:schemeClr val="tx1"/>
+                </a:solidFill>
+              </a:rPr>
+              <a:t>IF</a:t>
+            </a:r>
+            <a:r>
+              <a:rPr lang="en-US" sz="1200" dirty="0">
+                <a:solidFill>
+                  <a:schemeClr val="tx1"/>
+                </a:solidFill>
+              </a:rPr>
+              <a:t> </a:t>
+            </a:r>
+            <a:r>
+              <a:rPr lang="en-US" sz="1200" dirty="0" err="1">
+                <a:solidFill>
+                  <a:schemeClr val="tx1"/>
+                </a:solidFill>
+              </a:rPr>
+              <a:t>AttributeType</a:t>
+            </a:r>
+            <a:r>
+              <a:rPr lang="en-US" sz="1200" dirty="0">
+                <a:solidFill>
+                  <a:schemeClr val="tx1"/>
+                </a:solidFill>
+              </a:rPr>
+              <a:t> </a:t>
+            </a:r>
+            <a:r>
+              <a:rPr lang="en-US" sz="1200" dirty="0" smtClean="0">
+                <a:solidFill>
+                  <a:schemeClr val="tx1"/>
+                </a:solidFill>
+                <a:sym typeface="Wingdings" panose="05000000000000000000" pitchFamily="2" charset="2"/>
+              </a:rPr>
+              <a:t></a:t>
+            </a:r>
+            <a:r>
+              <a:rPr lang="en-US" sz="1200" dirty="0" smtClean="0">
+                <a:solidFill>
+                  <a:schemeClr val="tx1"/>
+                </a:solidFill>
+              </a:rPr>
+              <a:t> ‘integer’</a:t>
+            </a:r>
+            <a:endParaRPr lang="en-US" sz="1200" dirty="0">
+              <a:solidFill>
+                <a:schemeClr val="tx1"/>
+              </a:solidFill>
+            </a:endParaRPr>
+          </a:p>
+          <a:p>
+            <a:pPr algn="ctr"/>
+            <a:r>
+              <a:rPr lang="en-US" sz="1200" b="1" dirty="0">
+                <a:solidFill>
+                  <a:schemeClr val="tx1"/>
+                </a:solidFill>
+              </a:rPr>
+              <a:t>THEN</a:t>
+            </a:r>
+            <a:r>
+              <a:rPr lang="en-US" sz="1200" dirty="0">
+                <a:solidFill>
+                  <a:schemeClr val="tx1"/>
+                </a:solidFill>
+              </a:rPr>
+              <a:t> False</a:t>
+            </a:r>
+          </a:p>
+        </p:txBody>
+      </p:sp>
+      <p:cxnSp>
+        <p:nvCxnSpPr>
+          <p:cNvPr id="23" name="Straight Arrow Connector 22"/>
+          <p:cNvCxnSpPr>
+            <a:stCxn id="26" idx="2"/>
+            <a:endCxn id="27" idx="0"/>
+          </p:cNvCxnSpPr>
+          <p:nvPr/>
+        </p:nvCxnSpPr>
+        <p:spPr>
+          <a:xfrm>
+            <a:off x="4296680" y="961638"/>
+            <a:ext cx="0" cy="565057"/>
+          </a:xfrm>
+          <a:prstGeom prst="straightConnector1">
+            <a:avLst/>
+          </a:prstGeom>
+          <a:noFill/>
+          <a:ln w="19050">
+            <a:solidFill>
+              <a:schemeClr val="tx1"/>
+            </a:solidFill>
+            <a:tailEnd type="triangle"/>
+          </a:ln>
+        </p:spPr>
+        <p:style>
+          <a:lnRef idx="2">
+            <a:schemeClr val="accent1">
+              <a:shade val="50000"/>
+            </a:schemeClr>
+          </a:lnRef>
+          <a:fillRef idx="1">
+            <a:schemeClr val="accent1"/>
+          </a:fillRef>
+          <a:effectRef idx="0">
+            <a:schemeClr val="accent1"/>
+          </a:effectRef>
+          <a:fontRef idx="minor">
+            <a:schemeClr val="lt1"/>
+          </a:fontRef>
+        </p:style>
+      </p:cxnSp>
+      <p:cxnSp>
+        <p:nvCxnSpPr>
+          <p:cNvPr id="37" name="Straight Arrow Connector 36"/>
+          <p:cNvCxnSpPr>
+            <a:stCxn id="27" idx="3"/>
+            <a:endCxn id="29" idx="1"/>
+          </p:cNvCxnSpPr>
+          <p:nvPr/>
+        </p:nvCxnSpPr>
+        <p:spPr>
+          <a:xfrm>
+            <a:off x="5135579" y="1830681"/>
+            <a:ext cx="3346211" cy="9472"/>
+          </a:xfrm>
+          <a:prstGeom prst="straightConnector1">
+            <a:avLst/>
+          </a:prstGeom>
+          <a:noFill/>
+          <a:ln w="19050">
+            <a:solidFill>
+              <a:schemeClr val="tx1"/>
+            </a:solidFill>
+            <a:tailEnd type="triangle"/>
+          </a:ln>
+        </p:spPr>
+        <p:style>
+          <a:lnRef idx="2">
+            <a:schemeClr val="accent1">
+              <a:shade val="50000"/>
+            </a:schemeClr>
+          </a:lnRef>
+          <a:fillRef idx="1">
+            <a:schemeClr val="accent1"/>
+          </a:fillRef>
+          <a:effectRef idx="0">
+            <a:schemeClr val="accent1"/>
+          </a:effectRef>
+          <a:fontRef idx="minor">
+            <a:schemeClr val="lt1"/>
+          </a:fontRef>
+        </p:style>
+      </p:cxnSp>
+      <p:cxnSp>
+        <p:nvCxnSpPr>
+          <p:cNvPr id="45" name="Straight Arrow Connector 44"/>
+          <p:cNvCxnSpPr>
+            <a:stCxn id="27" idx="2"/>
+            <a:endCxn id="28" idx="0"/>
+          </p:cNvCxnSpPr>
+          <p:nvPr/>
+        </p:nvCxnSpPr>
+        <p:spPr>
+          <a:xfrm rot="5400000">
+            <a:off x="3225262" y="1795475"/>
+            <a:ext cx="732226" cy="1410611"/>
+          </a:xfrm>
+          <a:prstGeom prst="curvedConnector3">
+            <a:avLst>
+              <a:gd name="adj1" fmla="val 50000"/>
+            </a:avLst>
+          </a:prstGeom>
+          <a:noFill/>
+          <a:ln w="19050">
+            <a:solidFill>
+              <a:schemeClr val="tx1"/>
+            </a:solidFill>
+            <a:tailEnd type="triangle"/>
+          </a:ln>
+        </p:spPr>
+        <p:style>
+          <a:lnRef idx="2">
+            <a:schemeClr val="accent1">
+              <a:shade val="50000"/>
+            </a:schemeClr>
+          </a:lnRef>
+          <a:fillRef idx="1">
+            <a:schemeClr val="accent1"/>
+          </a:fillRef>
+          <a:effectRef idx="0">
+            <a:schemeClr val="accent1"/>
+          </a:effectRef>
+          <a:fontRef idx="minor">
+            <a:schemeClr val="lt1"/>
+          </a:fontRef>
+        </p:style>
+      </p:cxnSp>
+      <p:sp>
+        <p:nvSpPr>
+          <p:cNvPr id="2" name="TextBox 1"/>
+          <p:cNvSpPr txBox="1"/>
+          <p:nvPr/>
+        </p:nvSpPr>
+        <p:spPr>
+          <a:xfrm>
+            <a:off x="3699401" y="1105666"/>
+            <a:ext cx="597279" cy="276999"/>
+          </a:xfrm>
+          <a:prstGeom prst="rect">
+            <a:avLst/>
+          </a:prstGeom>
+          <a:noFill/>
+        </p:spPr>
+        <p:txBody>
+          <a:bodyPr wrap="none" rtlCol="0">
+            <a:spAutoFit/>
+          </a:bodyPr>
+          <a:lstStyle/>
+          <a:p>
+            <a:r>
+              <a:rPr lang="en-US" sz="1200" dirty="0" smtClean="0"/>
+              <a:t>Except</a:t>
+            </a:r>
+            <a:endParaRPr lang="en-US" sz="1200" dirty="0"/>
+          </a:p>
+        </p:txBody>
+      </p:sp>
+      <p:sp>
+        <p:nvSpPr>
+          <p:cNvPr id="36" name="TextBox 35"/>
+          <p:cNvSpPr txBox="1"/>
+          <p:nvPr/>
+        </p:nvSpPr>
+        <p:spPr>
+          <a:xfrm>
+            <a:off x="5179140" y="1526695"/>
+            <a:ext cx="518091" cy="276999"/>
+          </a:xfrm>
+          <a:prstGeom prst="rect">
+            <a:avLst/>
+          </a:prstGeom>
+          <a:noFill/>
+        </p:spPr>
+        <p:txBody>
+          <a:bodyPr wrap="none" rtlCol="0">
+            <a:spAutoFit/>
+          </a:bodyPr>
+          <a:lstStyle/>
+          <a:p>
+            <a:r>
+              <a:rPr lang="en-US" sz="1200" dirty="0" smtClean="0"/>
+              <a:t>If not</a:t>
+            </a:r>
+            <a:endParaRPr lang="en-US" sz="1200" dirty="0"/>
+          </a:p>
+        </p:txBody>
+      </p:sp>
+      <p:sp>
+        <p:nvSpPr>
+          <p:cNvPr id="40" name="TextBox 39"/>
+          <p:cNvSpPr txBox="1"/>
+          <p:nvPr/>
+        </p:nvSpPr>
+        <p:spPr>
+          <a:xfrm>
+            <a:off x="2604711" y="2346762"/>
+            <a:ext cx="597279" cy="276999"/>
+          </a:xfrm>
+          <a:prstGeom prst="rect">
+            <a:avLst/>
+          </a:prstGeom>
+          <a:noFill/>
+        </p:spPr>
+        <p:txBody>
+          <a:bodyPr wrap="none" rtlCol="0">
+            <a:spAutoFit/>
+          </a:bodyPr>
+          <a:lstStyle/>
+          <a:p>
+            <a:r>
+              <a:rPr lang="en-US" sz="1200" dirty="0" smtClean="0"/>
+              <a:t>Except</a:t>
+            </a:r>
+            <a:endParaRPr lang="en-US" sz="1200" dirty="0"/>
+          </a:p>
+        </p:txBody>
+      </p:sp>
+      <p:sp>
+        <p:nvSpPr>
+          <p:cNvPr id="42" name="Rounded Rectangle 41"/>
+          <p:cNvSpPr/>
+          <p:nvPr/>
+        </p:nvSpPr>
+        <p:spPr>
+          <a:xfrm>
+            <a:off x="1047390" y="4039922"/>
+            <a:ext cx="1677798" cy="607972"/>
+          </a:xfrm>
+          <a:prstGeom prst="roundRect">
+            <a:avLst>
+              <a:gd name="adj" fmla="val 0"/>
+            </a:avLst>
+          </a:prstGeom>
+          <a:noFill/>
+          <a:ln w="19050">
+            <a:solidFill>
+              <a:schemeClr val="tx1"/>
+            </a:solidFill>
+          </a:ln>
+        </p:spPr>
+        <p:style>
+          <a:lnRef idx="2">
+            <a:schemeClr val="accent1">
+              <a:shade val="50000"/>
+            </a:schemeClr>
+          </a:lnRef>
+          <a:fillRef idx="1">
+            <a:schemeClr val="accent1"/>
+          </a:fillRef>
+          <a:effectRef idx="0">
+            <a:schemeClr val="accent1"/>
+          </a:effectRef>
+          <a:fontRef idx="minor">
+            <a:schemeClr val="lt1"/>
+          </a:fontRef>
+        </p:style>
+        <p:txBody>
+          <a:bodyPr rtlCol="0" anchor="ctr"/>
+          <a:lstStyle/>
+          <a:p>
+            <a:pPr algn="ctr"/>
+            <a:r>
+              <a:rPr lang="en-US" sz="1200" b="1" dirty="0">
+                <a:solidFill>
+                  <a:schemeClr val="tx1"/>
+                </a:solidFill>
+              </a:rPr>
+              <a:t>IF</a:t>
+            </a:r>
+            <a:r>
+              <a:rPr lang="en-US" sz="1200" dirty="0">
+                <a:solidFill>
+                  <a:schemeClr val="tx1"/>
+                </a:solidFill>
+              </a:rPr>
+              <a:t> </a:t>
+            </a:r>
+            <a:r>
+              <a:rPr lang="en-US" sz="1200" dirty="0" smtClean="0">
+                <a:solidFill>
+                  <a:schemeClr val="tx1"/>
+                </a:solidFill>
+              </a:rPr>
+              <a:t> = </a:t>
+            </a:r>
+            <a:r>
+              <a:rPr lang="en-US" sz="1200" dirty="0">
+                <a:solidFill>
+                  <a:schemeClr val="tx1"/>
+                </a:solidFill>
+              </a:rPr>
+              <a:t>‘Intellectual </a:t>
+            </a:r>
+            <a:r>
+              <a:rPr lang="en-US" sz="1200" dirty="0" smtClean="0">
+                <a:solidFill>
+                  <a:schemeClr val="tx1"/>
+                </a:solidFill>
+              </a:rPr>
+              <a:t>Product’ </a:t>
+            </a:r>
+            <a:r>
+              <a:rPr lang="en-US" sz="1200" b="1" dirty="0" smtClean="0">
+                <a:solidFill>
+                  <a:schemeClr val="tx1"/>
+                </a:solidFill>
+              </a:rPr>
+              <a:t>THEN </a:t>
+            </a:r>
+            <a:r>
+              <a:rPr lang="en-US" sz="1200" dirty="0" smtClean="0">
+                <a:solidFill>
+                  <a:schemeClr val="tx1"/>
+                </a:solidFill>
+              </a:rPr>
+              <a:t>‘</a:t>
+            </a:r>
+            <a:r>
+              <a:rPr lang="en-US" sz="1200" dirty="0" err="1" smtClean="0">
+                <a:solidFill>
+                  <a:schemeClr val="tx1"/>
+                </a:solidFill>
+              </a:rPr>
+              <a:t>PatientName</a:t>
+            </a:r>
+            <a:r>
+              <a:rPr lang="en-US" sz="1200" dirty="0" smtClean="0">
+                <a:solidFill>
+                  <a:schemeClr val="tx1"/>
+                </a:solidFill>
+              </a:rPr>
+              <a:t>’</a:t>
+            </a:r>
+            <a:endParaRPr lang="en-US" sz="1200" dirty="0">
+              <a:solidFill>
+                <a:schemeClr val="tx1"/>
+              </a:solidFill>
+            </a:endParaRPr>
+          </a:p>
+        </p:txBody>
+      </p:sp>
+      <p:cxnSp>
+        <p:nvCxnSpPr>
+          <p:cNvPr id="43" name="Straight Arrow Connector 42"/>
+          <p:cNvCxnSpPr>
+            <a:stCxn id="28" idx="2"/>
+            <a:endCxn id="42" idx="0"/>
+          </p:cNvCxnSpPr>
+          <p:nvPr/>
+        </p:nvCxnSpPr>
+        <p:spPr>
+          <a:xfrm rot="5400000">
+            <a:off x="2103651" y="3257503"/>
+            <a:ext cx="565057" cy="999780"/>
+          </a:xfrm>
+          <a:prstGeom prst="curvedConnector3">
+            <a:avLst>
+              <a:gd name="adj1" fmla="val 50000"/>
+            </a:avLst>
+          </a:prstGeom>
+          <a:noFill/>
+          <a:ln w="19050">
+            <a:solidFill>
+              <a:schemeClr val="tx1"/>
+            </a:solidFill>
+            <a:tailEnd type="triangle"/>
+          </a:ln>
+        </p:spPr>
+        <p:style>
+          <a:lnRef idx="2">
+            <a:schemeClr val="accent1">
+              <a:shade val="50000"/>
+            </a:schemeClr>
+          </a:lnRef>
+          <a:fillRef idx="1">
+            <a:schemeClr val="accent1"/>
+          </a:fillRef>
+          <a:effectRef idx="0">
+            <a:schemeClr val="accent1"/>
+          </a:effectRef>
+          <a:fontRef idx="minor">
+            <a:schemeClr val="lt1"/>
+          </a:fontRef>
+        </p:style>
+      </p:cxnSp>
+      <p:sp>
+        <p:nvSpPr>
+          <p:cNvPr id="44" name="TextBox 43"/>
+          <p:cNvSpPr txBox="1"/>
+          <p:nvPr/>
+        </p:nvSpPr>
+        <p:spPr>
+          <a:xfrm>
+            <a:off x="1487068" y="3579497"/>
+            <a:ext cx="597279" cy="276999"/>
+          </a:xfrm>
+          <a:prstGeom prst="rect">
+            <a:avLst/>
+          </a:prstGeom>
+          <a:noFill/>
+        </p:spPr>
+        <p:txBody>
+          <a:bodyPr wrap="none" rtlCol="0">
+            <a:spAutoFit/>
+          </a:bodyPr>
+          <a:lstStyle/>
+          <a:p>
+            <a:r>
+              <a:rPr lang="en-US" sz="1200" dirty="0" smtClean="0"/>
+              <a:t>Except</a:t>
+            </a:r>
+            <a:endParaRPr lang="en-US" sz="1200" dirty="0"/>
+          </a:p>
+        </p:txBody>
+      </p:sp>
+      <p:sp>
+        <p:nvSpPr>
+          <p:cNvPr id="46" name="Rounded Rectangle 45"/>
+          <p:cNvSpPr/>
+          <p:nvPr/>
+        </p:nvSpPr>
+        <p:spPr>
+          <a:xfrm>
+            <a:off x="8481790" y="2809864"/>
+            <a:ext cx="1677798" cy="607972"/>
+          </a:xfrm>
+          <a:prstGeom prst="roundRect">
+            <a:avLst>
+              <a:gd name="adj" fmla="val 0"/>
+            </a:avLst>
+          </a:prstGeom>
+          <a:noFill/>
+          <a:ln w="19050">
+            <a:solidFill>
+              <a:schemeClr val="tx1"/>
+            </a:solidFill>
+          </a:ln>
+        </p:spPr>
+        <p:style>
+          <a:lnRef idx="2">
+            <a:schemeClr val="accent1">
+              <a:shade val="50000"/>
+            </a:schemeClr>
+          </a:lnRef>
+          <a:fillRef idx="1">
+            <a:schemeClr val="accent1"/>
+          </a:fillRef>
+          <a:effectRef idx="0">
+            <a:schemeClr val="accent1"/>
+          </a:effectRef>
+          <a:fontRef idx="minor">
+            <a:schemeClr val="lt1"/>
+          </a:fontRef>
+        </p:style>
+        <p:txBody>
+          <a:bodyPr rtlCol="0" anchor="ctr"/>
+          <a:lstStyle/>
+          <a:p>
+            <a:pPr algn="ctr"/>
+            <a:r>
+              <a:rPr lang="en-US" sz="1200" b="1" dirty="0">
+                <a:solidFill>
+                  <a:schemeClr val="tx1"/>
+                </a:solidFill>
+              </a:rPr>
+              <a:t>IF</a:t>
+            </a:r>
+            <a:r>
+              <a:rPr lang="en-US" sz="1200" dirty="0">
+                <a:solidFill>
+                  <a:schemeClr val="tx1"/>
+                </a:solidFill>
+              </a:rPr>
+              <a:t> </a:t>
+            </a:r>
+            <a:r>
+              <a:rPr lang="en-US" sz="1200" dirty="0" err="1" smtClean="0">
+                <a:solidFill>
+                  <a:schemeClr val="tx1"/>
+                </a:solidFill>
+              </a:rPr>
+              <a:t>SemanticType</a:t>
+            </a:r>
+            <a:r>
+              <a:rPr lang="en-US" sz="1200" dirty="0" smtClean="0">
+                <a:solidFill>
+                  <a:schemeClr val="tx1"/>
+                </a:solidFill>
+              </a:rPr>
+              <a:t> = ‘Disease’</a:t>
+            </a:r>
+            <a:endParaRPr lang="en-US" sz="1200" dirty="0">
+              <a:solidFill>
+                <a:schemeClr val="tx1"/>
+              </a:solidFill>
+            </a:endParaRPr>
+          </a:p>
+          <a:p>
+            <a:pPr algn="ctr"/>
+            <a:r>
+              <a:rPr lang="en-US" sz="1200" b="1" dirty="0" smtClean="0">
+                <a:solidFill>
+                  <a:schemeClr val="tx1"/>
+                </a:solidFill>
+              </a:rPr>
+              <a:t>THEN </a:t>
+            </a:r>
+            <a:r>
+              <a:rPr lang="en-US" sz="1200" dirty="0" smtClean="0">
+                <a:solidFill>
+                  <a:schemeClr val="tx1"/>
+                </a:solidFill>
+              </a:rPr>
+              <a:t>False</a:t>
+            </a:r>
+            <a:endParaRPr lang="en-US" sz="1200" dirty="0">
+              <a:solidFill>
+                <a:schemeClr val="tx1"/>
+              </a:solidFill>
+            </a:endParaRPr>
+          </a:p>
+        </p:txBody>
+      </p:sp>
+      <p:sp>
+        <p:nvSpPr>
+          <p:cNvPr id="47" name="Rounded Rectangle 46"/>
+          <p:cNvSpPr/>
+          <p:nvPr/>
+        </p:nvSpPr>
+        <p:spPr>
+          <a:xfrm>
+            <a:off x="8481790" y="3982893"/>
+            <a:ext cx="1677798" cy="607972"/>
+          </a:xfrm>
+          <a:prstGeom prst="roundRect">
+            <a:avLst>
+              <a:gd name="adj" fmla="val 0"/>
+            </a:avLst>
+          </a:prstGeom>
+          <a:noFill/>
+          <a:ln w="19050">
+            <a:solidFill>
+              <a:schemeClr val="tx1"/>
+            </a:solidFill>
+          </a:ln>
+        </p:spPr>
+        <p:style>
+          <a:lnRef idx="2">
+            <a:schemeClr val="accent1">
+              <a:shade val="50000"/>
+            </a:schemeClr>
+          </a:lnRef>
+          <a:fillRef idx="1">
+            <a:schemeClr val="accent1"/>
+          </a:fillRef>
+          <a:effectRef idx="0">
+            <a:schemeClr val="accent1"/>
+          </a:effectRef>
+          <a:fontRef idx="minor">
+            <a:schemeClr val="lt1"/>
+          </a:fontRef>
+        </p:style>
+        <p:txBody>
+          <a:bodyPr rtlCol="0" anchor="ctr"/>
+          <a:lstStyle/>
+          <a:p>
+            <a:pPr algn="ctr"/>
+            <a:r>
+              <a:rPr lang="en-US" sz="1200" b="1" dirty="0">
+                <a:solidFill>
+                  <a:schemeClr val="tx1"/>
+                </a:solidFill>
+              </a:rPr>
+              <a:t>IF</a:t>
+            </a:r>
+            <a:r>
+              <a:rPr lang="en-US" sz="1200" dirty="0">
+                <a:solidFill>
+                  <a:schemeClr val="tx1"/>
+                </a:solidFill>
+              </a:rPr>
+              <a:t> </a:t>
+            </a:r>
+            <a:r>
+              <a:rPr lang="en-US" sz="1200" dirty="0" smtClean="0">
+                <a:solidFill>
+                  <a:schemeClr val="tx1"/>
+                </a:solidFill>
+              </a:rPr>
+              <a:t>Schema = ‘s1’ AND Key = ‘XYZ’</a:t>
+            </a:r>
+            <a:endParaRPr lang="en-US" sz="1200" dirty="0">
+              <a:solidFill>
+                <a:schemeClr val="tx1"/>
+              </a:solidFill>
+            </a:endParaRPr>
+          </a:p>
+          <a:p>
+            <a:pPr algn="ctr"/>
+            <a:r>
+              <a:rPr lang="en-US" sz="1200" b="1" dirty="0" smtClean="0">
+                <a:solidFill>
+                  <a:schemeClr val="tx1"/>
+                </a:solidFill>
+              </a:rPr>
+              <a:t>THEN </a:t>
+            </a:r>
+            <a:r>
+              <a:rPr lang="en-US" sz="1200" dirty="0" smtClean="0">
+                <a:solidFill>
+                  <a:schemeClr val="tx1"/>
+                </a:solidFill>
+              </a:rPr>
+              <a:t>‘0001’</a:t>
+            </a:r>
+            <a:endParaRPr lang="en-US" sz="1200" dirty="0">
+              <a:solidFill>
+                <a:schemeClr val="tx1"/>
+              </a:solidFill>
+            </a:endParaRPr>
+          </a:p>
+        </p:txBody>
+      </p:sp>
+      <p:cxnSp>
+        <p:nvCxnSpPr>
+          <p:cNvPr id="48" name="Straight Arrow Connector 47"/>
+          <p:cNvCxnSpPr>
+            <a:stCxn id="46" idx="2"/>
+            <a:endCxn id="47" idx="0"/>
+          </p:cNvCxnSpPr>
+          <p:nvPr/>
+        </p:nvCxnSpPr>
+        <p:spPr>
+          <a:xfrm>
+            <a:off x="9320689" y="3417836"/>
+            <a:ext cx="0" cy="565057"/>
+          </a:xfrm>
+          <a:prstGeom prst="straightConnector1">
+            <a:avLst/>
+          </a:prstGeom>
+          <a:noFill/>
+          <a:ln w="19050">
+            <a:solidFill>
+              <a:schemeClr val="tx1"/>
+            </a:solidFill>
+            <a:tailEnd type="triangle"/>
+          </a:ln>
+        </p:spPr>
+        <p:style>
+          <a:lnRef idx="2">
+            <a:schemeClr val="accent1">
+              <a:shade val="50000"/>
+            </a:schemeClr>
+          </a:lnRef>
+          <a:fillRef idx="1">
+            <a:schemeClr val="accent1"/>
+          </a:fillRef>
+          <a:effectRef idx="0">
+            <a:schemeClr val="accent1"/>
+          </a:effectRef>
+          <a:fontRef idx="minor">
+            <a:schemeClr val="lt1"/>
+          </a:fontRef>
+        </p:style>
+      </p:cxnSp>
+      <p:sp>
+        <p:nvSpPr>
+          <p:cNvPr id="49" name="TextBox 48"/>
+          <p:cNvSpPr txBox="1"/>
+          <p:nvPr/>
+        </p:nvSpPr>
+        <p:spPr>
+          <a:xfrm>
+            <a:off x="8723409" y="3558667"/>
+            <a:ext cx="597279" cy="276999"/>
+          </a:xfrm>
+          <a:prstGeom prst="rect">
+            <a:avLst/>
+          </a:prstGeom>
+          <a:noFill/>
+        </p:spPr>
+        <p:txBody>
+          <a:bodyPr wrap="none" rtlCol="0">
+            <a:spAutoFit/>
+          </a:bodyPr>
+          <a:lstStyle/>
+          <a:p>
+            <a:r>
+              <a:rPr lang="en-US" sz="1200" dirty="0" smtClean="0"/>
+              <a:t>Except</a:t>
+            </a:r>
+            <a:endParaRPr lang="en-US" sz="1200" dirty="0"/>
+          </a:p>
+        </p:txBody>
+      </p:sp>
+      <p:cxnSp>
+        <p:nvCxnSpPr>
+          <p:cNvPr id="50" name="Straight Arrow Connector 49"/>
+          <p:cNvCxnSpPr>
+            <a:stCxn id="29" idx="2"/>
+            <a:endCxn id="46" idx="0"/>
+          </p:cNvCxnSpPr>
+          <p:nvPr/>
+        </p:nvCxnSpPr>
+        <p:spPr>
+          <a:xfrm>
+            <a:off x="9320689" y="2144139"/>
+            <a:ext cx="0" cy="665725"/>
+          </a:xfrm>
+          <a:prstGeom prst="straightConnector1">
+            <a:avLst/>
+          </a:prstGeom>
+          <a:noFill/>
+          <a:ln w="19050">
+            <a:solidFill>
+              <a:schemeClr val="tx1"/>
+            </a:solidFill>
+            <a:tailEnd type="triangle"/>
+          </a:ln>
+        </p:spPr>
+        <p:style>
+          <a:lnRef idx="2">
+            <a:schemeClr val="accent1">
+              <a:shade val="50000"/>
+            </a:schemeClr>
+          </a:lnRef>
+          <a:fillRef idx="1">
+            <a:schemeClr val="accent1"/>
+          </a:fillRef>
+          <a:effectRef idx="0">
+            <a:schemeClr val="accent1"/>
+          </a:effectRef>
+          <a:fontRef idx="minor">
+            <a:schemeClr val="lt1"/>
+          </a:fontRef>
+        </p:style>
+      </p:cxnSp>
+      <p:sp>
+        <p:nvSpPr>
+          <p:cNvPr id="51" name="TextBox 50"/>
+          <p:cNvSpPr txBox="1"/>
+          <p:nvPr/>
+        </p:nvSpPr>
+        <p:spPr>
+          <a:xfrm>
+            <a:off x="8720462" y="2385638"/>
+            <a:ext cx="597279" cy="276999"/>
+          </a:xfrm>
+          <a:prstGeom prst="rect">
+            <a:avLst/>
+          </a:prstGeom>
+          <a:noFill/>
+        </p:spPr>
+        <p:txBody>
+          <a:bodyPr wrap="none" rtlCol="0">
+            <a:spAutoFit/>
+          </a:bodyPr>
+          <a:lstStyle/>
+          <a:p>
+            <a:r>
+              <a:rPr lang="en-US" sz="1200" dirty="0" smtClean="0"/>
+              <a:t>Except</a:t>
+            </a:r>
+            <a:endParaRPr lang="en-US" sz="1200" dirty="0"/>
+          </a:p>
+        </p:txBody>
+      </p:sp>
+      <p:sp>
+        <p:nvSpPr>
+          <p:cNvPr id="52" name="Rounded Rectangle 51"/>
+          <p:cNvSpPr/>
+          <p:nvPr/>
+        </p:nvSpPr>
+        <p:spPr>
+          <a:xfrm>
+            <a:off x="2845997" y="4039922"/>
+            <a:ext cx="1677798" cy="607972"/>
+          </a:xfrm>
+          <a:prstGeom prst="roundRect">
+            <a:avLst>
+              <a:gd name="adj" fmla="val 0"/>
+            </a:avLst>
+          </a:prstGeom>
+          <a:noFill/>
+          <a:ln w="19050">
+            <a:solidFill>
+              <a:schemeClr val="tx1"/>
+            </a:solidFill>
+          </a:ln>
+        </p:spPr>
+        <p:style>
+          <a:lnRef idx="2">
+            <a:schemeClr val="accent1">
+              <a:shade val="50000"/>
+            </a:schemeClr>
+          </a:lnRef>
+          <a:fillRef idx="1">
+            <a:schemeClr val="accent1"/>
+          </a:fillRef>
+          <a:effectRef idx="0">
+            <a:schemeClr val="accent1"/>
+          </a:effectRef>
+          <a:fontRef idx="minor">
+            <a:schemeClr val="lt1"/>
+          </a:fontRef>
+        </p:style>
+        <p:txBody>
+          <a:bodyPr rtlCol="0" anchor="ctr"/>
+          <a:lstStyle/>
+          <a:p>
+            <a:pPr algn="ctr"/>
+            <a:r>
+              <a:rPr lang="en-US" sz="1200" b="1" dirty="0">
+                <a:solidFill>
+                  <a:schemeClr val="tx1"/>
+                </a:solidFill>
+              </a:rPr>
+              <a:t>IF</a:t>
+            </a:r>
+            <a:r>
+              <a:rPr lang="en-US" sz="1200" dirty="0">
+                <a:solidFill>
+                  <a:schemeClr val="tx1"/>
+                </a:solidFill>
+              </a:rPr>
+              <a:t> </a:t>
+            </a:r>
+            <a:r>
+              <a:rPr lang="en-US" sz="1200" dirty="0" err="1">
+                <a:solidFill>
+                  <a:schemeClr val="tx1"/>
+                </a:solidFill>
+              </a:rPr>
+              <a:t>SemanticType</a:t>
+            </a:r>
+            <a:r>
+              <a:rPr lang="en-US" sz="1200" dirty="0">
+                <a:solidFill>
+                  <a:schemeClr val="tx1"/>
+                </a:solidFill>
+              </a:rPr>
+              <a:t> = ‘Organism Attribute’</a:t>
+            </a:r>
+          </a:p>
+          <a:p>
+            <a:pPr algn="ctr"/>
+            <a:r>
+              <a:rPr lang="en-US" sz="1200" b="1" dirty="0" smtClean="0">
+                <a:solidFill>
+                  <a:schemeClr val="tx1"/>
+                </a:solidFill>
+              </a:rPr>
+              <a:t>THEN </a:t>
+            </a:r>
+            <a:r>
+              <a:rPr lang="en-US" sz="1200" dirty="0" smtClean="0">
+                <a:solidFill>
+                  <a:schemeClr val="tx1"/>
+                </a:solidFill>
+              </a:rPr>
+              <a:t>‘</a:t>
+            </a:r>
+            <a:r>
+              <a:rPr lang="en-US" sz="1200" dirty="0" err="1" smtClean="0">
+                <a:solidFill>
+                  <a:schemeClr val="tx1"/>
+                </a:solidFill>
+              </a:rPr>
+              <a:t>PatientGender</a:t>
+            </a:r>
+            <a:r>
+              <a:rPr lang="en-US" sz="1200" dirty="0" smtClean="0">
+                <a:solidFill>
+                  <a:schemeClr val="tx1"/>
+                </a:solidFill>
+              </a:rPr>
+              <a:t>’</a:t>
+            </a:r>
+            <a:endParaRPr lang="en-US" sz="1200" dirty="0">
+              <a:solidFill>
+                <a:schemeClr val="tx1"/>
+              </a:solidFill>
+            </a:endParaRPr>
+          </a:p>
+        </p:txBody>
+      </p:sp>
+      <p:cxnSp>
+        <p:nvCxnSpPr>
+          <p:cNvPr id="14" name="Straight Arrow Connector 13"/>
+          <p:cNvCxnSpPr>
+            <a:stCxn id="28" idx="2"/>
+            <a:endCxn id="52" idx="0"/>
+          </p:cNvCxnSpPr>
+          <p:nvPr/>
+        </p:nvCxnSpPr>
+        <p:spPr>
+          <a:xfrm rot="16200000" flipH="1">
+            <a:off x="3002954" y="3357979"/>
+            <a:ext cx="565057" cy="798827"/>
+          </a:xfrm>
+          <a:prstGeom prst="curvedConnector3">
+            <a:avLst>
+              <a:gd name="adj1" fmla="val 50000"/>
+            </a:avLst>
+          </a:prstGeom>
+          <a:noFill/>
+          <a:ln w="19050">
+            <a:solidFill>
+              <a:schemeClr val="tx1"/>
+            </a:solidFill>
+            <a:tailEnd type="triangle"/>
+          </a:ln>
+        </p:spPr>
+        <p:style>
+          <a:lnRef idx="2">
+            <a:schemeClr val="accent1">
+              <a:shade val="50000"/>
+            </a:schemeClr>
+          </a:lnRef>
+          <a:fillRef idx="1">
+            <a:schemeClr val="accent1"/>
+          </a:fillRef>
+          <a:effectRef idx="0">
+            <a:schemeClr val="accent1"/>
+          </a:effectRef>
+          <a:fontRef idx="minor">
+            <a:schemeClr val="lt1"/>
+          </a:fontRef>
+        </p:style>
+      </p:cxnSp>
+      <p:sp>
+        <p:nvSpPr>
+          <p:cNvPr id="55" name="Rounded Rectangle 54"/>
+          <p:cNvSpPr/>
+          <p:nvPr/>
+        </p:nvSpPr>
+        <p:spPr>
+          <a:xfrm>
+            <a:off x="5550336" y="2749360"/>
+            <a:ext cx="1677798" cy="607972"/>
+          </a:xfrm>
+          <a:prstGeom prst="roundRect">
+            <a:avLst>
+              <a:gd name="adj" fmla="val 0"/>
+            </a:avLst>
+          </a:prstGeom>
+          <a:noFill/>
+          <a:ln w="19050">
+            <a:solidFill>
+              <a:schemeClr val="tx1"/>
+            </a:solidFill>
+          </a:ln>
+        </p:spPr>
+        <p:style>
+          <a:lnRef idx="2">
+            <a:schemeClr val="accent1">
+              <a:shade val="50000"/>
+            </a:schemeClr>
+          </a:lnRef>
+          <a:fillRef idx="1">
+            <a:schemeClr val="accent1"/>
+          </a:fillRef>
+          <a:effectRef idx="0">
+            <a:schemeClr val="accent1"/>
+          </a:effectRef>
+          <a:fontRef idx="minor">
+            <a:schemeClr val="lt1"/>
+          </a:fontRef>
+        </p:style>
+        <p:txBody>
+          <a:bodyPr rtlCol="0" anchor="ctr"/>
+          <a:lstStyle/>
+          <a:p>
+            <a:pPr algn="ctr"/>
+            <a:r>
+              <a:rPr lang="en-US" sz="1200" b="1" dirty="0">
+                <a:solidFill>
+                  <a:schemeClr val="tx1"/>
+                </a:solidFill>
+              </a:rPr>
+              <a:t>IF</a:t>
+            </a:r>
+            <a:r>
+              <a:rPr lang="en-US" sz="1200" dirty="0">
+                <a:solidFill>
+                  <a:schemeClr val="tx1"/>
+                </a:solidFill>
+              </a:rPr>
+              <a:t> </a:t>
+            </a:r>
+            <a:r>
+              <a:rPr lang="en-US" sz="1200" dirty="0" err="1" smtClean="0">
+                <a:solidFill>
+                  <a:schemeClr val="tx1"/>
+                </a:solidFill>
+              </a:rPr>
+              <a:t>SemanticType</a:t>
+            </a:r>
+            <a:r>
+              <a:rPr lang="en-US" sz="1200" dirty="0" smtClean="0">
+                <a:solidFill>
+                  <a:schemeClr val="tx1"/>
+                </a:solidFill>
+              </a:rPr>
+              <a:t> = ‘Findings’</a:t>
+            </a:r>
+            <a:endParaRPr lang="en-US" sz="1200" dirty="0">
+              <a:solidFill>
+                <a:schemeClr val="tx1"/>
+              </a:solidFill>
+            </a:endParaRPr>
+          </a:p>
+          <a:p>
+            <a:pPr algn="ctr"/>
+            <a:r>
+              <a:rPr lang="en-US" sz="1200" b="1" dirty="0" smtClean="0">
+                <a:solidFill>
+                  <a:schemeClr val="tx1"/>
+                </a:solidFill>
+              </a:rPr>
+              <a:t>THEN </a:t>
+            </a:r>
+            <a:r>
+              <a:rPr lang="en-US" sz="1200" dirty="0" smtClean="0">
+                <a:solidFill>
+                  <a:schemeClr val="tx1"/>
+                </a:solidFill>
+              </a:rPr>
+              <a:t>False</a:t>
+            </a:r>
+            <a:endParaRPr lang="en-US" sz="1200" dirty="0">
+              <a:solidFill>
+                <a:schemeClr val="tx1"/>
+              </a:solidFill>
+            </a:endParaRPr>
+          </a:p>
+        </p:txBody>
+      </p:sp>
+      <p:cxnSp>
+        <p:nvCxnSpPr>
+          <p:cNvPr id="22" name="Elbow Connector 21"/>
+          <p:cNvCxnSpPr>
+            <a:stCxn id="27" idx="2"/>
+            <a:endCxn id="55" idx="0"/>
+          </p:cNvCxnSpPr>
+          <p:nvPr/>
+        </p:nvCxnSpPr>
+        <p:spPr>
+          <a:xfrm rot="16200000" flipH="1">
+            <a:off x="5035611" y="1395735"/>
+            <a:ext cx="614693" cy="2092555"/>
+          </a:xfrm>
+          <a:prstGeom prst="curvedConnector3">
+            <a:avLst/>
+          </a:prstGeom>
+          <a:noFill/>
+          <a:ln w="19050">
+            <a:solidFill>
+              <a:schemeClr val="tx1"/>
+            </a:solidFill>
+            <a:tailEnd type="triangle"/>
+          </a:ln>
+        </p:spPr>
+        <p:style>
+          <a:lnRef idx="2">
+            <a:schemeClr val="accent1">
+              <a:shade val="50000"/>
+            </a:schemeClr>
+          </a:lnRef>
+          <a:fillRef idx="1">
+            <a:schemeClr val="accent1"/>
+          </a:fillRef>
+          <a:effectRef idx="0">
+            <a:schemeClr val="accent1"/>
+          </a:effectRef>
+          <a:fontRef idx="minor">
+            <a:schemeClr val="lt1"/>
+          </a:fontRef>
+        </p:style>
+      </p:cxnSp>
+      <p:sp>
+        <p:nvSpPr>
+          <p:cNvPr id="71" name="Rounded Rectangle 70"/>
+          <p:cNvSpPr/>
+          <p:nvPr/>
+        </p:nvSpPr>
+        <p:spPr>
+          <a:xfrm>
+            <a:off x="4692258" y="4039922"/>
+            <a:ext cx="1677798" cy="607972"/>
+          </a:xfrm>
+          <a:prstGeom prst="roundRect">
+            <a:avLst>
+              <a:gd name="adj" fmla="val 0"/>
+            </a:avLst>
+          </a:prstGeom>
+          <a:noFill/>
+          <a:ln w="19050">
+            <a:solidFill>
+              <a:schemeClr val="tx1"/>
+            </a:solidFill>
+          </a:ln>
+        </p:spPr>
+        <p:style>
+          <a:lnRef idx="2">
+            <a:schemeClr val="accent1">
+              <a:shade val="50000"/>
+            </a:schemeClr>
+          </a:lnRef>
+          <a:fillRef idx="1">
+            <a:schemeClr val="accent1"/>
+          </a:fillRef>
+          <a:effectRef idx="0">
+            <a:schemeClr val="accent1"/>
+          </a:effectRef>
+          <a:fontRef idx="minor">
+            <a:schemeClr val="lt1"/>
+          </a:fontRef>
+        </p:style>
+        <p:txBody>
+          <a:bodyPr rtlCol="0" anchor="ctr"/>
+          <a:lstStyle/>
+          <a:p>
+            <a:pPr algn="ctr"/>
+            <a:r>
+              <a:rPr lang="en-US" sz="1200" b="1" dirty="0">
+                <a:solidFill>
+                  <a:schemeClr val="tx1"/>
+                </a:solidFill>
+              </a:rPr>
+              <a:t>IF</a:t>
+            </a:r>
+            <a:r>
+              <a:rPr lang="en-US" sz="1200" dirty="0">
+                <a:solidFill>
+                  <a:schemeClr val="tx1"/>
+                </a:solidFill>
+              </a:rPr>
+              <a:t> </a:t>
+            </a:r>
+            <a:r>
+              <a:rPr lang="en-US" sz="1200" dirty="0" smtClean="0">
+                <a:solidFill>
+                  <a:schemeClr val="tx1"/>
+                </a:solidFill>
+              </a:rPr>
+              <a:t>Schema = ‘s1’ AND Key = ‘Diabetes’</a:t>
+            </a:r>
+            <a:endParaRPr lang="en-US" sz="1200" dirty="0">
+              <a:solidFill>
+                <a:schemeClr val="tx1"/>
+              </a:solidFill>
+            </a:endParaRPr>
+          </a:p>
+          <a:p>
+            <a:pPr algn="ctr"/>
+            <a:r>
+              <a:rPr lang="en-US" sz="1200" b="1" dirty="0" smtClean="0">
+                <a:solidFill>
+                  <a:schemeClr val="tx1"/>
+                </a:solidFill>
+              </a:rPr>
+              <a:t>THEN </a:t>
+            </a:r>
+            <a:r>
+              <a:rPr lang="en-US" sz="1200" dirty="0" smtClean="0">
+                <a:solidFill>
+                  <a:schemeClr val="tx1"/>
+                </a:solidFill>
+              </a:rPr>
+              <a:t>‘0001’</a:t>
+            </a:r>
+            <a:endParaRPr lang="en-US" sz="1200" dirty="0">
+              <a:solidFill>
+                <a:schemeClr val="tx1"/>
+              </a:solidFill>
+            </a:endParaRPr>
+          </a:p>
+        </p:txBody>
+      </p:sp>
+      <p:sp>
+        <p:nvSpPr>
+          <p:cNvPr id="72" name="TextBox 71"/>
+          <p:cNvSpPr txBox="1"/>
+          <p:nvPr/>
+        </p:nvSpPr>
+        <p:spPr>
+          <a:xfrm>
+            <a:off x="5131936" y="3579497"/>
+            <a:ext cx="597279" cy="276999"/>
+          </a:xfrm>
+          <a:prstGeom prst="rect">
+            <a:avLst/>
+          </a:prstGeom>
+          <a:noFill/>
+        </p:spPr>
+        <p:txBody>
+          <a:bodyPr wrap="none" rtlCol="0">
+            <a:spAutoFit/>
+          </a:bodyPr>
+          <a:lstStyle/>
+          <a:p>
+            <a:r>
+              <a:rPr lang="en-US" sz="1200" dirty="0" smtClean="0"/>
+              <a:t>Except</a:t>
+            </a:r>
+            <a:endParaRPr lang="en-US" sz="1200" dirty="0"/>
+          </a:p>
+        </p:txBody>
+      </p:sp>
+      <p:sp>
+        <p:nvSpPr>
+          <p:cNvPr id="73" name="Rounded Rectangle 72"/>
+          <p:cNvSpPr/>
+          <p:nvPr/>
+        </p:nvSpPr>
+        <p:spPr>
+          <a:xfrm>
+            <a:off x="6451137" y="4031379"/>
+            <a:ext cx="1677798" cy="607972"/>
+          </a:xfrm>
+          <a:prstGeom prst="roundRect">
+            <a:avLst>
+              <a:gd name="adj" fmla="val 0"/>
+            </a:avLst>
+          </a:prstGeom>
+          <a:noFill/>
+          <a:ln w="19050">
+            <a:solidFill>
+              <a:schemeClr val="tx1"/>
+            </a:solidFill>
+          </a:ln>
+        </p:spPr>
+        <p:style>
+          <a:lnRef idx="2">
+            <a:schemeClr val="accent1">
+              <a:shade val="50000"/>
+            </a:schemeClr>
+          </a:lnRef>
+          <a:fillRef idx="1">
+            <a:schemeClr val="accent1"/>
+          </a:fillRef>
+          <a:effectRef idx="0">
+            <a:schemeClr val="accent1"/>
+          </a:effectRef>
+          <a:fontRef idx="minor">
+            <a:schemeClr val="lt1"/>
+          </a:fontRef>
+        </p:style>
+        <p:txBody>
+          <a:bodyPr rtlCol="0" anchor="ctr"/>
+          <a:lstStyle/>
+          <a:p>
+            <a:pPr algn="ctr"/>
+            <a:r>
+              <a:rPr lang="en-US" sz="1200" b="1" dirty="0">
+                <a:solidFill>
+                  <a:schemeClr val="tx1"/>
+                </a:solidFill>
+              </a:rPr>
+              <a:t>IF</a:t>
+            </a:r>
+            <a:r>
+              <a:rPr lang="en-US" sz="1200" dirty="0">
+                <a:solidFill>
+                  <a:schemeClr val="tx1"/>
+                </a:solidFill>
+              </a:rPr>
+              <a:t> </a:t>
+            </a:r>
+            <a:r>
+              <a:rPr lang="en-US" sz="1200" dirty="0" smtClean="0">
+                <a:solidFill>
+                  <a:schemeClr val="tx1"/>
+                </a:solidFill>
+              </a:rPr>
+              <a:t>Schema = ‘s2’ AND Key = ‘Glucose’</a:t>
+            </a:r>
+            <a:endParaRPr lang="en-US" sz="1200" dirty="0">
+              <a:solidFill>
+                <a:schemeClr val="tx1"/>
+              </a:solidFill>
+            </a:endParaRPr>
+          </a:p>
+          <a:p>
+            <a:pPr algn="ctr"/>
+            <a:r>
+              <a:rPr lang="en-US" sz="1200" b="1" dirty="0" smtClean="0">
+                <a:solidFill>
+                  <a:schemeClr val="tx1"/>
+                </a:solidFill>
+              </a:rPr>
+              <a:t>THEN </a:t>
+            </a:r>
+            <a:r>
+              <a:rPr lang="en-US" sz="1200" dirty="0" smtClean="0">
+                <a:solidFill>
+                  <a:schemeClr val="tx1"/>
+                </a:solidFill>
+              </a:rPr>
+              <a:t>‘0001’</a:t>
+            </a:r>
+            <a:endParaRPr lang="en-US" sz="1200" dirty="0">
+              <a:solidFill>
+                <a:schemeClr val="tx1"/>
+              </a:solidFill>
+            </a:endParaRPr>
+          </a:p>
+        </p:txBody>
+      </p:sp>
+      <p:cxnSp>
+        <p:nvCxnSpPr>
+          <p:cNvPr id="75" name="Straight Arrow Connector 74"/>
+          <p:cNvCxnSpPr>
+            <a:stCxn id="55" idx="2"/>
+            <a:endCxn id="71" idx="0"/>
+          </p:cNvCxnSpPr>
+          <p:nvPr/>
+        </p:nvCxnSpPr>
+        <p:spPr>
+          <a:xfrm rot="5400000">
+            <a:off x="5618901" y="3269588"/>
+            <a:ext cx="682590" cy="858078"/>
+          </a:xfrm>
+          <a:prstGeom prst="curvedConnector3">
+            <a:avLst>
+              <a:gd name="adj1" fmla="val 50000"/>
+            </a:avLst>
+          </a:prstGeom>
+          <a:noFill/>
+          <a:ln w="19050">
+            <a:solidFill>
+              <a:schemeClr val="tx1"/>
+            </a:solidFill>
+            <a:tailEnd type="triangle"/>
+          </a:ln>
+        </p:spPr>
+        <p:style>
+          <a:lnRef idx="2">
+            <a:schemeClr val="accent1">
+              <a:shade val="50000"/>
+            </a:schemeClr>
+          </a:lnRef>
+          <a:fillRef idx="1">
+            <a:schemeClr val="accent1"/>
+          </a:fillRef>
+          <a:effectRef idx="0">
+            <a:schemeClr val="accent1"/>
+          </a:effectRef>
+          <a:fontRef idx="minor">
+            <a:schemeClr val="lt1"/>
+          </a:fontRef>
+        </p:style>
+      </p:cxnSp>
+      <p:cxnSp>
+        <p:nvCxnSpPr>
+          <p:cNvPr id="77" name="Straight Arrow Connector 76"/>
+          <p:cNvCxnSpPr>
+            <a:stCxn id="55" idx="2"/>
+            <a:endCxn id="73" idx="0"/>
+          </p:cNvCxnSpPr>
+          <p:nvPr/>
+        </p:nvCxnSpPr>
+        <p:spPr>
+          <a:xfrm rot="16200000" flipH="1">
+            <a:off x="6502612" y="3243954"/>
+            <a:ext cx="674047" cy="900801"/>
+          </a:xfrm>
+          <a:prstGeom prst="curvedConnector3">
+            <a:avLst>
+              <a:gd name="adj1" fmla="val 50000"/>
+            </a:avLst>
+          </a:prstGeom>
+          <a:noFill/>
+          <a:ln w="19050">
+            <a:solidFill>
+              <a:schemeClr val="tx1"/>
+            </a:solidFill>
+            <a:tailEnd type="triangle"/>
+          </a:ln>
+        </p:spPr>
+        <p:style>
+          <a:lnRef idx="2">
+            <a:schemeClr val="accent1">
+              <a:shade val="50000"/>
+            </a:schemeClr>
+          </a:lnRef>
+          <a:fillRef idx="1">
+            <a:schemeClr val="accent1"/>
+          </a:fillRef>
+          <a:effectRef idx="0">
+            <a:schemeClr val="accent1"/>
+          </a:effectRef>
+          <a:fontRef idx="minor">
+            <a:schemeClr val="lt1"/>
+          </a:fontRef>
+        </p:style>
+      </p:cxnSp>
+      <p:sp>
+        <p:nvSpPr>
+          <p:cNvPr id="83" name="TextBox 82"/>
+          <p:cNvSpPr txBox="1"/>
+          <p:nvPr/>
+        </p:nvSpPr>
+        <p:spPr>
+          <a:xfrm>
+            <a:off x="3290230" y="3555854"/>
+            <a:ext cx="597279" cy="276999"/>
+          </a:xfrm>
+          <a:prstGeom prst="rect">
+            <a:avLst/>
+          </a:prstGeom>
+          <a:noFill/>
+        </p:spPr>
+        <p:txBody>
+          <a:bodyPr wrap="none" rtlCol="0">
+            <a:spAutoFit/>
+          </a:bodyPr>
+          <a:lstStyle/>
+          <a:p>
+            <a:r>
+              <a:rPr lang="en-US" sz="1200" dirty="0" smtClean="0"/>
+              <a:t>Except</a:t>
+            </a:r>
+            <a:endParaRPr lang="en-US" sz="1200" dirty="0"/>
+          </a:p>
+        </p:txBody>
+      </p:sp>
+      <p:sp>
+        <p:nvSpPr>
+          <p:cNvPr id="84" name="TextBox 83"/>
+          <p:cNvSpPr txBox="1"/>
+          <p:nvPr/>
+        </p:nvSpPr>
+        <p:spPr>
+          <a:xfrm>
+            <a:off x="7074223" y="3555853"/>
+            <a:ext cx="597279" cy="276999"/>
+          </a:xfrm>
+          <a:prstGeom prst="rect">
+            <a:avLst/>
+          </a:prstGeom>
+          <a:noFill/>
+        </p:spPr>
+        <p:txBody>
+          <a:bodyPr wrap="none" rtlCol="0">
+            <a:spAutoFit/>
+          </a:bodyPr>
+          <a:lstStyle/>
+          <a:p>
+            <a:r>
+              <a:rPr lang="en-US" sz="1200" dirty="0" smtClean="0"/>
+              <a:t>Except</a:t>
+            </a:r>
+            <a:endParaRPr lang="en-US" sz="1200" dirty="0"/>
+          </a:p>
+        </p:txBody>
+      </p:sp>
+      <p:sp>
+        <p:nvSpPr>
+          <p:cNvPr id="85" name="TextBox 84"/>
+          <p:cNvSpPr txBox="1"/>
+          <p:nvPr/>
+        </p:nvSpPr>
+        <p:spPr>
+          <a:xfrm>
+            <a:off x="5611178" y="2195711"/>
+            <a:ext cx="597279" cy="276999"/>
+          </a:xfrm>
+          <a:prstGeom prst="rect">
+            <a:avLst/>
+          </a:prstGeom>
+          <a:noFill/>
+        </p:spPr>
+        <p:txBody>
+          <a:bodyPr wrap="none" rtlCol="0">
+            <a:spAutoFit/>
+          </a:bodyPr>
+          <a:lstStyle/>
+          <a:p>
+            <a:r>
+              <a:rPr lang="en-US" sz="1200" dirty="0" smtClean="0"/>
+              <a:t>Except</a:t>
+            </a:r>
+            <a:endParaRPr lang="en-US" sz="1200" dirty="0"/>
+          </a:p>
+        </p:txBody>
+      </p:sp>
+      <p:sp>
+        <p:nvSpPr>
+          <p:cNvPr id="3" name="TextBox 2"/>
+          <p:cNvSpPr txBox="1"/>
+          <p:nvPr/>
+        </p:nvSpPr>
+        <p:spPr>
+          <a:xfrm>
+            <a:off x="1096163" y="472986"/>
+            <a:ext cx="977191" cy="369332"/>
+          </a:xfrm>
+          <a:prstGeom prst="rect">
+            <a:avLst/>
+          </a:prstGeom>
+          <a:noFill/>
+        </p:spPr>
+        <p:txBody>
+          <a:bodyPr wrap="none" rtlCol="0">
+            <a:spAutoFit/>
+          </a:bodyPr>
+          <a:lstStyle/>
+          <a:p>
+            <a:r>
+              <a:rPr lang="en-US" dirty="0" smtClean="0">
+                <a:solidFill>
+                  <a:srgbClr val="FF0000"/>
+                </a:solidFill>
+              </a:rPr>
+              <a:t>Example</a:t>
+            </a:r>
+            <a:endParaRPr lang="en-US" dirty="0">
+              <a:solidFill>
+                <a:srgbClr val="FF0000"/>
+              </a:solidFill>
+            </a:endParaRPr>
+          </a:p>
+        </p:txBody>
+      </p:sp>
+    </p:spTree>
+    <p:extLst>
+      <p:ext uri="{BB962C8B-B14F-4D97-AF65-F5344CB8AC3E}">
+        <p14:creationId xmlns:p14="http://schemas.microsoft.com/office/powerpoint/2010/main" val="1996691970"/>
+      </p:ext>
+    </p:extLst>
+  </p:cSld>
+  <p:clrMapOvr>
+    <a:masterClrMapping/>
+  </p:clrMapOvr>
+  <p:timing>
+    <p:tnLst>
+      <p:par>
+        <p:cTn id="1" dur="indefinite" restart="never" nodeType="tmRoot"/>
+      </p:par>
+    </p:tnLst>
+  </p:timing>
+</p:sld>
+</file>
+
+<file path=ppt/slides/slide14.xml><?xml version="1.0" encoding="utf-8"?>
+<p:sld xmlns:a="http://schemas.openxmlformats.org/drawingml/2006/main" xmlns:r="http://schemas.openxmlformats.org/officeDocument/2006/relationships" xmlns:p="http://schemas.openxmlformats.org/presentationml/2006/main">
+  <p:cSld>
+    <p:spTree>
+      <p:nvGrpSpPr>
+        <p:cNvPr id="1" name=""/>
+        <p:cNvGrpSpPr/>
+        <p:nvPr/>
+      </p:nvGrpSpPr>
+      <p:grpSpPr>
+        <a:xfrm>
+          <a:off x="0" y="0"/>
+          <a:ext cx="0" cy="0"/>
+          <a:chOff x="0" y="0"/>
+          <a:chExt cx="0" cy="0"/>
+        </a:xfrm>
+      </p:grpSpPr>
+      <p:sp>
+        <p:nvSpPr>
+          <p:cNvPr id="26" name="Rounded Rectangle 25"/>
+          <p:cNvSpPr/>
+          <p:nvPr/>
+        </p:nvSpPr>
+        <p:spPr>
+          <a:xfrm>
             <a:off x="3457781" y="353666"/>
             <a:ext cx="1677798" cy="607972"/>
           </a:xfrm>
@@ -17520,10 +22598,48 @@
           </a:p>
         </p:txBody>
       </p:sp>
+      <p:sp>
+        <p:nvSpPr>
+          <p:cNvPr id="33" name="TextBox 32"/>
+          <p:cNvSpPr txBox="1"/>
+          <p:nvPr/>
+        </p:nvSpPr>
+        <p:spPr>
+          <a:xfrm>
+            <a:off x="1096163" y="472986"/>
+            <a:ext cx="977191" cy="369332"/>
+          </a:xfrm>
+          <a:prstGeom prst="rect">
+            <a:avLst/>
+          </a:prstGeom>
+          <a:noFill/>
+        </p:spPr>
+        <p:txBody>
+          <a:bodyPr wrap="none" rtlCol="0">
+            <a:spAutoFit/>
+          </a:bodyPr>
+          <a:lstStyle/>
+          <a:p>
+            <a:r>
+              <a:rPr lang="en-US" dirty="0" smtClean="0">
+                <a:solidFill>
+                  <a:srgbClr val="FF0000"/>
+                </a:solidFill>
+              </a:rPr>
+              <a:t>Example</a:t>
+            </a:r>
+            <a:endParaRPr lang="en-US" dirty="0">
+              <a:solidFill>
+                <a:srgbClr val="FF0000"/>
+              </a:solidFill>
+            </a:endParaRPr>
+          </a:p>
+        </p:txBody>
+      </p:sp>
     </p:spTree>
     <p:extLst>
       <p:ext uri="{BB962C8B-B14F-4D97-AF65-F5344CB8AC3E}">
-        <p14:creationId xmlns:p14="http://schemas.microsoft.com/office/powerpoint/2010/main" val="656401812"/>
+        <p14:creationId xmlns:p14="http://schemas.microsoft.com/office/powerpoint/2010/main" val="853563034"/>
       </p:ext>
     </p:extLst>
   </p:cSld>

--- a/Presentations/EMR Interroperability V0.1.pptx
+++ b/Presentations/EMR Interroperability V0.1.pptx
@@ -210,7 +210,7 @@
           <a:p>
             <a:fld id="{0CE678D8-32C5-404E-AC33-A2CB57AB8A03}" type="datetimeFigureOut">
               <a:rPr lang="en-US" smtClean="0"/>
-              <a:t>1/29/2021</a:t>
+              <a:t>1/30/2021</a:t>
             </a:fld>
             <a:endParaRPr lang="en-US"/>
           </a:p>
@@ -1113,7 +1113,7 @@
           <a:p>
             <a:fld id="{C390AA1A-B384-4FFF-A591-3630D6086717}" type="datetimeFigureOut">
               <a:rPr lang="en-US" smtClean="0"/>
-              <a:t>1/29/2021</a:t>
+              <a:t>1/30/2021</a:t>
             </a:fld>
             <a:endParaRPr lang="en-US"/>
           </a:p>
@@ -1283,7 +1283,7 @@
           <a:p>
             <a:fld id="{C390AA1A-B384-4FFF-A591-3630D6086717}" type="datetimeFigureOut">
               <a:rPr lang="en-US" smtClean="0"/>
-              <a:t>1/29/2021</a:t>
+              <a:t>1/30/2021</a:t>
             </a:fld>
             <a:endParaRPr lang="en-US"/>
           </a:p>
@@ -1463,7 +1463,7 @@
           <a:p>
             <a:fld id="{C390AA1A-B384-4FFF-A591-3630D6086717}" type="datetimeFigureOut">
               <a:rPr lang="en-US" smtClean="0"/>
-              <a:t>1/29/2021</a:t>
+              <a:t>1/30/2021</a:t>
             </a:fld>
             <a:endParaRPr lang="en-US"/>
           </a:p>
@@ -1633,7 +1633,7 @@
           <a:p>
             <a:fld id="{C390AA1A-B384-4FFF-A591-3630D6086717}" type="datetimeFigureOut">
               <a:rPr lang="en-US" smtClean="0"/>
-              <a:t>1/29/2021</a:t>
+              <a:t>1/30/2021</a:t>
             </a:fld>
             <a:endParaRPr lang="en-US"/>
           </a:p>
@@ -1879,7 +1879,7 @@
           <a:p>
             <a:fld id="{C390AA1A-B384-4FFF-A591-3630D6086717}" type="datetimeFigureOut">
               <a:rPr lang="en-US" smtClean="0"/>
-              <a:t>1/29/2021</a:t>
+              <a:t>1/30/2021</a:t>
             </a:fld>
             <a:endParaRPr lang="en-US"/>
           </a:p>
@@ -2111,7 +2111,7 @@
           <a:p>
             <a:fld id="{C390AA1A-B384-4FFF-A591-3630D6086717}" type="datetimeFigureOut">
               <a:rPr lang="en-US" smtClean="0"/>
-              <a:t>1/29/2021</a:t>
+              <a:t>1/30/2021</a:t>
             </a:fld>
             <a:endParaRPr lang="en-US"/>
           </a:p>
@@ -2478,7 +2478,7 @@
           <a:p>
             <a:fld id="{C390AA1A-B384-4FFF-A591-3630D6086717}" type="datetimeFigureOut">
               <a:rPr lang="en-US" smtClean="0"/>
-              <a:t>1/29/2021</a:t>
+              <a:t>1/30/2021</a:t>
             </a:fld>
             <a:endParaRPr lang="en-US"/>
           </a:p>
@@ -2596,7 +2596,7 @@
           <a:p>
             <a:fld id="{C390AA1A-B384-4FFF-A591-3630D6086717}" type="datetimeFigureOut">
               <a:rPr lang="en-US" smtClean="0"/>
-              <a:t>1/29/2021</a:t>
+              <a:t>1/30/2021</a:t>
             </a:fld>
             <a:endParaRPr lang="en-US"/>
           </a:p>
@@ -2691,7 +2691,7 @@
           <a:p>
             <a:fld id="{C390AA1A-B384-4FFF-A591-3630D6086717}" type="datetimeFigureOut">
               <a:rPr lang="en-US" smtClean="0"/>
-              <a:t>1/29/2021</a:t>
+              <a:t>1/30/2021</a:t>
             </a:fld>
             <a:endParaRPr lang="en-US"/>
           </a:p>
@@ -2968,7 +2968,7 @@
           <a:p>
             <a:fld id="{C390AA1A-B384-4FFF-A591-3630D6086717}" type="datetimeFigureOut">
               <a:rPr lang="en-US" smtClean="0"/>
-              <a:t>1/29/2021</a:t>
+              <a:t>1/30/2021</a:t>
             </a:fld>
             <a:endParaRPr lang="en-US"/>
           </a:p>
@@ -3221,7 +3221,7 @@
           <a:p>
             <a:fld id="{C390AA1A-B384-4FFF-A591-3630D6086717}" type="datetimeFigureOut">
               <a:rPr lang="en-US" smtClean="0"/>
-              <a:t>1/29/2021</a:t>
+              <a:t>1/30/2021</a:t>
             </a:fld>
             <a:endParaRPr lang="en-US"/>
           </a:p>
@@ -3434,7 +3434,7 @@
           <a:p>
             <a:fld id="{C390AA1A-B384-4FFF-A591-3630D6086717}" type="datetimeFigureOut">
               <a:rPr lang="en-US" smtClean="0"/>
-              <a:t>1/29/2021</a:t>
+              <a:t>1/30/2021</a:t>
             </a:fld>
             <a:endParaRPr lang="en-US"/>
           </a:p>
@@ -15756,7 +15756,7 @@
         <p:spPr>
           <a:xfrm>
             <a:off x="3667505" y="701888"/>
-            <a:ext cx="1371600" cy="548640"/>
+            <a:ext cx="1371600" cy="731520"/>
           </a:xfrm>
           <a:prstGeom prst="roundRect">
             <a:avLst>
@@ -15824,15 +15824,7 @@
                   <a:schemeClr val="tx1"/>
                 </a:solidFill>
               </a:rPr>
-              <a:t> </a:t>
-            </a:r>
-            <a:r>
-              <a:rPr lang="en-US" sz="1200" dirty="0" smtClean="0">
-                <a:solidFill>
-                  <a:schemeClr val="tx1"/>
-                </a:solidFill>
-              </a:rPr>
-              <a:t>True</a:t>
+              <a:t> True</a:t>
             </a:r>
             <a:endParaRPr lang="en-US" sz="1200" dirty="0">
               <a:solidFill>
@@ -15851,7 +15843,7 @@
         <p:spPr>
           <a:xfrm>
             <a:off x="3667505" y="1736420"/>
-            <a:ext cx="1371600" cy="548640"/>
+            <a:ext cx="1371600" cy="731520"/>
           </a:xfrm>
           <a:prstGeom prst="roundRect">
             <a:avLst>
@@ -15954,7 +15946,7 @@
         <p:spPr>
           <a:xfrm>
             <a:off x="2269897" y="2852245"/>
-            <a:ext cx="1371600" cy="548640"/>
+            <a:ext cx="1371600" cy="731520"/>
           </a:xfrm>
           <a:prstGeom prst="roundRect">
             <a:avLst>
@@ -16019,15 +16011,7 @@
                   <a:schemeClr val="tx1"/>
                 </a:solidFill>
               </a:rPr>
-              <a:t> = </a:t>
-            </a:r>
-            <a:r>
-              <a:rPr lang="en-US" sz="1200" dirty="0" smtClean="0">
-                <a:solidFill>
-                  <a:schemeClr val="tx1"/>
-                </a:solidFill>
-              </a:rPr>
-              <a:t>‘</a:t>
+              <a:t> = ‘</a:t>
             </a:r>
             <a:r>
               <a:rPr lang="en-US" sz="1200" i="1" dirty="0" smtClean="0">
@@ -16118,7 +16102,7 @@
         <p:spPr>
           <a:xfrm>
             <a:off x="7584536" y="1732550"/>
-            <a:ext cx="1371600" cy="548640"/>
+            <a:ext cx="1371600" cy="731520"/>
           </a:xfrm>
           <a:prstGeom prst="roundRect">
             <a:avLst>
@@ -16200,15 +16184,7 @@
                   <a:schemeClr val="tx1"/>
                 </a:solidFill>
               </a:rPr>
-              <a:t> </a:t>
-            </a:r>
-            <a:r>
-              <a:rPr lang="en-US" sz="1200" dirty="0" smtClean="0">
-                <a:solidFill>
-                  <a:schemeClr val="tx1"/>
-                </a:solidFill>
-              </a:rPr>
-              <a:t>‘integer’</a:t>
+              <a:t> ‘integer’</a:t>
             </a:r>
             <a:endParaRPr lang="en-US" sz="1200" dirty="0">
               <a:solidFill>
@@ -16248,8 +16224,8 @@
         </p:nvCxnSpPr>
         <p:spPr>
           <a:xfrm>
-            <a:off x="4353305" y="1250528"/>
-            <a:ext cx="0" cy="485892"/>
+            <a:off x="4353305" y="1433408"/>
+            <a:ext cx="0" cy="303012"/>
           </a:xfrm>
           <a:prstGeom prst="straightConnector1">
             <a:avLst/>
@@ -16290,7 +16266,7 @@
         </p:nvCxnSpPr>
         <p:spPr>
           <a:xfrm flipV="1">
-            <a:off x="5039105" y="2006870"/>
+            <a:off x="5039105" y="2098310"/>
             <a:ext cx="2545431" cy="3870"/>
           </a:xfrm>
           <a:prstGeom prst="straightConnector1">
@@ -16332,8 +16308,8 @@
         </p:nvCxnSpPr>
         <p:spPr>
           <a:xfrm rot="5400000">
-            <a:off x="3370909" y="1869848"/>
-            <a:ext cx="567185" cy="1397608"/>
+            <a:off x="3462349" y="1961288"/>
+            <a:ext cx="384305" cy="1397608"/>
           </a:xfrm>
           <a:prstGeom prst="curvedConnector3">
             <a:avLst>
@@ -16373,7 +16349,7 @@
         </p:nvSpPr>
         <p:spPr>
           <a:xfrm>
-            <a:off x="3798593" y="1307518"/>
+            <a:off x="3798593" y="1415041"/>
             <a:ext cx="597279" cy="276999"/>
           </a:xfrm>
           <a:prstGeom prst="rect">
@@ -16433,7 +16409,7 @@
         </p:nvSpPr>
         <p:spPr>
           <a:xfrm>
-            <a:off x="3109090" y="2315134"/>
+            <a:off x="3090862" y="2400896"/>
             <a:ext cx="597279" cy="276999"/>
           </a:xfrm>
           <a:prstGeom prst="rect">
@@ -16464,7 +16440,7 @@
         <p:spPr>
           <a:xfrm>
             <a:off x="1476140" y="3992545"/>
-            <a:ext cx="1371600" cy="548640"/>
+            <a:ext cx="1371600" cy="731520"/>
           </a:xfrm>
           <a:prstGeom prst="roundRect">
             <a:avLst>
@@ -16537,15 +16513,7 @@
                   <a:schemeClr val="tx1"/>
                 </a:solidFill>
               </a:rPr>
-              <a:t> = </a:t>
-            </a:r>
-            <a:r>
-              <a:rPr lang="en-US" sz="1200" dirty="0" smtClean="0">
-                <a:solidFill>
-                  <a:schemeClr val="tx1"/>
-                </a:solidFill>
-              </a:rPr>
-              <a:t>‘</a:t>
+              <a:t> = ‘</a:t>
             </a:r>
             <a:r>
               <a:rPr lang="en-US" sz="1200" i="1" dirty="0" smtClean="0">
@@ -16633,8 +16601,8 @@
         </p:nvCxnSpPr>
         <p:spPr>
           <a:xfrm rot="5400000">
-            <a:off x="2262989" y="3299837"/>
-            <a:ext cx="591660" cy="793757"/>
+            <a:off x="2354429" y="3391277"/>
+            <a:ext cx="408780" cy="793757"/>
           </a:xfrm>
           <a:prstGeom prst="curvedConnector3">
             <a:avLst>
@@ -16705,7 +16673,7 @@
         <p:spPr>
           <a:xfrm>
             <a:off x="7584536" y="2854821"/>
-            <a:ext cx="1371600" cy="548640"/>
+            <a:ext cx="1371600" cy="731520"/>
           </a:xfrm>
           <a:prstGeom prst="roundRect">
             <a:avLst>
@@ -16856,7 +16824,7 @@
         <p:spPr>
           <a:xfrm>
             <a:off x="7584536" y="3976085"/>
-            <a:ext cx="1371600" cy="548640"/>
+            <a:ext cx="1371600" cy="731520"/>
           </a:xfrm>
           <a:prstGeom prst="roundRect">
             <a:avLst>
@@ -17014,8 +16982,8 @@
         </p:nvCxnSpPr>
         <p:spPr>
           <a:xfrm>
-            <a:off x="8270336" y="3403461"/>
-            <a:ext cx="0" cy="572624"/>
+            <a:off x="8270336" y="3586341"/>
+            <a:ext cx="0" cy="389744"/>
           </a:xfrm>
           <a:prstGeom prst="straightConnector1">
             <a:avLst/>
@@ -17053,7 +17021,7 @@
         </p:nvSpPr>
         <p:spPr>
           <a:xfrm>
-            <a:off x="7734429" y="3542937"/>
+            <a:off x="7724019" y="3617948"/>
             <a:ext cx="597279" cy="276999"/>
           </a:xfrm>
           <a:prstGeom prst="rect">
@@ -17086,8 +17054,8 @@
         </p:nvCxnSpPr>
         <p:spPr>
           <a:xfrm>
-            <a:off x="8270336" y="2281190"/>
-            <a:ext cx="0" cy="573631"/>
+            <a:off x="8270336" y="2464070"/>
+            <a:ext cx="0" cy="390751"/>
           </a:xfrm>
           <a:prstGeom prst="straightConnector1">
             <a:avLst/>
@@ -17125,7 +17093,7 @@
         </p:nvSpPr>
         <p:spPr>
           <a:xfrm>
-            <a:off x="7694303" y="2435406"/>
+            <a:off x="7724018" y="2484504"/>
             <a:ext cx="597279" cy="276999"/>
           </a:xfrm>
           <a:prstGeom prst="rect">
@@ -17156,7 +17124,7 @@
         <p:spPr>
           <a:xfrm>
             <a:off x="2981705" y="3996755"/>
-            <a:ext cx="1371600" cy="548640"/>
+            <a:ext cx="1371600" cy="731520"/>
           </a:xfrm>
           <a:prstGeom prst="roundRect">
             <a:avLst>
@@ -17309,8 +17277,8 @@
         </p:nvCxnSpPr>
         <p:spPr>
           <a:xfrm rot="16200000" flipH="1">
-            <a:off x="3013666" y="3342916"/>
-            <a:ext cx="595870" cy="711808"/>
+            <a:off x="3105106" y="3434356"/>
+            <a:ext cx="412990" cy="711808"/>
           </a:xfrm>
           <a:prstGeom prst="curvedConnector3">
             <a:avLst>
@@ -17351,7 +17319,7 @@
         <p:spPr>
           <a:xfrm>
             <a:off x="5218847" y="2848903"/>
-            <a:ext cx="1371600" cy="548640"/>
+            <a:ext cx="1371600" cy="731520"/>
           </a:xfrm>
           <a:prstGeom prst="roundRect">
             <a:avLst>
@@ -17509,8 +17477,8 @@
         </p:nvCxnSpPr>
         <p:spPr>
           <a:xfrm rot="16200000" flipH="1">
-            <a:off x="4847055" y="1791310"/>
-            <a:ext cx="563843" cy="1551342"/>
+            <a:off x="4938495" y="1882750"/>
+            <a:ext cx="380963" cy="1551342"/>
           </a:xfrm>
           <a:prstGeom prst="curvedConnector3">
             <a:avLst/>
@@ -17549,7 +17517,7 @@
         <p:spPr>
           <a:xfrm>
             <a:off x="4505318" y="3987883"/>
-            <a:ext cx="1371600" cy="548640"/>
+            <a:ext cx="1371600" cy="731520"/>
           </a:xfrm>
           <a:prstGeom prst="roundRect">
             <a:avLst>
@@ -17704,7 +17672,7 @@
         </p:nvSpPr>
         <p:spPr>
           <a:xfrm>
-            <a:off x="4786637" y="3575444"/>
+            <a:off x="4994863" y="3543195"/>
             <a:ext cx="597279" cy="276999"/>
           </a:xfrm>
           <a:prstGeom prst="rect">
@@ -17735,7 +17703,7 @@
         <p:spPr>
           <a:xfrm>
             <a:off x="6058792" y="3987883"/>
-            <a:ext cx="1371600" cy="548640"/>
+            <a:ext cx="1371600" cy="731520"/>
           </a:xfrm>
           <a:prstGeom prst="roundRect">
             <a:avLst>
@@ -17893,8 +17861,8 @@
         </p:nvCxnSpPr>
         <p:spPr>
           <a:xfrm rot="5400000">
-            <a:off x="5252713" y="3335949"/>
-            <a:ext cx="590340" cy="713529"/>
+            <a:off x="5344153" y="3427389"/>
+            <a:ext cx="407460" cy="713529"/>
           </a:xfrm>
           <a:prstGeom prst="curvedConnector3">
             <a:avLst>
@@ -17937,8 +17905,8 @@
         </p:nvCxnSpPr>
         <p:spPr>
           <a:xfrm rot="16200000" flipH="1">
-            <a:off x="6029449" y="3272740"/>
-            <a:ext cx="590340" cy="839945"/>
+            <a:off x="6120889" y="3364180"/>
+            <a:ext cx="407460" cy="839945"/>
           </a:xfrm>
           <a:prstGeom prst="curvedConnector3">
             <a:avLst>
@@ -17978,7 +17946,7 @@
         </p:nvSpPr>
         <p:spPr>
           <a:xfrm>
-            <a:off x="3499954" y="3547465"/>
+            <a:off x="3480309" y="3617948"/>
             <a:ext cx="597279" cy="276999"/>
           </a:xfrm>
           <a:prstGeom prst="rect">
@@ -18008,7 +17976,7 @@
         </p:nvSpPr>
         <p:spPr>
           <a:xfrm>
-            <a:off x="6560598" y="3547465"/>
+            <a:off x="6392624" y="3563644"/>
             <a:ext cx="597279" cy="276999"/>
           </a:xfrm>
           <a:prstGeom prst="rect">
@@ -18038,7 +18006,7 @@
         </p:nvSpPr>
         <p:spPr>
           <a:xfrm>
-            <a:off x="5460463" y="2394003"/>
+            <a:off x="5246006" y="2433404"/>
             <a:ext cx="597279" cy="276999"/>
           </a:xfrm>
           <a:prstGeom prst="rect">
@@ -18069,7 +18037,7 @@
         <p:spPr>
           <a:xfrm>
             <a:off x="9385444" y="1739923"/>
-            <a:ext cx="1371600" cy="548640"/>
+            <a:ext cx="1371600" cy="731520"/>
           </a:xfrm>
           <a:prstGeom prst="roundRect">
             <a:avLst>
@@ -18189,7 +18157,7 @@
         <p:spPr>
           <a:xfrm>
             <a:off x="9385444" y="2832124"/>
-            <a:ext cx="1371600" cy="548640"/>
+            <a:ext cx="1371600" cy="731520"/>
           </a:xfrm>
           <a:prstGeom prst="roundRect">
             <a:avLst>
@@ -18345,7 +18313,7 @@
         <p:spPr>
           <a:xfrm>
             <a:off x="9385444" y="3971105"/>
-            <a:ext cx="1371600" cy="548640"/>
+            <a:ext cx="1371600" cy="731520"/>
           </a:xfrm>
           <a:prstGeom prst="roundRect">
             <a:avLst>
@@ -18503,8 +18471,8 @@
         </p:nvCxnSpPr>
         <p:spPr>
           <a:xfrm>
-            <a:off x="10071244" y="3380764"/>
-            <a:ext cx="0" cy="590341"/>
+            <a:off x="10071244" y="3563644"/>
+            <a:ext cx="0" cy="407461"/>
           </a:xfrm>
           <a:prstGeom prst="straightConnector1">
             <a:avLst/>
@@ -18542,7 +18510,7 @@
         </p:nvSpPr>
         <p:spPr>
           <a:xfrm>
-            <a:off x="9500089" y="3479450"/>
+            <a:off x="9505485" y="3580916"/>
             <a:ext cx="597279" cy="276999"/>
           </a:xfrm>
           <a:prstGeom prst="rect">
@@ -18575,8 +18543,8 @@
         </p:nvCxnSpPr>
         <p:spPr>
           <a:xfrm>
-            <a:off x="10071244" y="2288563"/>
-            <a:ext cx="0" cy="543561"/>
+            <a:off x="10071244" y="2471443"/>
+            <a:ext cx="0" cy="360681"/>
           </a:xfrm>
           <a:prstGeom prst="straightConnector1">
             <a:avLst/>
@@ -18647,7 +18615,7 @@
         </p:nvCxnSpPr>
         <p:spPr>
           <a:xfrm>
-            <a:off x="8956136" y="2006870"/>
+            <a:off x="8956136" y="2098310"/>
             <a:ext cx="429308" cy="7373"/>
           </a:xfrm>
           <a:prstGeom prst="straightConnector1">

--- a/Presentations/EMR Interroperability V0.1.pptx
+++ b/Presentations/EMR Interroperability V0.1.pptx
@@ -123,6 +123,11 @@
       </a:defRPr>
     </a:lvl9pPr>
   </p:defaultTextStyle>
+  <p:extLst>
+    <p:ext uri="{EFAFB233-063F-42B5-8137-9DF3F51BA10A}">
+      <p15:sldGuideLst xmlns:p15="http://schemas.microsoft.com/office/powerpoint/2012/main"/>
+    </p:ext>
+  </p:extLst>
 </p:presentation>
 </file>
 
@@ -15002,7 +15007,7 @@
     <mc:Choice Requires="p14">
       <p:transition spd="slow" p14:dur="2000"/>
     </mc:Choice>
-    <mc:Fallback xmlns:p15="http://schemas.microsoft.com/office/powerpoint/2012/main" xmlns="">
+    <mc:Fallback xmlns="" xmlns:p15="http://schemas.microsoft.com/office/powerpoint/2012/main">
       <p:transition spd="slow"/>
     </mc:Fallback>
   </mc:AlternateContent>
@@ -16539,7 +16544,7 @@
     <mc:Choice Requires="p14">
       <p:transition spd="slow" p14:dur="2000"/>
     </mc:Choice>
-    <mc:Fallback xmlns:p15="http://schemas.microsoft.com/office/powerpoint/2012/main" xmlns="">
+    <mc:Fallback xmlns="" xmlns:p15="http://schemas.microsoft.com/office/powerpoint/2012/main">
       <p:transition spd="slow"/>
     </mc:Fallback>
   </mc:AlternateContent>
@@ -17011,7 +17016,7 @@
           <p:nvPr>
             <p:extLst>
               <p:ext uri="{D42A27DB-BD31-4B8C-83A1-F6EECF244321}">
-                <p14:modId xmlns:p14="http://schemas.microsoft.com/office/powerpoint/2010/main" val="2664062076"/>
+                <p14:modId xmlns:p14="http://schemas.microsoft.com/office/powerpoint/2010/main" val="3837168042"/>
               </p:ext>
             </p:extLst>
           </p:nvPr>
@@ -17196,7 +17201,7 @@
                           </a:solidFill>
                           <a:latin typeface="Calibri"/>
                         </a:rPr>
-                        <a:t>Array Embedding</a:t>
+                        <a:t>Embedding Vector</a:t>
                       </a:r>
                       <a:endParaRPr lang="en-US" sz="1200" b="0" strike="noStrike" spc="-1" dirty="0">
                         <a:latin typeface="Arial"/>
@@ -17226,7 +17231,7 @@
     <mc:Choice Requires="p14">
       <p:transition spd="slow" p14:dur="2000"/>
     </mc:Choice>
-    <mc:Fallback xmlns:p15="http://schemas.microsoft.com/office/powerpoint/2012/main" xmlns="">
+    <mc:Fallback xmlns="" xmlns:p15="http://schemas.microsoft.com/office/powerpoint/2012/main">
       <p:transition spd="slow"/>
     </mc:Fallback>
   </mc:AlternateContent>
@@ -20680,7 +20685,7 @@
     <mc:Choice Requires="p14">
       <p:transition spd="slow" p14:dur="2000"/>
     </mc:Choice>
-    <mc:Fallback xmlns:p15="http://schemas.microsoft.com/office/powerpoint/2012/main" xmlns="">
+    <mc:Fallback xmlns="" xmlns:p15="http://schemas.microsoft.com/office/powerpoint/2012/main">
       <p:transition spd="slow"/>
     </mc:Fallback>
   </mc:AlternateContent>
@@ -22943,7 +22948,7 @@
     <mc:Choice Requires="p14">
       <p:transition spd="slow" p14:dur="2000"/>
     </mc:Choice>
-    <mc:Fallback xmlns:p15="http://schemas.microsoft.com/office/powerpoint/2012/main" xmlns="">
+    <mc:Fallback xmlns="" xmlns:p15="http://schemas.microsoft.com/office/powerpoint/2012/main">
       <p:transition spd="slow"/>
     </mc:Fallback>
   </mc:AlternateContent>
@@ -25196,7 +25201,7 @@
     <mc:Choice Requires="p14">
       <p:transition spd="slow" p14:dur="2000"/>
     </mc:Choice>
-    <mc:Fallback xmlns:p15="http://schemas.microsoft.com/office/powerpoint/2012/main" xmlns="">
+    <mc:Fallback xmlns="" xmlns:p15="http://schemas.microsoft.com/office/powerpoint/2012/main">
       <p:transition spd="slow"/>
     </mc:Fallback>
   </mc:AlternateContent>
@@ -25574,7 +25579,7 @@
     <mc:Choice Requires="p14">
       <p:transition spd="slow" p14:dur="2000"/>
     </mc:Choice>
-    <mc:Fallback xmlns:p15="http://schemas.microsoft.com/office/powerpoint/2012/main" xmlns="">
+    <mc:Fallback xmlns="" xmlns:p15="http://schemas.microsoft.com/office/powerpoint/2012/main">
       <p:transition spd="slow"/>
     </mc:Fallback>
   </mc:AlternateContent>
@@ -28478,7 +28483,7 @@
     <mc:Choice Requires="p14">
       <p:transition spd="slow" p14:dur="2000"/>
     </mc:Choice>
-    <mc:Fallback xmlns:p15="http://schemas.microsoft.com/office/powerpoint/2012/main" xmlns="">
+    <mc:Fallback xmlns="" xmlns:p15="http://schemas.microsoft.com/office/powerpoint/2012/main">
       <p:transition spd="slow"/>
     </mc:Fallback>
   </mc:AlternateContent>
@@ -31139,7 +31144,7 @@
     <mc:Choice Requires="p14">
       <p:transition spd="slow" p14:dur="2000"/>
     </mc:Choice>
-    <mc:Fallback xmlns:p15="http://schemas.microsoft.com/office/powerpoint/2012/main" xmlns="">
+    <mc:Fallback xmlns="" xmlns:p15="http://schemas.microsoft.com/office/powerpoint/2012/main">
       <p:transition spd="slow"/>
     </mc:Fallback>
   </mc:AlternateContent>
@@ -37739,7 +37744,7 @@
     <mc:Choice Requires="p14">
       <p:transition spd="slow" p14:dur="2000"/>
     </mc:Choice>
-    <mc:Fallback xmlns:p15="http://schemas.microsoft.com/office/powerpoint/2012/main" xmlns="">
+    <mc:Fallback xmlns="" xmlns:p15="http://schemas.microsoft.com/office/powerpoint/2012/main">
       <p:transition spd="slow"/>
     </mc:Fallback>
   </mc:AlternateContent>
@@ -42792,7 +42797,7 @@
     <mc:Choice Requires="p14">
       <p:transition spd="slow" p14:dur="2000"/>
     </mc:Choice>
-    <mc:Fallback xmlns:p15="http://schemas.microsoft.com/office/powerpoint/2012/main" xmlns="">
+    <mc:Fallback xmlns="" xmlns:p15="http://schemas.microsoft.com/office/powerpoint/2012/main">
       <p:transition spd="slow"/>
     </mc:Fallback>
   </mc:AlternateContent>
@@ -42940,7 +42945,7 @@
     <mc:Choice Requires="p14">
       <p:transition spd="slow" p14:dur="2000"/>
     </mc:Choice>
-    <mc:Fallback xmlns:p15="http://schemas.microsoft.com/office/powerpoint/2012/main" xmlns="">
+    <mc:Fallback xmlns="" xmlns:p15="http://schemas.microsoft.com/office/powerpoint/2012/main">
       <p:transition spd="slow"/>
     </mc:Fallback>
   </mc:AlternateContent>
@@ -43503,7 +43508,7 @@
     <mc:Choice Requires="p14">
       <p:transition spd="slow" p14:dur="2000"/>
     </mc:Choice>
-    <mc:Fallback xmlns:p15="http://schemas.microsoft.com/office/powerpoint/2012/main" xmlns="">
+    <mc:Fallback xmlns="" xmlns:p15="http://schemas.microsoft.com/office/powerpoint/2012/main">
       <p:transition spd="slow"/>
     </mc:Fallback>
   </mc:AlternateContent>
@@ -46050,7 +46055,7 @@
     <mc:Choice Requires="p14">
       <p:transition spd="slow" p14:dur="2000"/>
     </mc:Choice>
-    <mc:Fallback xmlns:p15="http://schemas.microsoft.com/office/powerpoint/2012/main" xmlns="">
+    <mc:Fallback xmlns="" xmlns:p15="http://schemas.microsoft.com/office/powerpoint/2012/main">
       <p:transition spd="slow"/>
     </mc:Fallback>
   </mc:AlternateContent>
@@ -49431,7 +49436,7 @@
     <mc:Choice Requires="p14">
       <p:transition spd="slow" p14:dur="2000"/>
     </mc:Choice>
-    <mc:Fallback xmlns:p15="http://schemas.microsoft.com/office/powerpoint/2012/main" xmlns="">
+    <mc:Fallback xmlns="" xmlns:p15="http://schemas.microsoft.com/office/powerpoint/2012/main">
       <p:transition spd="slow"/>
     </mc:Fallback>
   </mc:AlternateContent>

--- a/Presentations/EMR Interroperability V0.1.pptx
+++ b/Presentations/EMR Interroperability V0.1.pptx
@@ -1160,8 +1160,8 @@
         </p:nvSpPr>
         <p:spPr>
           <a:xfrm>
-            <a:off x="420840" y="1241280"/>
-            <a:ext cx="5955480" cy="3350520"/>
+            <a:off x="420688" y="1241425"/>
+            <a:ext cx="5956300" cy="3349625"/>
           </a:xfrm>
           <a:prstGeom prst="rect">
             <a:avLst/>
@@ -15007,7 +15007,7 @@
     <mc:Choice Requires="p14">
       <p:transition spd="slow" p14:dur="2000"/>
     </mc:Choice>
-    <mc:Fallback xmlns="" xmlns:p15="http://schemas.microsoft.com/office/powerpoint/2012/main">
+    <mc:Fallback xmlns:p15="http://schemas.microsoft.com/office/powerpoint/2012/main" xmlns="">
       <p:transition spd="slow"/>
     </mc:Fallback>
   </mc:AlternateContent>
@@ -16544,7 +16544,7 @@
     <mc:Choice Requires="p14">
       <p:transition spd="slow" p14:dur="2000"/>
     </mc:Choice>
-    <mc:Fallback xmlns="" xmlns:p15="http://schemas.microsoft.com/office/powerpoint/2012/main">
+    <mc:Fallback xmlns:p15="http://schemas.microsoft.com/office/powerpoint/2012/main" xmlns="">
       <p:transition spd="slow"/>
     </mc:Fallback>
   </mc:AlternateContent>
@@ -17016,7 +17016,7 @@
           <p:nvPr>
             <p:extLst>
               <p:ext uri="{D42A27DB-BD31-4B8C-83A1-F6EECF244321}">
-                <p14:modId xmlns:p14="http://schemas.microsoft.com/office/powerpoint/2010/main" val="3837168042"/>
+                <p14:modId xmlns:p14="http://schemas.microsoft.com/office/powerpoint/2010/main" val="2851200474"/>
               </p:ext>
             </p:extLst>
           </p:nvPr>
@@ -17030,30 +17030,23 @@
             <a:tbl>
               <a:tblPr/>
               <a:tblGrid>
-                <a:gridCol w="2518200">
+                <a:gridCol w="3777300">
                   <a:extLst>
                     <a:ext uri="{9D8B030D-6E8A-4147-A177-3AD203B41FA5}">
                       <a16:colId xmlns:a16="http://schemas.microsoft.com/office/drawing/2014/main" val="20000"/>
                     </a:ext>
                   </a:extLst>
                 </a:gridCol>
-                <a:gridCol w="2518200">
+                <a:gridCol w="3777300">
                   <a:extLst>
                     <a:ext uri="{9D8B030D-6E8A-4147-A177-3AD203B41FA5}">
                       <a16:colId xmlns:a16="http://schemas.microsoft.com/office/drawing/2014/main" val="20001"/>
                     </a:ext>
                   </a:extLst>
                 </a:gridCol>
-                <a:gridCol w="2518200">
-                  <a:extLst>
-                    <a:ext uri="{9D8B030D-6E8A-4147-A177-3AD203B41FA5}">
-                      <a16:colId xmlns:a16="http://schemas.microsoft.com/office/drawing/2014/main" val="20002"/>
-                    </a:ext>
-                  </a:extLst>
-                </a:gridCol>
               </a:tblGrid>
               <a:tr h="336240">
-                <a:tc gridSpan="3">
+                <a:tc gridSpan="2">
                   <a:txBody>
                     <a:bodyPr/>
                     <a:lstStyle/>
@@ -17079,20 +17072,6 @@
                   </a:txBody>
                   <a:tcPr>
                     <a:noFill/>
-                  </a:tcPr>
-                </a:tc>
-                <a:tc hMerge="1">
-                  <a:txBody>
-                    <a:bodyPr/>
-                    <a:lstStyle/>
-                    <a:p>
-                      <a:endParaRPr lang="en-US"/>
-                    </a:p>
-                  </a:txBody>
-                  <a:tcPr marL="90000" marR="90000">
-                    <a:solidFill>
-                      <a:srgbClr val="729FCF"/>
-                    </a:solidFill>
                   </a:tcPr>
                 </a:tc>
                 <a:tc hMerge="1">
@@ -17181,37 +17160,6 @@
                     <a:noFill/>
                   </a:tcPr>
                 </a:tc>
-                <a:tc>
-                  <a:txBody>
-                    <a:bodyPr/>
-                    <a:lstStyle/>
-                    <a:p>
-                      <a:pPr>
-                        <a:lnSpc>
-                          <a:spcPct val="100000"/>
-                        </a:lnSpc>
-                        <a:tabLst>
-                          <a:tab pos="0" algn="l"/>
-                        </a:tabLst>
-                      </a:pPr>
-                      <a:r>
-                        <a:rPr lang="en-US" sz="1200" b="0" strike="noStrike" spc="-1" smtClean="0">
-                          <a:solidFill>
-                            <a:srgbClr val="000000"/>
-                          </a:solidFill>
-                          <a:latin typeface="Calibri"/>
-                        </a:rPr>
-                        <a:t>Embedding Vector</a:t>
-                      </a:r>
-                      <a:endParaRPr lang="en-US" sz="1200" b="0" strike="noStrike" spc="-1" dirty="0">
-                        <a:latin typeface="Arial"/>
-                      </a:endParaRPr>
-                    </a:p>
-                  </a:txBody>
-                  <a:tcPr>
-                    <a:noFill/>
-                  </a:tcPr>
-                </a:tc>
                 <a:extLst>
                   <a:ext uri="{0D108BD9-81ED-4DB2-BD59-A6C34878D82A}">
                     <a16:rowId xmlns:a16="http://schemas.microsoft.com/office/drawing/2014/main" val="10001"/>
@@ -17231,10 +17179,17 @@
     <mc:Choice Requires="p14">
       <p:transition spd="slow" p14:dur="2000"/>
     </mc:Choice>
-    <mc:Fallback xmlns="" xmlns:p15="http://schemas.microsoft.com/office/powerpoint/2012/main">
+    <mc:Fallback xmlns:p15="http://schemas.microsoft.com/office/powerpoint/2012/main" xmlns="">
       <p:transition spd="slow"/>
     </mc:Fallback>
   </mc:AlternateContent>
+  <p:timing>
+    <p:tnLst>
+      <p:par>
+        <p:cTn id="1" dur="indefinite" restart="never" nodeType="tmRoot"/>
+      </p:par>
+    </p:tnLst>
+  </p:timing>
 </p:sld>
 </file>
 
@@ -17676,7 +17631,7 @@
               </a:lnSpc>
             </a:pPr>
             <a:r>
-              <a:rPr lang="en-US" sz="1200" b="1" strike="noStrike" spc="-1">
+              <a:rPr lang="en-US" sz="1200" b="1" strike="noStrike" spc="-1" dirty="0">
                 <a:solidFill>
                   <a:srgbClr val="000000"/>
                 </a:solidFill>
@@ -17686,16 +17641,46 @@
               <a:t>IF</a:t>
             </a:r>
             <a:r>
-              <a:rPr lang="en-US" sz="1200" b="0" strike="noStrike" spc="-1">
+              <a:rPr lang="en-US" sz="1200" b="0" strike="noStrike" spc="-1" dirty="0">
                 <a:solidFill>
                   <a:srgbClr val="000000"/>
                 </a:solidFill>
                 <a:latin typeface="Calibri"/>
                 <a:ea typeface="DejaVu Sans"/>
               </a:rPr>
-              <a:t> AttributeType = ‘integer’</a:t>
+              <a:t> </a:t>
             </a:r>
-            <a:endParaRPr lang="en-US" sz="1200" b="0" strike="noStrike" spc="-1">
+            <a:r>
+              <a:rPr lang="en-US" sz="1200" b="0" strike="noStrike" spc="-1" dirty="0" err="1">
+                <a:solidFill>
+                  <a:srgbClr val="000000"/>
+                </a:solidFill>
+                <a:latin typeface="Calibri"/>
+                <a:ea typeface="DejaVu Sans"/>
+              </a:rPr>
+              <a:t>AttributeType</a:t>
+            </a:r>
+            <a:r>
+              <a:rPr lang="en-US" sz="1200" b="0" strike="noStrike" spc="-1" dirty="0">
+                <a:solidFill>
+                  <a:srgbClr val="000000"/>
+                </a:solidFill>
+                <a:latin typeface="Calibri"/>
+                <a:ea typeface="DejaVu Sans"/>
+              </a:rPr>
+              <a:t> = </a:t>
+            </a:r>
+            <a:r>
+              <a:rPr lang="en-US" sz="1200" b="0" strike="noStrike" spc="-1" dirty="0" smtClean="0">
+                <a:solidFill>
+                  <a:srgbClr val="000000"/>
+                </a:solidFill>
+                <a:latin typeface="Calibri"/>
+                <a:ea typeface="DejaVu Sans"/>
+              </a:rPr>
+              <a:t>‘long’</a:t>
+            </a:r>
+            <a:endParaRPr lang="en-US" sz="1200" b="0" strike="noStrike" spc="-1" dirty="0">
               <a:latin typeface="Arial"/>
             </a:endParaRPr>
           </a:p>
@@ -17706,7 +17691,7 @@
               </a:lnSpc>
             </a:pPr>
             <a:r>
-              <a:rPr lang="en-US" sz="1200" b="1" strike="noStrike" spc="-1">
+              <a:rPr lang="en-US" sz="1200" b="1" strike="noStrike" spc="-1" dirty="0">
                 <a:solidFill>
                   <a:srgbClr val="000000"/>
                 </a:solidFill>
@@ -17716,7 +17701,7 @@
               <a:t>THEN</a:t>
             </a:r>
             <a:r>
-              <a:rPr lang="en-US" sz="1200" b="0" strike="noStrike" spc="-1">
+              <a:rPr lang="en-US" sz="1200" b="0" strike="noStrike" spc="-1" dirty="0">
                 <a:solidFill>
                   <a:srgbClr val="000000"/>
                 </a:solidFill>
@@ -17725,7 +17710,7 @@
               </a:rPr>
               <a:t> False</a:t>
             </a:r>
-            <a:endParaRPr lang="en-US" sz="1200" b="0" strike="noStrike" spc="-1">
+            <a:endParaRPr lang="en-US" sz="1200" b="0" strike="noStrike" spc="-1" dirty="0">
               <a:latin typeface="Arial"/>
             </a:endParaRPr>
           </a:p>
@@ -19946,7 +19931,7 @@
               </a:lnSpc>
             </a:pPr>
             <a:r>
-              <a:rPr lang="en-US" sz="1200" b="1" strike="noStrike" spc="-1">
+              <a:rPr lang="en-US" sz="1200" b="1" strike="noStrike" spc="-1" dirty="0">
                 <a:solidFill>
                   <a:srgbClr val="000000"/>
                 </a:solidFill>
@@ -19956,17 +19941,37 @@
               <a:t>IF</a:t>
             </a:r>
             <a:r>
-              <a:rPr lang="en-US" sz="1200" b="0" strike="noStrike" spc="-1">
+              <a:rPr lang="en-US" sz="1200" b="0" strike="noStrike" spc="-1" dirty="0">
                 <a:solidFill>
                   <a:srgbClr val="000000"/>
                 </a:solidFill>
                 <a:latin typeface="Calibri"/>
                 <a:ea typeface="DejaVu Sans"/>
               </a:rPr>
-              <a:t> AttributeType </a:t>
+              <a:t> </a:t>
             </a:r>
             <a:r>
-              <a:rPr lang="en-US" sz="1200" b="0" strike="noStrike" spc="-1">
+              <a:rPr lang="en-US" sz="1200" b="0" strike="noStrike" spc="-1" dirty="0" err="1">
+                <a:solidFill>
+                  <a:srgbClr val="000000"/>
+                </a:solidFill>
+                <a:latin typeface="Calibri"/>
+                <a:ea typeface="DejaVu Sans"/>
+              </a:rPr>
+              <a:t>AttributeType</a:t>
+            </a:r>
+            <a:r>
+              <a:rPr lang="en-US" sz="1200" b="0" strike="noStrike" spc="-1" dirty="0">
+                <a:solidFill>
+                  <a:srgbClr val="000000"/>
+                </a:solidFill>
+                <a:latin typeface="Calibri"/>
+                <a:ea typeface="DejaVu Sans"/>
+              </a:rPr>
+              <a:t> </a:t>
+            </a:r>
+            <a:r>
+              <a:rPr lang="en-US" sz="1200" b="0" strike="noStrike" spc="-1" dirty="0">
                 <a:solidFill>
                   <a:srgbClr val="000000"/>
                 </a:solidFill>
@@ -19976,16 +19981,26 @@
               <a:t></a:t>
             </a:r>
             <a:r>
-              <a:rPr lang="en-US" sz="1200" b="0" strike="noStrike" spc="-1">
+              <a:rPr lang="en-US" sz="1200" b="0" strike="noStrike" spc="-1" dirty="0">
                 <a:solidFill>
                   <a:srgbClr val="000000"/>
                 </a:solidFill>
                 <a:latin typeface="Calibri"/>
                 <a:ea typeface="DejaVu Sans"/>
               </a:rPr>
-              <a:t> ‘integer’</a:t>
+              <a:t> </a:t>
             </a:r>
-            <a:endParaRPr lang="en-US" sz="1200" b="0" strike="noStrike" spc="-1">
+            <a:r>
+              <a:rPr lang="en-US" sz="1200" b="0" strike="noStrike" spc="-1" dirty="0" smtClean="0">
+                <a:solidFill>
+                  <a:srgbClr val="000000"/>
+                </a:solidFill>
+                <a:latin typeface="Calibri"/>
+                <a:ea typeface="DejaVu Sans"/>
+              </a:rPr>
+              <a:t>‘long’</a:t>
+            </a:r>
+            <a:endParaRPr lang="en-US" sz="1200" b="0" strike="noStrike" spc="-1" dirty="0">
               <a:latin typeface="Arial"/>
             </a:endParaRPr>
           </a:p>
@@ -19996,7 +20011,7 @@
               </a:lnSpc>
             </a:pPr>
             <a:r>
-              <a:rPr lang="en-US" sz="1200" b="1" strike="noStrike" spc="-1">
+              <a:rPr lang="en-US" sz="1200" b="1" strike="noStrike" spc="-1" dirty="0">
                 <a:solidFill>
                   <a:srgbClr val="000000"/>
                 </a:solidFill>
@@ -20006,7 +20021,7 @@
               <a:t>THEN</a:t>
             </a:r>
             <a:r>
-              <a:rPr lang="en-US" sz="1200" b="0" strike="noStrike" spc="-1">
+              <a:rPr lang="en-US" sz="1200" b="0" strike="noStrike" spc="-1" dirty="0">
                 <a:solidFill>
                   <a:srgbClr val="000000"/>
                 </a:solidFill>
@@ -20015,7 +20030,7 @@
               </a:rPr>
               <a:t> False</a:t>
             </a:r>
-            <a:endParaRPr lang="en-US" sz="1200" b="0" strike="noStrike" spc="-1">
+            <a:endParaRPr lang="en-US" sz="1200" b="0" strike="noStrike" spc="-1" dirty="0">
               <a:latin typeface="Arial"/>
             </a:endParaRPr>
           </a:p>
@@ -20685,10 +20700,17 @@
     <mc:Choice Requires="p14">
       <p:transition spd="slow" p14:dur="2000"/>
     </mc:Choice>
-    <mc:Fallback xmlns="" xmlns:p15="http://schemas.microsoft.com/office/powerpoint/2012/main">
+    <mc:Fallback xmlns:p15="http://schemas.microsoft.com/office/powerpoint/2012/main" xmlns="">
       <p:transition spd="slow"/>
     </mc:Fallback>
   </mc:AlternateContent>
+  <p:timing>
+    <p:tnLst>
+      <p:par>
+        <p:cTn id="1" dur="indefinite" restart="never" nodeType="tmRoot"/>
+      </p:par>
+    </p:tnLst>
+  </p:timing>
 </p:sld>
 </file>
 
@@ -22948,10 +22970,17 @@
     <mc:Choice Requires="p14">
       <p:transition spd="slow" p14:dur="2000"/>
     </mc:Choice>
-    <mc:Fallback xmlns="" xmlns:p15="http://schemas.microsoft.com/office/powerpoint/2012/main">
+    <mc:Fallback xmlns:p15="http://schemas.microsoft.com/office/powerpoint/2012/main" xmlns="">
       <p:transition spd="slow"/>
     </mc:Fallback>
   </mc:AlternateContent>
+  <p:timing>
+    <p:tnLst>
+      <p:par>
+        <p:cTn id="1" dur="indefinite" restart="never" nodeType="tmRoot"/>
+      </p:par>
+    </p:tnLst>
+  </p:timing>
 </p:sld>
 </file>
 
@@ -25201,10 +25230,17 @@
     <mc:Choice Requires="p14">
       <p:transition spd="slow" p14:dur="2000"/>
     </mc:Choice>
-    <mc:Fallback xmlns="" xmlns:p15="http://schemas.microsoft.com/office/powerpoint/2012/main">
+    <mc:Fallback xmlns:p15="http://schemas.microsoft.com/office/powerpoint/2012/main" xmlns="">
       <p:transition spd="slow"/>
     </mc:Fallback>
   </mc:AlternateContent>
+  <p:timing>
+    <p:tnLst>
+      <p:par>
+        <p:cTn id="1" dur="indefinite" restart="never" nodeType="tmRoot"/>
+      </p:par>
+    </p:tnLst>
+  </p:timing>
 </p:sld>
 </file>
 
@@ -25579,7 +25615,7 @@
     <mc:Choice Requires="p14">
       <p:transition spd="slow" p14:dur="2000"/>
     </mc:Choice>
-    <mc:Fallback xmlns="" xmlns:p15="http://schemas.microsoft.com/office/powerpoint/2012/main">
+    <mc:Fallback xmlns:p15="http://schemas.microsoft.com/office/powerpoint/2012/main" xmlns="">
       <p:transition spd="slow"/>
     </mc:Fallback>
   </mc:AlternateContent>
@@ -28483,7 +28519,7 @@
     <mc:Choice Requires="p14">
       <p:transition spd="slow" p14:dur="2000"/>
     </mc:Choice>
-    <mc:Fallback xmlns="" xmlns:p15="http://schemas.microsoft.com/office/powerpoint/2012/main">
+    <mc:Fallback xmlns:p15="http://schemas.microsoft.com/office/powerpoint/2012/main" xmlns="">
       <p:transition spd="slow"/>
     </mc:Fallback>
   </mc:AlternateContent>
@@ -31144,7 +31180,7 @@
     <mc:Choice Requires="p14">
       <p:transition spd="slow" p14:dur="2000"/>
     </mc:Choice>
-    <mc:Fallback xmlns="" xmlns:p15="http://schemas.microsoft.com/office/powerpoint/2012/main">
+    <mc:Fallback xmlns:p15="http://schemas.microsoft.com/office/powerpoint/2012/main" xmlns="">
       <p:transition spd="slow"/>
     </mc:Fallback>
   </mc:AlternateContent>
@@ -37744,7 +37780,7 @@
     <mc:Choice Requires="p14">
       <p:transition spd="slow" p14:dur="2000"/>
     </mc:Choice>
-    <mc:Fallback xmlns="" xmlns:p15="http://schemas.microsoft.com/office/powerpoint/2012/main">
+    <mc:Fallback xmlns:p15="http://schemas.microsoft.com/office/powerpoint/2012/main" xmlns="">
       <p:transition spd="slow"/>
     </mc:Fallback>
   </mc:AlternateContent>
@@ -42797,7 +42833,7 @@
     <mc:Choice Requires="p14">
       <p:transition spd="slow" p14:dur="2000"/>
     </mc:Choice>
-    <mc:Fallback xmlns="" xmlns:p15="http://schemas.microsoft.com/office/powerpoint/2012/main">
+    <mc:Fallback xmlns:p15="http://schemas.microsoft.com/office/powerpoint/2012/main" xmlns="">
       <p:transition spd="slow"/>
     </mc:Fallback>
   </mc:AlternateContent>
@@ -42945,7 +42981,7 @@
     <mc:Choice Requires="p14">
       <p:transition spd="slow" p14:dur="2000"/>
     </mc:Choice>
-    <mc:Fallback xmlns="" xmlns:p15="http://schemas.microsoft.com/office/powerpoint/2012/main">
+    <mc:Fallback xmlns:p15="http://schemas.microsoft.com/office/powerpoint/2012/main" xmlns="">
       <p:transition spd="slow"/>
     </mc:Fallback>
   </mc:AlternateContent>
@@ -43508,7 +43544,7 @@
     <mc:Choice Requires="p14">
       <p:transition spd="slow" p14:dur="2000"/>
     </mc:Choice>
-    <mc:Fallback xmlns="" xmlns:p15="http://schemas.microsoft.com/office/powerpoint/2012/main">
+    <mc:Fallback xmlns:p15="http://schemas.microsoft.com/office/powerpoint/2012/main" xmlns="">
       <p:transition spd="slow"/>
     </mc:Fallback>
   </mc:AlternateContent>
@@ -46055,7 +46091,7 @@
     <mc:Choice Requires="p14">
       <p:transition spd="slow" p14:dur="2000"/>
     </mc:Choice>
-    <mc:Fallback xmlns="" xmlns:p15="http://schemas.microsoft.com/office/powerpoint/2012/main">
+    <mc:Fallback xmlns:p15="http://schemas.microsoft.com/office/powerpoint/2012/main" xmlns="">
       <p:transition spd="slow"/>
     </mc:Fallback>
   </mc:AlternateContent>
@@ -49436,7 +49472,7 @@
     <mc:Choice Requires="p14">
       <p:transition spd="slow" p14:dur="2000"/>
     </mc:Choice>
-    <mc:Fallback xmlns="" xmlns:p15="http://schemas.microsoft.com/office/powerpoint/2012/main">
+    <mc:Fallback xmlns:p15="http://schemas.microsoft.com/office/powerpoint/2012/main" xmlns="">
       <p:transition spd="slow"/>
     </mc:Fallback>
   </mc:AlternateContent>

--- a/Presentations/EMR Interroperability V0.1.pptx
+++ b/Presentations/EMR Interroperability V0.1.pptx
@@ -15007,7 +15007,7 @@
     <mc:Choice Requires="p14">
       <p:transition spd="slow" p14:dur="2000"/>
     </mc:Choice>
-    <mc:Fallback xmlns:p15="http://schemas.microsoft.com/office/powerpoint/2012/main" xmlns="">
+    <mc:Fallback xmlns="" xmlns:p15="http://schemas.microsoft.com/office/powerpoint/2012/main">
       <p:transition spd="slow"/>
     </mc:Fallback>
   </mc:AlternateContent>
@@ -16544,7 +16544,7 @@
     <mc:Choice Requires="p14">
       <p:transition spd="slow" p14:dur="2000"/>
     </mc:Choice>
-    <mc:Fallback xmlns:p15="http://schemas.microsoft.com/office/powerpoint/2012/main" xmlns="">
+    <mc:Fallback xmlns="" xmlns:p15="http://schemas.microsoft.com/office/powerpoint/2012/main">
       <p:transition spd="slow"/>
     </mc:Fallback>
   </mc:AlternateContent>
@@ -17179,7 +17179,7 @@
     <mc:Choice Requires="p14">
       <p:transition spd="slow" p14:dur="2000"/>
     </mc:Choice>
-    <mc:Fallback xmlns:p15="http://schemas.microsoft.com/office/powerpoint/2012/main" xmlns="">
+    <mc:Fallback xmlns="" xmlns:p15="http://schemas.microsoft.com/office/powerpoint/2012/main">
       <p:transition spd="slow"/>
     </mc:Fallback>
   </mc:AlternateContent>
@@ -20700,7 +20700,7 @@
     <mc:Choice Requires="p14">
       <p:transition spd="slow" p14:dur="2000"/>
     </mc:Choice>
-    <mc:Fallback xmlns:p15="http://schemas.microsoft.com/office/powerpoint/2012/main" xmlns="">
+    <mc:Fallback xmlns="" xmlns:p15="http://schemas.microsoft.com/office/powerpoint/2012/main">
       <p:transition spd="slow"/>
     </mc:Fallback>
   </mc:AlternateContent>
@@ -22970,7 +22970,7 @@
     <mc:Choice Requires="p14">
       <p:transition spd="slow" p14:dur="2000"/>
     </mc:Choice>
-    <mc:Fallback xmlns:p15="http://schemas.microsoft.com/office/powerpoint/2012/main" xmlns="">
+    <mc:Fallback xmlns="" xmlns:p15="http://schemas.microsoft.com/office/powerpoint/2012/main">
       <p:transition spd="slow"/>
     </mc:Fallback>
   </mc:AlternateContent>
@@ -25230,7 +25230,7 @@
     <mc:Choice Requires="p14">
       <p:transition spd="slow" p14:dur="2000"/>
     </mc:Choice>
-    <mc:Fallback xmlns:p15="http://schemas.microsoft.com/office/powerpoint/2012/main" xmlns="">
+    <mc:Fallback xmlns="" xmlns:p15="http://schemas.microsoft.com/office/powerpoint/2012/main">
       <p:transition spd="slow"/>
     </mc:Fallback>
   </mc:AlternateContent>
@@ -25615,7 +25615,7 @@
     <mc:Choice Requires="p14">
       <p:transition spd="slow" p14:dur="2000"/>
     </mc:Choice>
-    <mc:Fallback xmlns:p15="http://schemas.microsoft.com/office/powerpoint/2012/main" xmlns="">
+    <mc:Fallback xmlns="" xmlns:p15="http://schemas.microsoft.com/office/powerpoint/2012/main">
       <p:transition spd="slow"/>
     </mc:Fallback>
   </mc:AlternateContent>
@@ -28519,7 +28519,7 @@
     <mc:Choice Requires="p14">
       <p:transition spd="slow" p14:dur="2000"/>
     </mc:Choice>
-    <mc:Fallback xmlns:p15="http://schemas.microsoft.com/office/powerpoint/2012/main" xmlns="">
+    <mc:Fallback xmlns="" xmlns:p15="http://schemas.microsoft.com/office/powerpoint/2012/main">
       <p:transition spd="slow"/>
     </mc:Fallback>
   </mc:AlternateContent>
@@ -31180,7 +31180,7 @@
     <mc:Choice Requires="p14">
       <p:transition spd="slow" p14:dur="2000"/>
     </mc:Choice>
-    <mc:Fallback xmlns:p15="http://schemas.microsoft.com/office/powerpoint/2012/main" xmlns="">
+    <mc:Fallback xmlns="" xmlns:p15="http://schemas.microsoft.com/office/powerpoint/2012/main">
       <p:transition spd="slow"/>
     </mc:Fallback>
   </mc:AlternateContent>
@@ -37780,7 +37780,7 @@
     <mc:Choice Requires="p14">
       <p:transition spd="slow" p14:dur="2000"/>
     </mc:Choice>
-    <mc:Fallback xmlns:p15="http://schemas.microsoft.com/office/powerpoint/2012/main" xmlns="">
+    <mc:Fallback xmlns="" xmlns:p15="http://schemas.microsoft.com/office/powerpoint/2012/main">
       <p:transition spd="slow"/>
     </mc:Fallback>
   </mc:AlternateContent>
@@ -42833,7 +42833,7 @@
     <mc:Choice Requires="p14">
       <p:transition spd="slow" p14:dur="2000"/>
     </mc:Choice>
-    <mc:Fallback xmlns:p15="http://schemas.microsoft.com/office/powerpoint/2012/main" xmlns="">
+    <mc:Fallback xmlns="" xmlns:p15="http://schemas.microsoft.com/office/powerpoint/2012/main">
       <p:transition spd="slow"/>
     </mc:Fallback>
   </mc:AlternateContent>
@@ -42981,7 +42981,7 @@
     <mc:Choice Requires="p14">
       <p:transition spd="slow" p14:dur="2000"/>
     </mc:Choice>
-    <mc:Fallback xmlns:p15="http://schemas.microsoft.com/office/powerpoint/2012/main" xmlns="">
+    <mc:Fallback xmlns="" xmlns:p15="http://schemas.microsoft.com/office/powerpoint/2012/main">
       <p:transition spd="slow"/>
     </mc:Fallback>
   </mc:AlternateContent>
@@ -43544,7 +43544,7 @@
     <mc:Choice Requires="p14">
       <p:transition spd="slow" p14:dur="2000"/>
     </mc:Choice>
-    <mc:Fallback xmlns:p15="http://schemas.microsoft.com/office/powerpoint/2012/main" xmlns="">
+    <mc:Fallback xmlns="" xmlns:p15="http://schemas.microsoft.com/office/powerpoint/2012/main">
       <p:transition spd="slow"/>
     </mc:Fallback>
   </mc:AlternateContent>
@@ -46091,7 +46091,7 @@
     <mc:Choice Requires="p14">
       <p:transition spd="slow" p14:dur="2000"/>
     </mc:Choice>
-    <mc:Fallback xmlns:p15="http://schemas.microsoft.com/office/powerpoint/2012/main" xmlns="">
+    <mc:Fallback xmlns="" xmlns:p15="http://schemas.microsoft.com/office/powerpoint/2012/main">
       <p:transition spd="slow"/>
     </mc:Fallback>
   </mc:AlternateContent>
@@ -49472,7 +49472,7 @@
     <mc:Choice Requires="p14">
       <p:transition spd="slow" p14:dur="2000"/>
     </mc:Choice>
-    <mc:Fallback xmlns:p15="http://schemas.microsoft.com/office/powerpoint/2012/main" xmlns="">
+    <mc:Fallback xmlns="" xmlns:p15="http://schemas.microsoft.com/office/powerpoint/2012/main">
       <p:transition spd="slow"/>
     </mc:Fallback>
   </mc:AlternateContent>
